--- a/SelfSeminar_2_ServerAndServerLanguage.pptx
+++ b/SelfSeminar_2_ServerAndServerLanguage.pptx
@@ -6,7 +6,14 @@
   </p:sldMasterIdLst>
   <p:sldIdLst>
     <p:sldId id="256" r:id="rId2"/>
-    <p:sldId id="257" r:id="rId3"/>
+    <p:sldId id="258" r:id="rId3"/>
+    <p:sldId id="259" r:id="rId4"/>
+    <p:sldId id="264" r:id="rId5"/>
+    <p:sldId id="260" r:id="rId6"/>
+    <p:sldId id="261" r:id="rId7"/>
+    <p:sldId id="262" r:id="rId8"/>
+    <p:sldId id="263" r:id="rId9"/>
+    <p:sldId id="257" r:id="rId10"/>
   </p:sldIdLst>
   <p:sldSz cx="12192000" cy="6858000"/>
   <p:notesSz cx="6858000" cy="9144000"/>
@@ -105,6 +112,11 @@
       </a:defRPr>
     </a:lvl9pPr>
   </p:defaultTextStyle>
+  <p:extLst>
+    <p:ext uri="{EFAFB233-063F-42B5-8137-9DF3F51BA10A}">
+      <p15:sldGuideLst xmlns:p15="http://schemas.microsoft.com/office/powerpoint/2012/main"/>
+    </p:ext>
+  </p:extLst>
 </p:presentation>
 </file>
 
@@ -255,7 +267,7 @@
           <a:p>
             <a:fld id="{19C79B61-690A-4CCE-AEC1-B32C751A2850}" type="datetimeFigureOut">
               <a:rPr lang="ko-KR" altLang="en-US" smtClean="0"/>
-              <a:t>2020-10-29</a:t>
+              <a:t>2020-10-31</a:t>
             </a:fld>
             <a:endParaRPr lang="ko-KR" altLang="en-US"/>
           </a:p>
@@ -453,7 +465,7 @@
           <a:p>
             <a:fld id="{19C79B61-690A-4CCE-AEC1-B32C751A2850}" type="datetimeFigureOut">
               <a:rPr lang="ko-KR" altLang="en-US" smtClean="0"/>
-              <a:t>2020-10-29</a:t>
+              <a:t>2020-10-31</a:t>
             </a:fld>
             <a:endParaRPr lang="ko-KR" altLang="en-US"/>
           </a:p>
@@ -661,7 +673,7 @@
           <a:p>
             <a:fld id="{19C79B61-690A-4CCE-AEC1-B32C751A2850}" type="datetimeFigureOut">
               <a:rPr lang="ko-KR" altLang="en-US" smtClean="0"/>
-              <a:t>2020-10-29</a:t>
+              <a:t>2020-10-31</a:t>
             </a:fld>
             <a:endParaRPr lang="ko-KR" altLang="en-US"/>
           </a:p>
@@ -859,7 +871,7 @@
           <a:p>
             <a:fld id="{19C79B61-690A-4CCE-AEC1-B32C751A2850}" type="datetimeFigureOut">
               <a:rPr lang="ko-KR" altLang="en-US" smtClean="0"/>
-              <a:t>2020-10-29</a:t>
+              <a:t>2020-10-31</a:t>
             </a:fld>
             <a:endParaRPr lang="ko-KR" altLang="en-US"/>
           </a:p>
@@ -1134,7 +1146,7 @@
           <a:p>
             <a:fld id="{19C79B61-690A-4CCE-AEC1-B32C751A2850}" type="datetimeFigureOut">
               <a:rPr lang="ko-KR" altLang="en-US" smtClean="0"/>
-              <a:t>2020-10-29</a:t>
+              <a:t>2020-10-31</a:t>
             </a:fld>
             <a:endParaRPr lang="ko-KR" altLang="en-US"/>
           </a:p>
@@ -1399,7 +1411,7 @@
           <a:p>
             <a:fld id="{19C79B61-690A-4CCE-AEC1-B32C751A2850}" type="datetimeFigureOut">
               <a:rPr lang="ko-KR" altLang="en-US" smtClean="0"/>
-              <a:t>2020-10-29</a:t>
+              <a:t>2020-10-31</a:t>
             </a:fld>
             <a:endParaRPr lang="ko-KR" altLang="en-US"/>
           </a:p>
@@ -1811,7 +1823,7 @@
           <a:p>
             <a:fld id="{19C79B61-690A-4CCE-AEC1-B32C751A2850}" type="datetimeFigureOut">
               <a:rPr lang="ko-KR" altLang="en-US" smtClean="0"/>
-              <a:t>2020-10-29</a:t>
+              <a:t>2020-10-31</a:t>
             </a:fld>
             <a:endParaRPr lang="ko-KR" altLang="en-US"/>
           </a:p>
@@ -1952,7 +1964,7 @@
           <a:p>
             <a:fld id="{19C79B61-690A-4CCE-AEC1-B32C751A2850}" type="datetimeFigureOut">
               <a:rPr lang="ko-KR" altLang="en-US" smtClean="0"/>
-              <a:t>2020-10-29</a:t>
+              <a:t>2020-10-31</a:t>
             </a:fld>
             <a:endParaRPr lang="ko-KR" altLang="en-US"/>
           </a:p>
@@ -2065,7 +2077,7 @@
           <a:p>
             <a:fld id="{19C79B61-690A-4CCE-AEC1-B32C751A2850}" type="datetimeFigureOut">
               <a:rPr lang="ko-KR" altLang="en-US" smtClean="0"/>
-              <a:t>2020-10-29</a:t>
+              <a:t>2020-10-31</a:t>
             </a:fld>
             <a:endParaRPr lang="ko-KR" altLang="en-US"/>
           </a:p>
@@ -2376,7 +2388,7 @@
           <a:p>
             <a:fld id="{19C79B61-690A-4CCE-AEC1-B32C751A2850}" type="datetimeFigureOut">
               <a:rPr lang="ko-KR" altLang="en-US" smtClean="0"/>
-              <a:t>2020-10-29</a:t>
+              <a:t>2020-10-31</a:t>
             </a:fld>
             <a:endParaRPr lang="ko-KR" altLang="en-US"/>
           </a:p>
@@ -2664,7 +2676,7 @@
           <a:p>
             <a:fld id="{19C79B61-690A-4CCE-AEC1-B32C751A2850}" type="datetimeFigureOut">
               <a:rPr lang="ko-KR" altLang="en-US" smtClean="0"/>
-              <a:t>2020-10-29</a:t>
+              <a:t>2020-10-31</a:t>
             </a:fld>
             <a:endParaRPr lang="ko-KR" altLang="en-US"/>
           </a:p>
@@ -2905,7 +2917,7 @@
           <a:p>
             <a:fld id="{19C79B61-690A-4CCE-AEC1-B32C751A2850}" type="datetimeFigureOut">
               <a:rPr lang="ko-KR" altLang="en-US" smtClean="0"/>
-              <a:t>2020-10-29</a:t>
+              <a:t>2020-10-31</a:t>
             </a:fld>
             <a:endParaRPr lang="ko-KR" altLang="en-US"/>
           </a:p>
@@ -3308,6 +3320,14 @@
 <file path=ppt/slides/slide1.xml><?xml version="1.0" encoding="utf-8"?>
 <p:sld xmlns:a="http://schemas.openxmlformats.org/drawingml/2006/main" xmlns:r="http://schemas.openxmlformats.org/officeDocument/2006/relationships" xmlns:p="http://schemas.openxmlformats.org/presentationml/2006/main">
   <p:cSld>
+    <p:bg>
+      <p:bgPr>
+        <a:solidFill>
+          <a:schemeClr val="bg1"/>
+        </a:solidFill>
+        <a:effectLst/>
+      </p:bgPr>
+    </p:bg>
     <p:spTree>
       <p:nvGrpSpPr>
         <p:cNvPr id="1" name=""/>
@@ -3322,6 +3342,176 @@
           <a:chExt cx="0" cy="0"/>
         </a:xfrm>
       </p:grpSpPr>
+      <p:sp useBgFill="1">
+        <p:nvSpPr>
+          <p:cNvPr id="9" name="Rectangle 8">
+            <a:extLst>
+              <a:ext uri="{FF2B5EF4-FFF2-40B4-BE49-F238E27FC236}">
+                <a16:creationId xmlns:a16="http://schemas.microsoft.com/office/drawing/2014/main" id="{0671A8AE-40A1-4631-A6B8-581AFF065482}"/>
+              </a:ext>
+              <a:ext uri="{C183D7F6-B498-43B3-948B-1728B52AA6E4}">
+                <adec:decorative xmlns:adec="http://schemas.microsoft.com/office/drawing/2017/decorative" val="1"/>
+              </a:ext>
+            </a:extLst>
+          </p:cNvPr>
+          <p:cNvSpPr>
+            <a:spLocks noGrp="1" noRot="1" noChangeAspect="1" noMove="1" noResize="1" noEditPoints="1" noAdjustHandles="1" noChangeArrowheads="1" noChangeShapeType="1" noTextEdit="1"/>
+          </p:cNvSpPr>
+          <p:nvPr>
+            <p:extLst>
+              <p:ext uri="{386F3935-93C4-4BCD-93E2-E3B085C9AB24}">
+                <p16:designElem xmlns:p16="http://schemas.microsoft.com/office/powerpoint/2015/main" val="1"/>
+              </p:ext>
+            </p:extLst>
+          </p:nvPr>
+        </p:nvSpPr>
+        <p:spPr>
+          <a:xfrm>
+            <a:off x="0" y="0"/>
+            <a:ext cx="12192000" cy="6858000"/>
+          </a:xfrm>
+          <a:prstGeom prst="rect">
+            <a:avLst/>
+          </a:prstGeom>
+          <a:ln>
+            <a:noFill/>
+          </a:ln>
+        </p:spPr>
+        <p:style>
+          <a:lnRef idx="2">
+            <a:schemeClr val="accent1">
+              <a:shade val="50000"/>
+            </a:schemeClr>
+          </a:lnRef>
+          <a:fillRef idx="1">
+            <a:schemeClr val="accent1"/>
+          </a:fillRef>
+          <a:effectRef idx="0">
+            <a:schemeClr val="accent1"/>
+          </a:effectRef>
+          <a:fontRef idx="minor">
+            <a:schemeClr val="lt1"/>
+          </a:fontRef>
+        </p:style>
+        <p:txBody>
+          <a:bodyPr rtlCol="0" anchor="ctr"/>
+          <a:lstStyle/>
+          <a:p>
+            <a:pPr algn="ctr"/>
+            <a:endParaRPr lang="en-US"/>
+          </a:p>
+        </p:txBody>
+      </p:sp>
+      <p:pic>
+        <p:nvPicPr>
+          <p:cNvPr id="5" name="Picture 4">
+            <a:extLst>
+              <a:ext uri="{FF2B5EF4-FFF2-40B4-BE49-F238E27FC236}">
+                <a16:creationId xmlns:a16="http://schemas.microsoft.com/office/drawing/2014/main" id="{B8BACBD1-6CB4-4A29-8F56-A305CA9474E9}"/>
+              </a:ext>
+            </a:extLst>
+          </p:cNvPr>
+          <p:cNvPicPr>
+            <a:picLocks noChangeAspect="1"/>
+          </p:cNvPicPr>
+          <p:nvPr/>
+        </p:nvPicPr>
+        <p:blipFill rotWithShape="1">
+          <a:blip r:embed="rId2"/>
+          <a:srcRect r="15627" b="-1"/>
+          <a:stretch/>
+        </p:blipFill>
+        <p:spPr>
+          <a:xfrm>
+            <a:off x="3523488" y="10"/>
+            <a:ext cx="8668512" cy="6857990"/>
+          </a:xfrm>
+          <a:prstGeom prst="rect">
+            <a:avLst/>
+          </a:prstGeom>
+        </p:spPr>
+      </p:pic>
+      <p:sp>
+        <p:nvSpPr>
+          <p:cNvPr id="11" name="Rectangle 10">
+            <a:extLst>
+              <a:ext uri="{FF2B5EF4-FFF2-40B4-BE49-F238E27FC236}">
+                <a16:creationId xmlns:a16="http://schemas.microsoft.com/office/drawing/2014/main" id="{AB58EF07-17C2-48CF-ABB0-EEF1F17CB8F0}"/>
+              </a:ext>
+              <a:ext uri="{C183D7F6-B498-43B3-948B-1728B52AA6E4}">
+                <adec:decorative xmlns:adec="http://schemas.microsoft.com/office/drawing/2017/decorative" val="1"/>
+              </a:ext>
+            </a:extLst>
+          </p:cNvPr>
+          <p:cNvSpPr>
+            <a:spLocks noGrp="1" noRot="1" noChangeAspect="1" noMove="1" noResize="1" noEditPoints="1" noAdjustHandles="1" noChangeArrowheads="1" noChangeShapeType="1" noTextEdit="1"/>
+          </p:cNvSpPr>
+          <p:nvPr>
+            <p:extLst>
+              <p:ext uri="{386F3935-93C4-4BCD-93E2-E3B085C9AB24}">
+                <p16:designElem xmlns:p16="http://schemas.microsoft.com/office/powerpoint/2015/main" val="1"/>
+              </p:ext>
+            </p:extLst>
+          </p:nvPr>
+        </p:nvSpPr>
+        <p:spPr>
+          <a:xfrm>
+            <a:off x="3" y="0"/>
+            <a:ext cx="9339206" cy="6858000"/>
+          </a:xfrm>
+          <a:prstGeom prst="rect">
+            <a:avLst/>
+          </a:prstGeom>
+          <a:gradFill>
+            <a:gsLst>
+              <a:gs pos="58000">
+                <a:schemeClr val="bg1"/>
+              </a:gs>
+              <a:gs pos="33000">
+                <a:schemeClr val="bg1">
+                  <a:alpha val="64000"/>
+                </a:schemeClr>
+              </a:gs>
+              <a:gs pos="0">
+                <a:schemeClr val="bg1">
+                  <a:alpha val="0"/>
+                </a:schemeClr>
+              </a:gs>
+              <a:gs pos="100000">
+                <a:schemeClr val="bg1"/>
+              </a:gs>
+            </a:gsLst>
+            <a:lin ang="10800000" scaled="0"/>
+          </a:gradFill>
+          <a:ln>
+            <a:noFill/>
+          </a:ln>
+        </p:spPr>
+        <p:style>
+          <a:lnRef idx="2">
+            <a:schemeClr val="accent1">
+              <a:shade val="50000"/>
+            </a:schemeClr>
+          </a:lnRef>
+          <a:fillRef idx="1">
+            <a:schemeClr val="accent1"/>
+          </a:fillRef>
+          <a:effectRef idx="0">
+            <a:schemeClr val="accent1"/>
+          </a:effectRef>
+          <a:fontRef idx="minor">
+            <a:schemeClr val="lt1"/>
+          </a:fontRef>
+        </p:style>
+        <p:txBody>
+          <a:bodyPr rtlCol="0" anchor="ctr"/>
+          <a:lstStyle/>
+          <a:p>
+            <a:pPr algn="ctr"/>
+            <a:endParaRPr lang="en-US" dirty="0"/>
+          </a:p>
+        </p:txBody>
+      </p:sp>
       <p:sp>
         <p:nvSpPr>
           <p:cNvPr id="2" name="제목 1">
@@ -3338,12 +3528,40 @@
             <p:ph type="ctrTitle"/>
           </p:nvPr>
         </p:nvSpPr>
-        <p:spPr/>
-        <p:txBody>
-          <a:bodyPr/>
-          <a:lstStyle/>
-          <a:p>
-            <a:endParaRPr lang="ko-KR" altLang="en-US" dirty="0"/>
+        <p:spPr>
+          <a:xfrm>
+            <a:off x="477980" y="1122363"/>
+            <a:ext cx="8290099" cy="3204134"/>
+          </a:xfrm>
+        </p:spPr>
+        <p:txBody>
+          <a:bodyPr anchor="b">
+            <a:normAutofit/>
+          </a:bodyPr>
+          <a:lstStyle/>
+          <a:p>
+            <a:pPr algn="l"/>
+            <a:r>
+              <a:rPr lang="en-US" altLang="ko-KR" sz="4800" dirty="0"/>
+              <a:t>Server</a:t>
+            </a:r>
+            <a:r>
+              <a:rPr lang="ko-KR" altLang="en-US" sz="4800" dirty="0"/>
+              <a:t> </a:t>
+            </a:r>
+            <a:r>
+              <a:rPr lang="en-US" altLang="ko-KR" sz="4800" dirty="0"/>
+              <a:t>and</a:t>
+            </a:r>
+            <a:r>
+              <a:rPr lang="ko-KR" altLang="en-US" sz="4800" dirty="0"/>
+              <a:t> </a:t>
+            </a:r>
+            <a:r>
+              <a:rPr lang="en-US" altLang="ko-KR" sz="4800" dirty="0"/>
+              <a:t>Server Language</a:t>
+            </a:r>
+            <a:endParaRPr lang="ko-KR" altLang="en-US" sz="4800" dirty="0"/>
           </a:p>
         </p:txBody>
       </p:sp>
@@ -3363,12 +3581,196 @@
             <p:ph type="subTitle" idx="1"/>
           </p:nvPr>
         </p:nvSpPr>
-        <p:spPr/>
-        <p:txBody>
-          <a:bodyPr/>
-          <a:lstStyle/>
-          <a:p>
-            <a:endParaRPr lang="ko-KR" altLang="en-US"/>
+        <p:spPr>
+          <a:xfrm>
+            <a:off x="477980" y="4872922"/>
+            <a:ext cx="4023359" cy="1208141"/>
+          </a:xfrm>
+        </p:spPr>
+        <p:txBody>
+          <a:bodyPr>
+            <a:normAutofit/>
+          </a:bodyPr>
+          <a:lstStyle/>
+          <a:p>
+            <a:pPr algn="l"/>
+            <a:r>
+              <a:rPr lang="en-US" altLang="ko-KR" sz="2000" dirty="0"/>
+              <a:t>SNU Linguistics &amp; CSE </a:t>
+            </a:r>
+          </a:p>
+          <a:p>
+            <a:pPr algn="l"/>
+            <a:r>
+              <a:rPr lang="en-US" altLang="ko-KR" sz="2000" dirty="0" err="1"/>
+              <a:t>Jeong</a:t>
+            </a:r>
+            <a:r>
+              <a:rPr lang="en-US" altLang="ko-KR" sz="2000" dirty="0"/>
+              <a:t> Daeyong</a:t>
+            </a:r>
+            <a:endParaRPr lang="ko-KR" altLang="en-US" sz="2000" dirty="0"/>
+          </a:p>
+        </p:txBody>
+      </p:sp>
+      <p:sp>
+        <p:nvSpPr>
+          <p:cNvPr id="13" name="Rectangle 12">
+            <a:extLst>
+              <a:ext uri="{FF2B5EF4-FFF2-40B4-BE49-F238E27FC236}">
+                <a16:creationId xmlns:a16="http://schemas.microsoft.com/office/drawing/2014/main" id="{AF2F604E-43BE-4DC3-B983-E071523364F8}"/>
+              </a:ext>
+              <a:ext uri="{C183D7F6-B498-43B3-948B-1728B52AA6E4}">
+                <adec:decorative xmlns:adec="http://schemas.microsoft.com/office/drawing/2017/decorative" val="1"/>
+              </a:ext>
+            </a:extLst>
+          </p:cNvPr>
+          <p:cNvSpPr>
+            <a:spLocks noGrp="1" noRot="1" noChangeAspect="1" noMove="1" noResize="1" noEditPoints="1" noAdjustHandles="1" noChangeArrowheads="1" noChangeShapeType="1" noTextEdit="1"/>
+          </p:cNvSpPr>
+          <p:nvPr>
+            <p:extLst>
+              <p:ext uri="{386F3935-93C4-4BCD-93E2-E3B085C9AB24}">
+                <p16:designElem xmlns:p16="http://schemas.microsoft.com/office/powerpoint/2015/main" val="1"/>
+              </p:ext>
+            </p:extLst>
+          </p:nvPr>
+        </p:nvSpPr>
+        <p:spPr>
+          <a:xfrm rot="5400000">
+            <a:off x="759921" y="346791"/>
+            <a:ext cx="146304" cy="704088"/>
+          </a:xfrm>
+          <a:prstGeom prst="rect">
+            <a:avLst/>
+          </a:prstGeom>
+          <a:solidFill>
+            <a:schemeClr val="accent2"/>
+          </a:solidFill>
+          <a:ln>
+            <a:noFill/>
+          </a:ln>
+        </p:spPr>
+        <p:style>
+          <a:lnRef idx="2">
+            <a:schemeClr val="accent1">
+              <a:shade val="50000"/>
+            </a:schemeClr>
+          </a:lnRef>
+          <a:fillRef idx="1">
+            <a:schemeClr val="accent1"/>
+          </a:fillRef>
+          <a:effectRef idx="0">
+            <a:schemeClr val="accent1"/>
+          </a:effectRef>
+          <a:fontRef idx="minor">
+            <a:schemeClr val="lt1"/>
+          </a:fontRef>
+        </p:style>
+        <p:txBody>
+          <a:bodyPr rtlCol="0" anchor="ctr"/>
+          <a:lstStyle/>
+          <a:p>
+            <a:pPr algn="ctr"/>
+            <a:endParaRPr lang="en-US">
+              <a:solidFill>
+                <a:prstClr val="white"/>
+              </a:solidFill>
+              <a:latin typeface="Calibri" panose="020F0502020204030204"/>
+            </a:endParaRPr>
+          </a:p>
+        </p:txBody>
+      </p:sp>
+      <p:sp>
+        <p:nvSpPr>
+          <p:cNvPr id="15" name="Rectangle 14">
+            <a:extLst>
+              <a:ext uri="{FF2B5EF4-FFF2-40B4-BE49-F238E27FC236}">
+                <a16:creationId xmlns:a16="http://schemas.microsoft.com/office/drawing/2014/main" id="{08C9B587-E65E-4B52-B37C-ABEBB6E87928}"/>
+              </a:ext>
+              <a:ext uri="{C183D7F6-B498-43B3-948B-1728B52AA6E4}">
+                <adec:decorative xmlns:adec="http://schemas.microsoft.com/office/drawing/2017/decorative" val="1"/>
+              </a:ext>
+            </a:extLst>
+          </p:cNvPr>
+          <p:cNvSpPr>
+            <a:spLocks noGrp="1" noRot="1" noChangeAspect="1" noMove="1" noResize="1" noEditPoints="1" noAdjustHandles="1" noChangeArrowheads="1" noChangeShapeType="1" noTextEdit="1"/>
+          </p:cNvSpPr>
+          <p:nvPr>
+            <p:extLst>
+              <p:ext uri="{386F3935-93C4-4BCD-93E2-E3B085C9AB24}">
+                <p16:designElem xmlns:p16="http://schemas.microsoft.com/office/powerpoint/2015/main" val="1"/>
+              </p:ext>
+            </p:extLst>
+          </p:nvPr>
+        </p:nvSpPr>
+        <p:spPr>
+          <a:xfrm>
+            <a:off x="481029" y="4546920"/>
+            <a:ext cx="3977640" cy="18288"/>
+          </a:xfrm>
+          <a:prstGeom prst="rect">
+            <a:avLst/>
+          </a:prstGeom>
+          <a:solidFill>
+            <a:schemeClr val="tx1"/>
+          </a:solidFill>
+          <a:ln w="3175">
+            <a:noFill/>
+          </a:ln>
+          <a:effectLst/>
+        </p:spPr>
+        <p:style>
+          <a:lnRef idx="2">
+            <a:schemeClr val="accent1">
+              <a:shade val="50000"/>
+            </a:schemeClr>
+          </a:lnRef>
+          <a:fillRef idx="1">
+            <a:schemeClr val="accent1"/>
+          </a:fillRef>
+          <a:effectRef idx="0">
+            <a:schemeClr val="accent1"/>
+          </a:effectRef>
+          <a:fontRef idx="minor">
+            <a:schemeClr val="lt1"/>
+          </a:fontRef>
+        </p:style>
+        <p:txBody>
+          <a:bodyPr rtlCol="0" anchor="ctr"/>
+          <a:lstStyle/>
+          <a:p>
+            <a:pPr marL="0" marR="0" lvl="0" indent="0" algn="ctr" defTabSz="914400" rtl="0" eaLnBrk="1" fontAlgn="auto" latinLnBrk="0" hangingPunct="1">
+              <a:lnSpc>
+                <a:spcPct val="100000"/>
+              </a:lnSpc>
+              <a:spcBef>
+                <a:spcPts val="0"/>
+              </a:spcBef>
+              <a:spcAft>
+                <a:spcPts val="0"/>
+              </a:spcAft>
+              <a:buClrTx/>
+              <a:buSzTx/>
+              <a:buFontTx/>
+              <a:buNone/>
+              <a:tabLst/>
+              <a:defRPr/>
+            </a:pPr>
+            <a:endParaRPr kumimoji="0" lang="en-US" sz="1800" b="0" i="0" u="none" strike="noStrike" kern="1200" cap="none" spc="0" normalizeH="0" baseline="0" noProof="0">
+              <a:ln>
+                <a:noFill/>
+              </a:ln>
+              <a:solidFill>
+                <a:prstClr val="white"/>
+              </a:solidFill>
+              <a:effectLst/>
+              <a:uLnTx/>
+              <a:uFillTx/>
+              <a:latin typeface="Calibri" panose="020F0502020204030204"/>
+              <a:ea typeface="+mn-ea"/>
+              <a:cs typeface="+mn-cs"/>
+            </a:endParaRPr>
           </a:p>
         </p:txBody>
       </p:sp>
@@ -3376,6 +3778,255 @@
     <p:extLst>
       <p:ext uri="{BB962C8B-B14F-4D97-AF65-F5344CB8AC3E}">
         <p14:creationId xmlns:p14="http://schemas.microsoft.com/office/powerpoint/2010/main" val="3381361766"/>
+      </p:ext>
+    </p:extLst>
+  </p:cSld>
+  <p:clrMapOvr>
+    <a:overrideClrMapping bg1="dk1" tx1="lt1" bg2="dk2" tx2="lt2" accent1="accent1" accent2="accent2" accent3="accent3" accent4="accent4" accent5="accent5" accent6="accent6" hlink="hlink" folHlink="folHlink"/>
+  </p:clrMapOvr>
+</p:sld>
+</file>
+
+<file path=ppt/slides/slide2.xml><?xml version="1.0" encoding="utf-8"?>
+<p:sld xmlns:a="http://schemas.openxmlformats.org/drawingml/2006/main" xmlns:r="http://schemas.openxmlformats.org/officeDocument/2006/relationships" xmlns:p="http://schemas.openxmlformats.org/presentationml/2006/main">
+  <p:cSld>
+    <p:spTree>
+      <p:nvGrpSpPr>
+        <p:cNvPr id="1" name=""/>
+        <p:cNvGrpSpPr/>
+        <p:nvPr/>
+      </p:nvGrpSpPr>
+      <p:grpSpPr>
+        <a:xfrm>
+          <a:off x="0" y="0"/>
+          <a:ext cx="0" cy="0"/>
+          <a:chOff x="0" y="0"/>
+          <a:chExt cx="0" cy="0"/>
+        </a:xfrm>
+      </p:grpSpPr>
+      <p:sp>
+        <p:nvSpPr>
+          <p:cNvPr id="2" name="제목 1">
+            <a:extLst>
+              <a:ext uri="{FF2B5EF4-FFF2-40B4-BE49-F238E27FC236}">
+                <a16:creationId xmlns:a16="http://schemas.microsoft.com/office/drawing/2014/main" id="{7D35364F-56AC-4732-91D7-3C1D7B498FEE}"/>
+              </a:ext>
+            </a:extLst>
+          </p:cNvPr>
+          <p:cNvSpPr>
+            <a:spLocks noGrp="1"/>
+          </p:cNvSpPr>
+          <p:nvPr>
+            <p:ph type="title"/>
+          </p:nvPr>
+        </p:nvSpPr>
+        <p:spPr/>
+        <p:txBody>
+          <a:bodyPr/>
+          <a:lstStyle/>
+          <a:p>
+            <a:r>
+              <a:rPr lang="en-US" altLang="ko-KR" dirty="0"/>
+              <a:t>Table of Contents</a:t>
+            </a:r>
+            <a:endParaRPr lang="ko-KR" altLang="en-US" dirty="0"/>
+          </a:p>
+        </p:txBody>
+      </p:sp>
+      <p:sp>
+        <p:nvSpPr>
+          <p:cNvPr id="3" name="내용 개체 틀 2">
+            <a:extLst>
+              <a:ext uri="{FF2B5EF4-FFF2-40B4-BE49-F238E27FC236}">
+                <a16:creationId xmlns:a16="http://schemas.microsoft.com/office/drawing/2014/main" id="{5FAF49EA-3E44-4D6E-BC6A-26769265703A}"/>
+              </a:ext>
+            </a:extLst>
+          </p:cNvPr>
+          <p:cNvSpPr>
+            <a:spLocks noGrp="1"/>
+          </p:cNvSpPr>
+          <p:nvPr>
+            <p:ph idx="1"/>
+          </p:nvPr>
+        </p:nvSpPr>
+        <p:spPr/>
+        <p:txBody>
+          <a:bodyPr numCol="2">
+            <a:normAutofit/>
+          </a:bodyPr>
+          <a:lstStyle/>
+          <a:p>
+            <a:pPr marL="0" indent="0">
+              <a:buNone/>
+            </a:pPr>
+            <a:r>
+              <a:rPr lang="en-US" altLang="ko-KR" sz="2400" dirty="0"/>
+              <a:t>1. Server and its mechanism</a:t>
+            </a:r>
+          </a:p>
+          <a:p>
+            <a:pPr marL="0" indent="0">
+              <a:buNone/>
+            </a:pPr>
+            <a:r>
+              <a:rPr lang="en-US" altLang="ko-KR" sz="1700" dirty="0"/>
+              <a:t>1.1. Concept of server</a:t>
+            </a:r>
+          </a:p>
+          <a:p>
+            <a:pPr marL="0" indent="0">
+              <a:buNone/>
+            </a:pPr>
+            <a:r>
+              <a:rPr lang="en-US" altLang="ko-KR" sz="1700" dirty="0"/>
+              <a:t>1.2. Server mechanism </a:t>
+            </a:r>
+          </a:p>
+          <a:p>
+            <a:pPr marL="0" indent="0">
+              <a:buNone/>
+            </a:pPr>
+            <a:r>
+              <a:rPr lang="en-US" altLang="ko-KR" sz="1700" dirty="0"/>
+              <a:t>1.3. Server and Internet</a:t>
+            </a:r>
+          </a:p>
+          <a:p>
+            <a:pPr marL="0" indent="0">
+              <a:buNone/>
+            </a:pPr>
+            <a:r>
+              <a:rPr lang="en-US" altLang="ko-KR" sz="1700" dirty="0"/>
+              <a:t>1.4. Server OS</a:t>
+            </a:r>
+          </a:p>
+          <a:p>
+            <a:pPr marL="0" indent="0">
+              <a:buNone/>
+            </a:pPr>
+            <a:r>
+              <a:rPr lang="en-US" altLang="ko-KR" sz="1700" dirty="0"/>
+              <a:t>1.5. Web Application Server</a:t>
+            </a:r>
+          </a:p>
+          <a:p>
+            <a:pPr marL="0" indent="0">
+              <a:buNone/>
+            </a:pPr>
+            <a:endParaRPr lang="en-US" altLang="ko-KR" sz="1700" dirty="0"/>
+          </a:p>
+          <a:p>
+            <a:pPr marL="0" indent="0">
+              <a:buNone/>
+            </a:pPr>
+            <a:r>
+              <a:rPr lang="en-US" altLang="ko-KR" sz="2400" dirty="0"/>
+              <a:t>2. Server side script language</a:t>
+            </a:r>
+          </a:p>
+          <a:p>
+            <a:pPr marL="0" indent="0">
+              <a:buNone/>
+            </a:pPr>
+            <a:r>
+              <a:rPr lang="en-US" altLang="ko-KR" sz="1700" dirty="0"/>
+              <a:t>2.1. JSP</a:t>
+            </a:r>
+          </a:p>
+          <a:p>
+            <a:pPr marL="0" indent="0">
+              <a:buNone/>
+            </a:pPr>
+            <a:r>
+              <a:rPr lang="en-US" altLang="ko-KR" sz="1700" dirty="0"/>
+              <a:t>2.2. ASP</a:t>
+            </a:r>
+          </a:p>
+          <a:p>
+            <a:pPr marL="0" indent="0">
+              <a:buNone/>
+            </a:pPr>
+            <a:r>
+              <a:rPr lang="en-US" altLang="ko-KR" sz="1700" dirty="0"/>
+              <a:t>2.3. PHP</a:t>
+            </a:r>
+          </a:p>
+          <a:p>
+            <a:pPr marL="0" indent="0">
+              <a:buNone/>
+            </a:pPr>
+            <a:r>
+              <a:rPr lang="en-US" altLang="ko-KR" sz="1700" dirty="0"/>
+              <a:t>2.4. Node.js</a:t>
+            </a:r>
+          </a:p>
+          <a:p>
+            <a:pPr marL="0" indent="0">
+              <a:buNone/>
+            </a:pPr>
+            <a:r>
+              <a:rPr lang="en-US" altLang="ko-KR" sz="1700" dirty="0"/>
+              <a:t>2.5. Python</a:t>
+            </a:r>
+          </a:p>
+          <a:p>
+            <a:pPr marL="0" indent="0">
+              <a:buNone/>
+            </a:pPr>
+            <a:endParaRPr lang="en-US" altLang="ko-KR" sz="1700" dirty="0"/>
+          </a:p>
+          <a:p>
+            <a:pPr marL="0" indent="0">
+              <a:buNone/>
+            </a:pPr>
+            <a:r>
+              <a:rPr lang="en-US" altLang="ko-KR" sz="2400" dirty="0"/>
+              <a:t>3. Advanced concepts on server</a:t>
+            </a:r>
+          </a:p>
+          <a:p>
+            <a:pPr marL="0" indent="0">
+              <a:buNone/>
+            </a:pPr>
+            <a:r>
+              <a:rPr lang="en-US" altLang="ko-KR" sz="1800" dirty="0"/>
+              <a:t>3.1. Thread</a:t>
+            </a:r>
+          </a:p>
+          <a:p>
+            <a:pPr marL="0" indent="0">
+              <a:buNone/>
+            </a:pPr>
+            <a:r>
+              <a:rPr lang="en-US" altLang="ko-KR" sz="1800" dirty="0"/>
+              <a:t>3.2. Event loop</a:t>
+            </a:r>
+          </a:p>
+          <a:p>
+            <a:pPr marL="0" indent="0">
+              <a:buNone/>
+            </a:pPr>
+            <a:r>
+              <a:rPr lang="en-US" altLang="ko-KR" sz="1800" dirty="0"/>
+              <a:t>3.3. Callback method</a:t>
+            </a:r>
+          </a:p>
+          <a:p>
+            <a:pPr marL="0" indent="0">
+              <a:buNone/>
+            </a:pPr>
+            <a:r>
+              <a:rPr lang="en-US" altLang="ko-KR" sz="1800" dirty="0"/>
+              <a:t>3.4. Synchronous, Asynchronous</a:t>
+            </a:r>
+            <a:endParaRPr lang="ko-KR" altLang="en-US" sz="1800" dirty="0"/>
+          </a:p>
+        </p:txBody>
+      </p:sp>
+    </p:spTree>
+    <p:extLst>
+      <p:ext uri="{BB962C8B-B14F-4D97-AF65-F5344CB8AC3E}">
+        <p14:creationId xmlns:p14="http://schemas.microsoft.com/office/powerpoint/2010/main" val="369562741"/>
       </p:ext>
     </p:extLst>
   </p:cSld>
@@ -3385,7 +4036,655 @@
 </p:sld>
 </file>
 
-<file path=ppt/slides/slide2.xml><?xml version="1.0" encoding="utf-8"?>
+<file path=ppt/slides/slide3.xml><?xml version="1.0" encoding="utf-8"?>
+<p:sld xmlns:a="http://schemas.openxmlformats.org/drawingml/2006/main" xmlns:r="http://schemas.openxmlformats.org/officeDocument/2006/relationships" xmlns:p="http://schemas.openxmlformats.org/presentationml/2006/main">
+  <p:cSld>
+    <p:spTree>
+      <p:nvGrpSpPr>
+        <p:cNvPr id="1" name=""/>
+        <p:cNvGrpSpPr/>
+        <p:nvPr/>
+      </p:nvGrpSpPr>
+      <p:grpSpPr>
+        <a:xfrm>
+          <a:off x="0" y="0"/>
+          <a:ext cx="0" cy="0"/>
+          <a:chOff x="0" y="0"/>
+          <a:chExt cx="0" cy="0"/>
+        </a:xfrm>
+      </p:grpSpPr>
+      <p:sp>
+        <p:nvSpPr>
+          <p:cNvPr id="2" name="제목 1">
+            <a:extLst>
+              <a:ext uri="{FF2B5EF4-FFF2-40B4-BE49-F238E27FC236}">
+                <a16:creationId xmlns:a16="http://schemas.microsoft.com/office/drawing/2014/main" id="{7D35364F-56AC-4732-91D7-3C1D7B498FEE}"/>
+              </a:ext>
+            </a:extLst>
+          </p:cNvPr>
+          <p:cNvSpPr>
+            <a:spLocks noGrp="1"/>
+          </p:cNvSpPr>
+          <p:nvPr>
+            <p:ph type="title"/>
+          </p:nvPr>
+        </p:nvSpPr>
+        <p:spPr>
+          <a:xfrm>
+            <a:off x="838200" y="365125"/>
+            <a:ext cx="10515600" cy="1325563"/>
+          </a:xfrm>
+        </p:spPr>
+        <p:txBody>
+          <a:bodyPr>
+            <a:normAutofit/>
+          </a:bodyPr>
+          <a:lstStyle/>
+          <a:p>
+            <a:r>
+              <a:rPr lang="en-US" altLang="ko-KR" sz="3600" dirty="0"/>
+              <a:t>1. Server and its mechanism - concept of server</a:t>
+            </a:r>
+            <a:endParaRPr lang="ko-KR" altLang="en-US" sz="3600" dirty="0"/>
+          </a:p>
+        </p:txBody>
+      </p:sp>
+      <p:sp>
+        <p:nvSpPr>
+          <p:cNvPr id="3" name="내용 개체 틀 2">
+            <a:extLst>
+              <a:ext uri="{FF2B5EF4-FFF2-40B4-BE49-F238E27FC236}">
+                <a16:creationId xmlns:a16="http://schemas.microsoft.com/office/drawing/2014/main" id="{5FAF49EA-3E44-4D6E-BC6A-26769265703A}"/>
+              </a:ext>
+            </a:extLst>
+          </p:cNvPr>
+          <p:cNvSpPr>
+            <a:spLocks noGrp="1"/>
+          </p:cNvSpPr>
+          <p:nvPr>
+            <p:ph idx="1"/>
+          </p:nvPr>
+        </p:nvSpPr>
+        <p:spPr/>
+        <p:txBody>
+          <a:bodyPr>
+            <a:normAutofit fontScale="92500"/>
+          </a:bodyPr>
+          <a:lstStyle/>
+          <a:p>
+            <a:pPr>
+              <a:buFontTx/>
+              <a:buChar char="-"/>
+            </a:pPr>
+            <a:r>
+              <a:rPr lang="en-US" altLang="ko-KR" dirty="0"/>
+              <a:t>Server : computer or device that provides services thru network</a:t>
+            </a:r>
+          </a:p>
+          <a:p>
+            <a:pPr>
+              <a:buFontTx/>
+              <a:buChar char="-"/>
+            </a:pPr>
+            <a:r>
+              <a:rPr lang="en-US" altLang="ko-KR" dirty="0"/>
+              <a:t>Client : be provided with services from server</a:t>
+            </a:r>
+          </a:p>
+          <a:p>
+            <a:pPr>
+              <a:buFontTx/>
+              <a:buChar char="-"/>
+            </a:pPr>
+            <a:endParaRPr lang="en-US" altLang="ko-KR" dirty="0"/>
+          </a:p>
+          <a:p>
+            <a:pPr>
+              <a:buFontTx/>
+              <a:buChar char="-"/>
+            </a:pPr>
+            <a:r>
+              <a:rPr lang="en-US" altLang="ko-KR" dirty="0"/>
+              <a:t>Client sends “request” to server, server returns “response” to client.</a:t>
+            </a:r>
+          </a:p>
+          <a:p>
+            <a:pPr>
+              <a:buFontTx/>
+              <a:buChar char="-"/>
+            </a:pPr>
+            <a:r>
+              <a:rPr lang="en-US" altLang="ko-KR" dirty="0"/>
+              <a:t>Server-Client is a relative concept</a:t>
+            </a:r>
+          </a:p>
+          <a:p>
+            <a:pPr>
+              <a:buFontTx/>
+              <a:buChar char="-"/>
+            </a:pPr>
+            <a:r>
+              <a:rPr lang="en-US" altLang="ko-KR" dirty="0"/>
+              <a:t>Ex) www : browser – web server</a:t>
+            </a:r>
+          </a:p>
+          <a:p>
+            <a:pPr marL="0" indent="0">
+              <a:buNone/>
+            </a:pPr>
+            <a:endParaRPr lang="en-US" altLang="ko-KR" dirty="0"/>
+          </a:p>
+          <a:p>
+            <a:pPr marL="0" indent="0">
+              <a:buNone/>
+            </a:pPr>
+            <a:r>
+              <a:rPr lang="en-US" altLang="ko-KR" dirty="0"/>
+              <a:t>Q) Is server just a computer?</a:t>
+            </a:r>
+          </a:p>
+        </p:txBody>
+      </p:sp>
+    </p:spTree>
+    <p:extLst>
+      <p:ext uri="{BB962C8B-B14F-4D97-AF65-F5344CB8AC3E}">
+        <p14:creationId xmlns:p14="http://schemas.microsoft.com/office/powerpoint/2010/main" val="3014143107"/>
+      </p:ext>
+    </p:extLst>
+  </p:cSld>
+  <p:clrMapOvr>
+    <a:masterClrMapping/>
+  </p:clrMapOvr>
+</p:sld>
+</file>
+
+<file path=ppt/slides/slide4.xml><?xml version="1.0" encoding="utf-8"?>
+<p:sld xmlns:a="http://schemas.openxmlformats.org/drawingml/2006/main" xmlns:r="http://schemas.openxmlformats.org/officeDocument/2006/relationships" xmlns:p="http://schemas.openxmlformats.org/presentationml/2006/main">
+  <p:cSld>
+    <p:spTree>
+      <p:nvGrpSpPr>
+        <p:cNvPr id="1" name=""/>
+        <p:cNvGrpSpPr/>
+        <p:nvPr/>
+      </p:nvGrpSpPr>
+      <p:grpSpPr>
+        <a:xfrm>
+          <a:off x="0" y="0"/>
+          <a:ext cx="0" cy="0"/>
+          <a:chOff x="0" y="0"/>
+          <a:chExt cx="0" cy="0"/>
+        </a:xfrm>
+      </p:grpSpPr>
+      <p:sp>
+        <p:nvSpPr>
+          <p:cNvPr id="2" name="제목 1">
+            <a:extLst>
+              <a:ext uri="{FF2B5EF4-FFF2-40B4-BE49-F238E27FC236}">
+                <a16:creationId xmlns:a16="http://schemas.microsoft.com/office/drawing/2014/main" id="{7D35364F-56AC-4732-91D7-3C1D7B498FEE}"/>
+              </a:ext>
+            </a:extLst>
+          </p:cNvPr>
+          <p:cNvSpPr>
+            <a:spLocks noGrp="1"/>
+          </p:cNvSpPr>
+          <p:nvPr>
+            <p:ph type="title"/>
+          </p:nvPr>
+        </p:nvSpPr>
+        <p:spPr>
+          <a:xfrm>
+            <a:off x="838200" y="365125"/>
+            <a:ext cx="10515600" cy="1325563"/>
+          </a:xfrm>
+        </p:spPr>
+        <p:txBody>
+          <a:bodyPr>
+            <a:normAutofit/>
+          </a:bodyPr>
+          <a:lstStyle/>
+          <a:p>
+            <a:r>
+              <a:rPr lang="en-US" altLang="ko-KR" sz="3600" dirty="0"/>
+              <a:t>1. Server and its mechanism - mechanism  </a:t>
+            </a:r>
+            <a:endParaRPr lang="ko-KR" altLang="en-US" sz="3600" dirty="0"/>
+          </a:p>
+        </p:txBody>
+      </p:sp>
+      <p:sp>
+        <p:nvSpPr>
+          <p:cNvPr id="3" name="내용 개체 틀 2">
+            <a:extLst>
+              <a:ext uri="{FF2B5EF4-FFF2-40B4-BE49-F238E27FC236}">
+                <a16:creationId xmlns:a16="http://schemas.microsoft.com/office/drawing/2014/main" id="{5FAF49EA-3E44-4D6E-BC6A-26769265703A}"/>
+              </a:ext>
+            </a:extLst>
+          </p:cNvPr>
+          <p:cNvSpPr>
+            <a:spLocks noGrp="1"/>
+          </p:cNvSpPr>
+          <p:nvPr>
+            <p:ph idx="1"/>
+          </p:nvPr>
+        </p:nvSpPr>
+        <p:spPr/>
+        <p:txBody>
+          <a:bodyPr>
+            <a:normAutofit/>
+          </a:bodyPr>
+          <a:lstStyle/>
+          <a:p>
+            <a:pPr>
+              <a:buFontTx/>
+              <a:buChar char="-"/>
+            </a:pPr>
+            <a:r>
+              <a:rPr lang="en-US" altLang="ko-KR" dirty="0"/>
+              <a:t>Client side script implemented : sends a request to server</a:t>
+            </a:r>
+          </a:p>
+          <a:p>
+            <a:pPr>
+              <a:buFontTx/>
+              <a:buChar char="-"/>
+            </a:pPr>
+            <a:r>
+              <a:rPr lang="en-US" altLang="ko-KR" dirty="0"/>
+              <a:t>Server side script receives and executes it.</a:t>
+            </a:r>
+          </a:p>
+          <a:p>
+            <a:pPr>
+              <a:buFontTx/>
+              <a:buChar char="-"/>
+            </a:pPr>
+            <a:r>
+              <a:rPr lang="en-US" altLang="ko-KR" dirty="0"/>
+              <a:t>Server side script organize the result and sends back to client.</a:t>
+            </a:r>
+          </a:p>
+          <a:p>
+            <a:pPr marL="0" indent="0">
+              <a:buNone/>
+            </a:pPr>
+            <a:endParaRPr lang="en-US" altLang="ko-KR" dirty="0"/>
+          </a:p>
+          <a:p>
+            <a:pPr marL="0" indent="0">
+              <a:buNone/>
+            </a:pPr>
+            <a:r>
+              <a:rPr lang="en-US" altLang="ko-KR" dirty="0"/>
+              <a:t>Ex) mail website</a:t>
+            </a:r>
+          </a:p>
+          <a:p>
+            <a:pPr>
+              <a:buFontTx/>
+              <a:buChar char="-"/>
+            </a:pPr>
+            <a:r>
+              <a:rPr lang="en-US" altLang="ko-KR" dirty="0"/>
+              <a:t>Until push “send” button : Client-side script.</a:t>
+            </a:r>
+          </a:p>
+          <a:p>
+            <a:pPr>
+              <a:buFontTx/>
+              <a:buChar char="-"/>
+            </a:pPr>
+            <a:r>
+              <a:rPr lang="en-US" altLang="ko-KR" dirty="0"/>
+              <a:t> </a:t>
+            </a:r>
+          </a:p>
+          <a:p>
+            <a:pPr>
+              <a:buFontTx/>
+              <a:buChar char="-"/>
+            </a:pPr>
+            <a:endParaRPr lang="en-US" altLang="ko-KR" dirty="0"/>
+          </a:p>
+        </p:txBody>
+      </p:sp>
+    </p:spTree>
+    <p:extLst>
+      <p:ext uri="{BB962C8B-B14F-4D97-AF65-F5344CB8AC3E}">
+        <p14:creationId xmlns:p14="http://schemas.microsoft.com/office/powerpoint/2010/main" val="1682292697"/>
+      </p:ext>
+    </p:extLst>
+  </p:cSld>
+  <p:clrMapOvr>
+    <a:masterClrMapping/>
+  </p:clrMapOvr>
+</p:sld>
+</file>
+
+<file path=ppt/slides/slide5.xml><?xml version="1.0" encoding="utf-8"?>
+<p:sld xmlns:a="http://schemas.openxmlformats.org/drawingml/2006/main" xmlns:r="http://schemas.openxmlformats.org/officeDocument/2006/relationships" xmlns:p="http://schemas.openxmlformats.org/presentationml/2006/main">
+  <p:cSld>
+    <p:spTree>
+      <p:nvGrpSpPr>
+        <p:cNvPr id="1" name=""/>
+        <p:cNvGrpSpPr/>
+        <p:nvPr/>
+      </p:nvGrpSpPr>
+      <p:grpSpPr>
+        <a:xfrm>
+          <a:off x="0" y="0"/>
+          <a:ext cx="0" cy="0"/>
+          <a:chOff x="0" y="0"/>
+          <a:chExt cx="0" cy="0"/>
+        </a:xfrm>
+      </p:grpSpPr>
+      <p:sp>
+        <p:nvSpPr>
+          <p:cNvPr id="2" name="제목 1">
+            <a:extLst>
+              <a:ext uri="{FF2B5EF4-FFF2-40B4-BE49-F238E27FC236}">
+                <a16:creationId xmlns:a16="http://schemas.microsoft.com/office/drawing/2014/main" id="{7D35364F-56AC-4732-91D7-3C1D7B498FEE}"/>
+              </a:ext>
+            </a:extLst>
+          </p:cNvPr>
+          <p:cNvSpPr>
+            <a:spLocks noGrp="1"/>
+          </p:cNvSpPr>
+          <p:nvPr>
+            <p:ph type="title"/>
+          </p:nvPr>
+        </p:nvSpPr>
+        <p:spPr/>
+        <p:txBody>
+          <a:bodyPr/>
+          <a:lstStyle/>
+          <a:p>
+            <a:r>
+              <a:rPr lang="en-US" altLang="ko-KR" dirty="0"/>
+              <a:t>2. </a:t>
+            </a:r>
+            <a:endParaRPr lang="ko-KR" altLang="en-US" dirty="0"/>
+          </a:p>
+        </p:txBody>
+      </p:sp>
+      <p:sp>
+        <p:nvSpPr>
+          <p:cNvPr id="3" name="내용 개체 틀 2">
+            <a:extLst>
+              <a:ext uri="{FF2B5EF4-FFF2-40B4-BE49-F238E27FC236}">
+                <a16:creationId xmlns:a16="http://schemas.microsoft.com/office/drawing/2014/main" id="{5FAF49EA-3E44-4D6E-BC6A-26769265703A}"/>
+              </a:ext>
+            </a:extLst>
+          </p:cNvPr>
+          <p:cNvSpPr>
+            <a:spLocks noGrp="1"/>
+          </p:cNvSpPr>
+          <p:nvPr>
+            <p:ph idx="1"/>
+          </p:nvPr>
+        </p:nvSpPr>
+        <p:spPr/>
+        <p:txBody>
+          <a:bodyPr/>
+          <a:lstStyle/>
+          <a:p>
+            <a:endParaRPr lang="ko-KR" altLang="en-US"/>
+          </a:p>
+        </p:txBody>
+      </p:sp>
+    </p:spTree>
+    <p:extLst>
+      <p:ext uri="{BB962C8B-B14F-4D97-AF65-F5344CB8AC3E}">
+        <p14:creationId xmlns:p14="http://schemas.microsoft.com/office/powerpoint/2010/main" val="2290025262"/>
+      </p:ext>
+    </p:extLst>
+  </p:cSld>
+  <p:clrMapOvr>
+    <a:masterClrMapping/>
+  </p:clrMapOvr>
+</p:sld>
+</file>
+
+<file path=ppt/slides/slide6.xml><?xml version="1.0" encoding="utf-8"?>
+<p:sld xmlns:a="http://schemas.openxmlformats.org/drawingml/2006/main" xmlns:r="http://schemas.openxmlformats.org/officeDocument/2006/relationships" xmlns:p="http://schemas.openxmlformats.org/presentationml/2006/main">
+  <p:cSld>
+    <p:spTree>
+      <p:nvGrpSpPr>
+        <p:cNvPr id="1" name=""/>
+        <p:cNvGrpSpPr/>
+        <p:nvPr/>
+      </p:nvGrpSpPr>
+      <p:grpSpPr>
+        <a:xfrm>
+          <a:off x="0" y="0"/>
+          <a:ext cx="0" cy="0"/>
+          <a:chOff x="0" y="0"/>
+          <a:chExt cx="0" cy="0"/>
+        </a:xfrm>
+      </p:grpSpPr>
+      <p:sp>
+        <p:nvSpPr>
+          <p:cNvPr id="2" name="제목 1">
+            <a:extLst>
+              <a:ext uri="{FF2B5EF4-FFF2-40B4-BE49-F238E27FC236}">
+                <a16:creationId xmlns:a16="http://schemas.microsoft.com/office/drawing/2014/main" id="{7D35364F-56AC-4732-91D7-3C1D7B498FEE}"/>
+              </a:ext>
+            </a:extLst>
+          </p:cNvPr>
+          <p:cNvSpPr>
+            <a:spLocks noGrp="1"/>
+          </p:cNvSpPr>
+          <p:nvPr>
+            <p:ph type="title"/>
+          </p:nvPr>
+        </p:nvSpPr>
+        <p:spPr/>
+        <p:txBody>
+          <a:bodyPr/>
+          <a:lstStyle/>
+          <a:p>
+            <a:endParaRPr lang="ko-KR" altLang="en-US"/>
+          </a:p>
+        </p:txBody>
+      </p:sp>
+      <p:sp>
+        <p:nvSpPr>
+          <p:cNvPr id="3" name="내용 개체 틀 2">
+            <a:extLst>
+              <a:ext uri="{FF2B5EF4-FFF2-40B4-BE49-F238E27FC236}">
+                <a16:creationId xmlns:a16="http://schemas.microsoft.com/office/drawing/2014/main" id="{5FAF49EA-3E44-4D6E-BC6A-26769265703A}"/>
+              </a:ext>
+            </a:extLst>
+          </p:cNvPr>
+          <p:cNvSpPr>
+            <a:spLocks noGrp="1"/>
+          </p:cNvSpPr>
+          <p:nvPr>
+            <p:ph idx="1"/>
+          </p:nvPr>
+        </p:nvSpPr>
+        <p:spPr/>
+        <p:txBody>
+          <a:bodyPr/>
+          <a:lstStyle/>
+          <a:p>
+            <a:endParaRPr lang="ko-KR" altLang="en-US"/>
+          </a:p>
+        </p:txBody>
+      </p:sp>
+    </p:spTree>
+    <p:extLst>
+      <p:ext uri="{BB962C8B-B14F-4D97-AF65-F5344CB8AC3E}">
+        <p14:creationId xmlns:p14="http://schemas.microsoft.com/office/powerpoint/2010/main" val="2244785250"/>
+      </p:ext>
+    </p:extLst>
+  </p:cSld>
+  <p:clrMapOvr>
+    <a:masterClrMapping/>
+  </p:clrMapOvr>
+</p:sld>
+</file>
+
+<file path=ppt/slides/slide7.xml><?xml version="1.0" encoding="utf-8"?>
+<p:sld xmlns:a="http://schemas.openxmlformats.org/drawingml/2006/main" xmlns:r="http://schemas.openxmlformats.org/officeDocument/2006/relationships" xmlns:p="http://schemas.openxmlformats.org/presentationml/2006/main">
+  <p:cSld>
+    <p:spTree>
+      <p:nvGrpSpPr>
+        <p:cNvPr id="1" name=""/>
+        <p:cNvGrpSpPr/>
+        <p:nvPr/>
+      </p:nvGrpSpPr>
+      <p:grpSpPr>
+        <a:xfrm>
+          <a:off x="0" y="0"/>
+          <a:ext cx="0" cy="0"/>
+          <a:chOff x="0" y="0"/>
+          <a:chExt cx="0" cy="0"/>
+        </a:xfrm>
+      </p:grpSpPr>
+      <p:sp>
+        <p:nvSpPr>
+          <p:cNvPr id="2" name="제목 1">
+            <a:extLst>
+              <a:ext uri="{FF2B5EF4-FFF2-40B4-BE49-F238E27FC236}">
+                <a16:creationId xmlns:a16="http://schemas.microsoft.com/office/drawing/2014/main" id="{7D35364F-56AC-4732-91D7-3C1D7B498FEE}"/>
+              </a:ext>
+            </a:extLst>
+          </p:cNvPr>
+          <p:cNvSpPr>
+            <a:spLocks noGrp="1"/>
+          </p:cNvSpPr>
+          <p:nvPr>
+            <p:ph type="title"/>
+          </p:nvPr>
+        </p:nvSpPr>
+        <p:spPr/>
+        <p:txBody>
+          <a:bodyPr/>
+          <a:lstStyle/>
+          <a:p>
+            <a:endParaRPr lang="ko-KR" altLang="en-US"/>
+          </a:p>
+        </p:txBody>
+      </p:sp>
+      <p:sp>
+        <p:nvSpPr>
+          <p:cNvPr id="3" name="내용 개체 틀 2">
+            <a:extLst>
+              <a:ext uri="{FF2B5EF4-FFF2-40B4-BE49-F238E27FC236}">
+                <a16:creationId xmlns:a16="http://schemas.microsoft.com/office/drawing/2014/main" id="{5FAF49EA-3E44-4D6E-BC6A-26769265703A}"/>
+              </a:ext>
+            </a:extLst>
+          </p:cNvPr>
+          <p:cNvSpPr>
+            <a:spLocks noGrp="1"/>
+          </p:cNvSpPr>
+          <p:nvPr>
+            <p:ph idx="1"/>
+          </p:nvPr>
+        </p:nvSpPr>
+        <p:spPr/>
+        <p:txBody>
+          <a:bodyPr/>
+          <a:lstStyle/>
+          <a:p>
+            <a:endParaRPr lang="ko-KR" altLang="en-US"/>
+          </a:p>
+        </p:txBody>
+      </p:sp>
+    </p:spTree>
+    <p:extLst>
+      <p:ext uri="{BB962C8B-B14F-4D97-AF65-F5344CB8AC3E}">
+        <p14:creationId xmlns:p14="http://schemas.microsoft.com/office/powerpoint/2010/main" val="2225506285"/>
+      </p:ext>
+    </p:extLst>
+  </p:cSld>
+  <p:clrMapOvr>
+    <a:masterClrMapping/>
+  </p:clrMapOvr>
+</p:sld>
+</file>
+
+<file path=ppt/slides/slide8.xml><?xml version="1.0" encoding="utf-8"?>
+<p:sld xmlns:a="http://schemas.openxmlformats.org/drawingml/2006/main" xmlns:r="http://schemas.openxmlformats.org/officeDocument/2006/relationships" xmlns:p="http://schemas.openxmlformats.org/presentationml/2006/main">
+  <p:cSld>
+    <p:spTree>
+      <p:nvGrpSpPr>
+        <p:cNvPr id="1" name=""/>
+        <p:cNvGrpSpPr/>
+        <p:nvPr/>
+      </p:nvGrpSpPr>
+      <p:grpSpPr>
+        <a:xfrm>
+          <a:off x="0" y="0"/>
+          <a:ext cx="0" cy="0"/>
+          <a:chOff x="0" y="0"/>
+          <a:chExt cx="0" cy="0"/>
+        </a:xfrm>
+      </p:grpSpPr>
+      <p:sp>
+        <p:nvSpPr>
+          <p:cNvPr id="2" name="제목 1">
+            <a:extLst>
+              <a:ext uri="{FF2B5EF4-FFF2-40B4-BE49-F238E27FC236}">
+                <a16:creationId xmlns:a16="http://schemas.microsoft.com/office/drawing/2014/main" id="{7D35364F-56AC-4732-91D7-3C1D7B498FEE}"/>
+              </a:ext>
+            </a:extLst>
+          </p:cNvPr>
+          <p:cNvSpPr>
+            <a:spLocks noGrp="1"/>
+          </p:cNvSpPr>
+          <p:nvPr>
+            <p:ph type="title"/>
+          </p:nvPr>
+        </p:nvSpPr>
+        <p:spPr/>
+        <p:txBody>
+          <a:bodyPr/>
+          <a:lstStyle/>
+          <a:p>
+            <a:endParaRPr lang="ko-KR" altLang="en-US"/>
+          </a:p>
+        </p:txBody>
+      </p:sp>
+      <p:sp>
+        <p:nvSpPr>
+          <p:cNvPr id="3" name="내용 개체 틀 2">
+            <a:extLst>
+              <a:ext uri="{FF2B5EF4-FFF2-40B4-BE49-F238E27FC236}">
+                <a16:creationId xmlns:a16="http://schemas.microsoft.com/office/drawing/2014/main" id="{5FAF49EA-3E44-4D6E-BC6A-26769265703A}"/>
+              </a:ext>
+            </a:extLst>
+          </p:cNvPr>
+          <p:cNvSpPr>
+            <a:spLocks noGrp="1"/>
+          </p:cNvSpPr>
+          <p:nvPr>
+            <p:ph idx="1"/>
+          </p:nvPr>
+        </p:nvSpPr>
+        <p:spPr/>
+        <p:txBody>
+          <a:bodyPr/>
+          <a:lstStyle/>
+          <a:p>
+            <a:endParaRPr lang="ko-KR" altLang="en-US"/>
+          </a:p>
+        </p:txBody>
+      </p:sp>
+    </p:spTree>
+    <p:extLst>
+      <p:ext uri="{BB962C8B-B14F-4D97-AF65-F5344CB8AC3E}">
+        <p14:creationId xmlns:p14="http://schemas.microsoft.com/office/powerpoint/2010/main" val="115012176"/>
+      </p:ext>
+    </p:extLst>
+  </p:cSld>
+  <p:clrMapOvr>
+    <a:masterClrMapping/>
+  </p:clrMapOvr>
+</p:sld>
+</file>
+
+<file path=ppt/slides/slide9.xml><?xml version="1.0" encoding="utf-8"?>
 <p:sld xmlns:a="http://schemas.openxmlformats.org/drawingml/2006/main" xmlns:r="http://schemas.openxmlformats.org/officeDocument/2006/relationships" xmlns:p="http://schemas.openxmlformats.org/presentationml/2006/main">
   <p:cSld>
     <p:spTree>

--- a/SelfSeminar_2_ServerAndServerLanguage.pptx
+++ b/SelfSeminar_2_ServerAndServerLanguage.pptx
@@ -2,26 +2,39 @@
 <file path=ppt/presentation.xml><?xml version="1.0" encoding="utf-8"?>
 <p:presentation xmlns:a="http://schemas.openxmlformats.org/drawingml/2006/main" xmlns:r="http://schemas.openxmlformats.org/officeDocument/2006/relationships" xmlns:p="http://schemas.openxmlformats.org/presentationml/2006/main" saveSubsetFonts="1">
   <p:sldMasterIdLst>
-    <p:sldMasterId id="2147483648" r:id="rId1"/>
+    <p:sldMasterId id="2147483684" r:id="rId1"/>
   </p:sldMasterIdLst>
   <p:sldIdLst>
     <p:sldId id="256" r:id="rId2"/>
     <p:sldId id="258" r:id="rId3"/>
     <p:sldId id="259" r:id="rId4"/>
     <p:sldId id="264" r:id="rId5"/>
-    <p:sldId id="260" r:id="rId6"/>
-    <p:sldId id="261" r:id="rId7"/>
-    <p:sldId id="262" r:id="rId8"/>
-    <p:sldId id="263" r:id="rId9"/>
-    <p:sldId id="257" r:id="rId10"/>
+    <p:sldId id="267" r:id="rId6"/>
+    <p:sldId id="266" r:id="rId7"/>
+    <p:sldId id="268" r:id="rId8"/>
+    <p:sldId id="269" r:id="rId9"/>
+    <p:sldId id="270" r:id="rId10"/>
+    <p:sldId id="271" r:id="rId11"/>
+    <p:sldId id="272" r:id="rId12"/>
+    <p:sldId id="273" r:id="rId13"/>
+    <p:sldId id="274" r:id="rId14"/>
+    <p:sldId id="275" r:id="rId15"/>
+    <p:sldId id="284" r:id="rId16"/>
+    <p:sldId id="286" r:id="rId17"/>
+    <p:sldId id="276" r:id="rId18"/>
+    <p:sldId id="281" r:id="rId19"/>
+    <p:sldId id="282" r:id="rId20"/>
+    <p:sldId id="287" r:id="rId21"/>
+    <p:sldId id="283" r:id="rId22"/>
+    <p:sldId id="288" r:id="rId23"/>
   </p:sldIdLst>
   <p:sldSz cx="12192000" cy="6858000"/>
   <p:notesSz cx="6858000" cy="9144000"/>
   <p:defaultTextStyle>
     <a:defPPr>
-      <a:defRPr lang="ko-KR"/>
+      <a:defRPr lang="en-US"/>
     </a:defPPr>
-    <a:lvl1pPr marL="0" algn="l" defTabSz="914400" rtl="0" eaLnBrk="1" latinLnBrk="1" hangingPunct="1">
+    <a:lvl1pPr marL="0" algn="l" defTabSz="457200" rtl="0" eaLnBrk="1" latinLnBrk="0" hangingPunct="1">
       <a:defRPr sz="1800" kern="1200">
         <a:solidFill>
           <a:schemeClr val="tx1"/>
@@ -31,7 +44,7 @@
         <a:cs typeface="+mn-cs"/>
       </a:defRPr>
     </a:lvl1pPr>
-    <a:lvl2pPr marL="457200" algn="l" defTabSz="914400" rtl="0" eaLnBrk="1" latinLnBrk="1" hangingPunct="1">
+    <a:lvl2pPr marL="457200" algn="l" defTabSz="457200" rtl="0" eaLnBrk="1" latinLnBrk="0" hangingPunct="1">
       <a:defRPr sz="1800" kern="1200">
         <a:solidFill>
           <a:schemeClr val="tx1"/>
@@ -41,7 +54,7 @@
         <a:cs typeface="+mn-cs"/>
       </a:defRPr>
     </a:lvl2pPr>
-    <a:lvl3pPr marL="914400" algn="l" defTabSz="914400" rtl="0" eaLnBrk="1" latinLnBrk="1" hangingPunct="1">
+    <a:lvl3pPr marL="914400" algn="l" defTabSz="457200" rtl="0" eaLnBrk="1" latinLnBrk="0" hangingPunct="1">
       <a:defRPr sz="1800" kern="1200">
         <a:solidFill>
           <a:schemeClr val="tx1"/>
@@ -51,7 +64,7 @@
         <a:cs typeface="+mn-cs"/>
       </a:defRPr>
     </a:lvl3pPr>
-    <a:lvl4pPr marL="1371600" algn="l" defTabSz="914400" rtl="0" eaLnBrk="1" latinLnBrk="1" hangingPunct="1">
+    <a:lvl4pPr marL="1371600" algn="l" defTabSz="457200" rtl="0" eaLnBrk="1" latinLnBrk="0" hangingPunct="1">
       <a:defRPr sz="1800" kern="1200">
         <a:solidFill>
           <a:schemeClr val="tx1"/>
@@ -61,7 +74,7 @@
         <a:cs typeface="+mn-cs"/>
       </a:defRPr>
     </a:lvl4pPr>
-    <a:lvl5pPr marL="1828800" algn="l" defTabSz="914400" rtl="0" eaLnBrk="1" latinLnBrk="1" hangingPunct="1">
+    <a:lvl5pPr marL="1828800" algn="l" defTabSz="457200" rtl="0" eaLnBrk="1" latinLnBrk="0" hangingPunct="1">
       <a:defRPr sz="1800" kern="1200">
         <a:solidFill>
           <a:schemeClr val="tx1"/>
@@ -71,7 +84,7 @@
         <a:cs typeface="+mn-cs"/>
       </a:defRPr>
     </a:lvl5pPr>
-    <a:lvl6pPr marL="2286000" algn="l" defTabSz="914400" rtl="0" eaLnBrk="1" latinLnBrk="1" hangingPunct="1">
+    <a:lvl6pPr marL="2286000" algn="l" defTabSz="457200" rtl="0" eaLnBrk="1" latinLnBrk="0" hangingPunct="1">
       <a:defRPr sz="1800" kern="1200">
         <a:solidFill>
           <a:schemeClr val="tx1"/>
@@ -81,7 +94,7 @@
         <a:cs typeface="+mn-cs"/>
       </a:defRPr>
     </a:lvl6pPr>
-    <a:lvl7pPr marL="2743200" algn="l" defTabSz="914400" rtl="0" eaLnBrk="1" latinLnBrk="1" hangingPunct="1">
+    <a:lvl7pPr marL="2743200" algn="l" defTabSz="457200" rtl="0" eaLnBrk="1" latinLnBrk="0" hangingPunct="1">
       <a:defRPr sz="1800" kern="1200">
         <a:solidFill>
           <a:schemeClr val="tx1"/>
@@ -91,7 +104,7 @@
         <a:cs typeface="+mn-cs"/>
       </a:defRPr>
     </a:lvl7pPr>
-    <a:lvl8pPr marL="3200400" algn="l" defTabSz="914400" rtl="0" eaLnBrk="1" latinLnBrk="1" hangingPunct="1">
+    <a:lvl8pPr marL="3200400" algn="l" defTabSz="457200" rtl="0" eaLnBrk="1" latinLnBrk="0" hangingPunct="1">
       <a:defRPr sz="1800" kern="1200">
         <a:solidFill>
           <a:schemeClr val="tx1"/>
@@ -101,7 +114,7 @@
         <a:cs typeface="+mn-cs"/>
       </a:defRPr>
     </a:lvl8pPr>
-    <a:lvl9pPr marL="3657600" algn="l" defTabSz="914400" rtl="0" eaLnBrk="1" latinLnBrk="1" hangingPunct="1">
+    <a:lvl9pPr marL="3657600" algn="l" defTabSz="457200" rtl="0" eaLnBrk="1" latinLnBrk="0" hangingPunct="1">
       <a:defRPr sz="1800" kern="1200">
         <a:solidFill>
           <a:schemeClr val="tx1"/>
@@ -139,13 +152,7 @@
       </p:grpSpPr>
       <p:sp>
         <p:nvSpPr>
-          <p:cNvPr id="2" name="제목 1">
-            <a:extLst>
-              <a:ext uri="{FF2B5EF4-FFF2-40B4-BE49-F238E27FC236}">
-                <a16:creationId xmlns:a16="http://schemas.microsoft.com/office/drawing/2014/main" id="{9C9142E5-C66A-40FA-BCED-BDB1268F51DB}"/>
-              </a:ext>
-            </a:extLst>
-          </p:cNvPr>
+          <p:cNvPr id="2" name="Title 1"/>
           <p:cNvSpPr>
             <a:spLocks noGrp="1"/>
           </p:cNvSpPr>
@@ -171,18 +178,13 @@
               <a:rPr lang="ko-KR" altLang="en-US"/>
               <a:t>마스터 제목 스타일 편집</a:t>
             </a:r>
-          </a:p>
-        </p:txBody>
-      </p:sp>
-      <p:sp>
-        <p:nvSpPr>
-          <p:cNvPr id="3" name="부제목 2">
-            <a:extLst>
-              <a:ext uri="{FF2B5EF4-FFF2-40B4-BE49-F238E27FC236}">
-                <a16:creationId xmlns:a16="http://schemas.microsoft.com/office/drawing/2014/main" id="{FC081AEA-86B3-461F-B5AA-7E789ADF3A09}"/>
-              </a:ext>
-            </a:extLst>
-          </p:cNvPr>
+            <a:endParaRPr lang="en-US" dirty="0"/>
+          </a:p>
+        </p:txBody>
+      </p:sp>
+      <p:sp>
+        <p:nvSpPr>
+          <p:cNvPr id="3" name="Subtitle 2"/>
           <p:cNvSpPr>
             <a:spLocks noGrp="1"/>
           </p:cNvSpPr>
@@ -241,18 +243,13 @@
               <a:rPr lang="ko-KR" altLang="en-US"/>
               <a:t>클릭하여 마스터 부제목 스타일 편집</a:t>
             </a:r>
-          </a:p>
-        </p:txBody>
-      </p:sp>
-      <p:sp>
-        <p:nvSpPr>
-          <p:cNvPr id="4" name="날짜 개체 틀 3">
-            <a:extLst>
-              <a:ext uri="{FF2B5EF4-FFF2-40B4-BE49-F238E27FC236}">
-                <a16:creationId xmlns:a16="http://schemas.microsoft.com/office/drawing/2014/main" id="{BBE009AE-A0A7-4666-95BF-BE07F87DCBB5}"/>
-              </a:ext>
-            </a:extLst>
-          </p:cNvPr>
+            <a:endParaRPr lang="en-US" dirty="0"/>
+          </a:p>
+        </p:txBody>
+      </p:sp>
+      <p:sp>
+        <p:nvSpPr>
+          <p:cNvPr id="4" name="Date Placeholder 3"/>
           <p:cNvSpPr>
             <a:spLocks noGrp="1"/>
           </p:cNvSpPr>
@@ -267,7 +264,7 @@
           <a:p>
             <a:fld id="{19C79B61-690A-4CCE-AEC1-B32C751A2850}" type="datetimeFigureOut">
               <a:rPr lang="ko-KR" altLang="en-US" smtClean="0"/>
-              <a:t>2020-10-31</a:t>
+              <a:t>2020-11-02</a:t>
             </a:fld>
             <a:endParaRPr lang="ko-KR" altLang="en-US"/>
           </a:p>
@@ -275,13 +272,7 @@
       </p:sp>
       <p:sp>
         <p:nvSpPr>
-          <p:cNvPr id="5" name="바닥글 개체 틀 4">
-            <a:extLst>
-              <a:ext uri="{FF2B5EF4-FFF2-40B4-BE49-F238E27FC236}">
-                <a16:creationId xmlns:a16="http://schemas.microsoft.com/office/drawing/2014/main" id="{5EE9343F-BDE0-4CB3-87DD-AA853F0B9582}"/>
-              </a:ext>
-            </a:extLst>
-          </p:cNvPr>
+          <p:cNvPr id="5" name="Footer Placeholder 4"/>
           <p:cNvSpPr>
             <a:spLocks noGrp="1"/>
           </p:cNvSpPr>
@@ -300,13 +291,7 @@
       </p:sp>
       <p:sp>
         <p:nvSpPr>
-          <p:cNvPr id="6" name="슬라이드 번호 개체 틀 5">
-            <a:extLst>
-              <a:ext uri="{FF2B5EF4-FFF2-40B4-BE49-F238E27FC236}">
-                <a16:creationId xmlns:a16="http://schemas.microsoft.com/office/drawing/2014/main" id="{4D08EE68-7D88-4575-B21E-4B8EB02D0923}"/>
-              </a:ext>
-            </a:extLst>
-          </p:cNvPr>
+          <p:cNvPr id="6" name="Slide Number Placeholder 5"/>
           <p:cNvSpPr>
             <a:spLocks noGrp="1"/>
           </p:cNvSpPr>
@@ -330,7 +315,7 @@
     </p:spTree>
     <p:extLst>
       <p:ext uri="{BB962C8B-B14F-4D97-AF65-F5344CB8AC3E}">
-        <p14:creationId xmlns:p14="http://schemas.microsoft.com/office/powerpoint/2010/main" val="2030510480"/>
+        <p14:creationId xmlns:p14="http://schemas.microsoft.com/office/powerpoint/2010/main" val="4094120995"/>
       </p:ext>
     </p:extLst>
   </p:cSld>
@@ -359,13 +344,7 @@
       </p:grpSpPr>
       <p:sp>
         <p:nvSpPr>
-          <p:cNvPr id="2" name="제목 1">
-            <a:extLst>
-              <a:ext uri="{FF2B5EF4-FFF2-40B4-BE49-F238E27FC236}">
-                <a16:creationId xmlns:a16="http://schemas.microsoft.com/office/drawing/2014/main" id="{C38A7114-0FF4-4090-86F9-623D79735385}"/>
-              </a:ext>
-            </a:extLst>
-          </p:cNvPr>
+          <p:cNvPr id="2" name="Title 1"/>
           <p:cNvSpPr>
             <a:spLocks noGrp="1"/>
           </p:cNvSpPr>
@@ -382,18 +361,13 @@
               <a:rPr lang="ko-KR" altLang="en-US"/>
               <a:t>마스터 제목 스타일 편집</a:t>
             </a:r>
-          </a:p>
-        </p:txBody>
-      </p:sp>
-      <p:sp>
-        <p:nvSpPr>
-          <p:cNvPr id="3" name="세로 텍스트 개체 틀 2">
-            <a:extLst>
-              <a:ext uri="{FF2B5EF4-FFF2-40B4-BE49-F238E27FC236}">
-                <a16:creationId xmlns:a16="http://schemas.microsoft.com/office/drawing/2014/main" id="{4FE9058C-00CC-47F5-ACEE-B29405329E9C}"/>
-              </a:ext>
-            </a:extLst>
-          </p:cNvPr>
+            <a:endParaRPr lang="en-US" dirty="0"/>
+          </a:p>
+        </p:txBody>
+      </p:sp>
+      <p:sp>
+        <p:nvSpPr>
+          <p:cNvPr id="3" name="Vertical Text Placeholder 2"/>
           <p:cNvSpPr>
             <a:spLocks noGrp="1"/>
           </p:cNvSpPr>
@@ -439,18 +413,13 @@
               <a:rPr lang="ko-KR" altLang="en-US"/>
               <a:t>다섯 번째 수준</a:t>
             </a:r>
-          </a:p>
-        </p:txBody>
-      </p:sp>
-      <p:sp>
-        <p:nvSpPr>
-          <p:cNvPr id="4" name="날짜 개체 틀 3">
-            <a:extLst>
-              <a:ext uri="{FF2B5EF4-FFF2-40B4-BE49-F238E27FC236}">
-                <a16:creationId xmlns:a16="http://schemas.microsoft.com/office/drawing/2014/main" id="{CDC9FAAF-2D91-4527-BE58-000DA5F4C2CF}"/>
-              </a:ext>
-            </a:extLst>
-          </p:cNvPr>
+            <a:endParaRPr lang="en-US" dirty="0"/>
+          </a:p>
+        </p:txBody>
+      </p:sp>
+      <p:sp>
+        <p:nvSpPr>
+          <p:cNvPr id="4" name="Date Placeholder 3"/>
           <p:cNvSpPr>
             <a:spLocks noGrp="1"/>
           </p:cNvSpPr>
@@ -465,7 +434,7 @@
           <a:p>
             <a:fld id="{19C79B61-690A-4CCE-AEC1-B32C751A2850}" type="datetimeFigureOut">
               <a:rPr lang="ko-KR" altLang="en-US" smtClean="0"/>
-              <a:t>2020-10-31</a:t>
+              <a:t>2020-11-02</a:t>
             </a:fld>
             <a:endParaRPr lang="ko-KR" altLang="en-US"/>
           </a:p>
@@ -473,13 +442,7 @@
       </p:sp>
       <p:sp>
         <p:nvSpPr>
-          <p:cNvPr id="5" name="바닥글 개체 틀 4">
-            <a:extLst>
-              <a:ext uri="{FF2B5EF4-FFF2-40B4-BE49-F238E27FC236}">
-                <a16:creationId xmlns:a16="http://schemas.microsoft.com/office/drawing/2014/main" id="{F4F42A5A-07F3-401D-9530-9B42B100CBE4}"/>
-              </a:ext>
-            </a:extLst>
-          </p:cNvPr>
+          <p:cNvPr id="5" name="Footer Placeholder 4"/>
           <p:cNvSpPr>
             <a:spLocks noGrp="1"/>
           </p:cNvSpPr>
@@ -498,13 +461,7 @@
       </p:sp>
       <p:sp>
         <p:nvSpPr>
-          <p:cNvPr id="6" name="슬라이드 번호 개체 틀 5">
-            <a:extLst>
-              <a:ext uri="{FF2B5EF4-FFF2-40B4-BE49-F238E27FC236}">
-                <a16:creationId xmlns:a16="http://schemas.microsoft.com/office/drawing/2014/main" id="{876B73EF-5118-442B-AB92-7552D7E5CA7E}"/>
-              </a:ext>
-            </a:extLst>
-          </p:cNvPr>
+          <p:cNvPr id="6" name="Slide Number Placeholder 5"/>
           <p:cNvSpPr>
             <a:spLocks noGrp="1"/>
           </p:cNvSpPr>
@@ -528,7 +485,7 @@
     </p:spTree>
     <p:extLst>
       <p:ext uri="{BB962C8B-B14F-4D97-AF65-F5344CB8AC3E}">
-        <p14:creationId xmlns:p14="http://schemas.microsoft.com/office/powerpoint/2010/main" val="1302646710"/>
+        <p14:creationId xmlns:p14="http://schemas.microsoft.com/office/powerpoint/2010/main" val="162877386"/>
       </p:ext>
     </p:extLst>
   </p:cSld>
@@ -557,13 +514,7 @@
       </p:grpSpPr>
       <p:sp>
         <p:nvSpPr>
-          <p:cNvPr id="2" name="세로 제목 1">
-            <a:extLst>
-              <a:ext uri="{FF2B5EF4-FFF2-40B4-BE49-F238E27FC236}">
-                <a16:creationId xmlns:a16="http://schemas.microsoft.com/office/drawing/2014/main" id="{E7112288-9196-43FF-94FB-D2FE66CE4B04}"/>
-              </a:ext>
-            </a:extLst>
-          </p:cNvPr>
+          <p:cNvPr id="2" name="Vertical Title 1"/>
           <p:cNvSpPr>
             <a:spLocks noGrp="1"/>
           </p:cNvSpPr>
@@ -585,18 +536,13 @@
               <a:rPr lang="ko-KR" altLang="en-US"/>
               <a:t>마스터 제목 스타일 편집</a:t>
             </a:r>
-          </a:p>
-        </p:txBody>
-      </p:sp>
-      <p:sp>
-        <p:nvSpPr>
-          <p:cNvPr id="3" name="세로 텍스트 개체 틀 2">
-            <a:extLst>
-              <a:ext uri="{FF2B5EF4-FFF2-40B4-BE49-F238E27FC236}">
-                <a16:creationId xmlns:a16="http://schemas.microsoft.com/office/drawing/2014/main" id="{B27F0B56-9FA1-4487-A31F-B1974A08BD9F}"/>
-              </a:ext>
-            </a:extLst>
-          </p:cNvPr>
+            <a:endParaRPr lang="en-US" dirty="0"/>
+          </a:p>
+        </p:txBody>
+      </p:sp>
+      <p:sp>
+        <p:nvSpPr>
+          <p:cNvPr id="3" name="Vertical Text Placeholder 2"/>
           <p:cNvSpPr>
             <a:spLocks noGrp="1"/>
           </p:cNvSpPr>
@@ -647,18 +593,13 @@
               <a:rPr lang="ko-KR" altLang="en-US"/>
               <a:t>다섯 번째 수준</a:t>
             </a:r>
-          </a:p>
-        </p:txBody>
-      </p:sp>
-      <p:sp>
-        <p:nvSpPr>
-          <p:cNvPr id="4" name="날짜 개체 틀 3">
-            <a:extLst>
-              <a:ext uri="{FF2B5EF4-FFF2-40B4-BE49-F238E27FC236}">
-                <a16:creationId xmlns:a16="http://schemas.microsoft.com/office/drawing/2014/main" id="{08E248D4-F39F-45BD-ACE6-E3A9950D798A}"/>
-              </a:ext>
-            </a:extLst>
-          </p:cNvPr>
+            <a:endParaRPr lang="en-US" dirty="0"/>
+          </a:p>
+        </p:txBody>
+      </p:sp>
+      <p:sp>
+        <p:nvSpPr>
+          <p:cNvPr id="4" name="Date Placeholder 3"/>
           <p:cNvSpPr>
             <a:spLocks noGrp="1"/>
           </p:cNvSpPr>
@@ -673,7 +614,7 @@
           <a:p>
             <a:fld id="{19C79B61-690A-4CCE-AEC1-B32C751A2850}" type="datetimeFigureOut">
               <a:rPr lang="ko-KR" altLang="en-US" smtClean="0"/>
-              <a:t>2020-10-31</a:t>
+              <a:t>2020-11-02</a:t>
             </a:fld>
             <a:endParaRPr lang="ko-KR" altLang="en-US"/>
           </a:p>
@@ -681,13 +622,7 @@
       </p:sp>
       <p:sp>
         <p:nvSpPr>
-          <p:cNvPr id="5" name="바닥글 개체 틀 4">
-            <a:extLst>
-              <a:ext uri="{FF2B5EF4-FFF2-40B4-BE49-F238E27FC236}">
-                <a16:creationId xmlns:a16="http://schemas.microsoft.com/office/drawing/2014/main" id="{28ECBFEC-D0BD-4B86-B3E3-1E2BC82362D3}"/>
-              </a:ext>
-            </a:extLst>
-          </p:cNvPr>
+          <p:cNvPr id="5" name="Footer Placeholder 4"/>
           <p:cNvSpPr>
             <a:spLocks noGrp="1"/>
           </p:cNvSpPr>
@@ -706,13 +641,7 @@
       </p:sp>
       <p:sp>
         <p:nvSpPr>
-          <p:cNvPr id="6" name="슬라이드 번호 개체 틀 5">
-            <a:extLst>
-              <a:ext uri="{FF2B5EF4-FFF2-40B4-BE49-F238E27FC236}">
-                <a16:creationId xmlns:a16="http://schemas.microsoft.com/office/drawing/2014/main" id="{D9F4CAF6-D9A6-4BCD-BBE5-0EFDE04D9C1B}"/>
-              </a:ext>
-            </a:extLst>
-          </p:cNvPr>
+          <p:cNvPr id="6" name="Slide Number Placeholder 5"/>
           <p:cNvSpPr>
             <a:spLocks noGrp="1"/>
           </p:cNvSpPr>
@@ -736,7 +665,7 @@
     </p:spTree>
     <p:extLst>
       <p:ext uri="{BB962C8B-B14F-4D97-AF65-F5344CB8AC3E}">
-        <p14:creationId xmlns:p14="http://schemas.microsoft.com/office/powerpoint/2010/main" val="2597331824"/>
+        <p14:creationId xmlns:p14="http://schemas.microsoft.com/office/powerpoint/2010/main" val="3099236426"/>
       </p:ext>
     </p:extLst>
   </p:cSld>
@@ -765,13 +694,7 @@
       </p:grpSpPr>
       <p:sp>
         <p:nvSpPr>
-          <p:cNvPr id="2" name="제목 1">
-            <a:extLst>
-              <a:ext uri="{FF2B5EF4-FFF2-40B4-BE49-F238E27FC236}">
-                <a16:creationId xmlns:a16="http://schemas.microsoft.com/office/drawing/2014/main" id="{2C9E0ECC-D575-4E8B-9E5A-E29546D3A9A3}"/>
-              </a:ext>
-            </a:extLst>
-          </p:cNvPr>
+          <p:cNvPr id="2" name="Title 1"/>
           <p:cNvSpPr>
             <a:spLocks noGrp="1"/>
           </p:cNvSpPr>
@@ -788,18 +711,13 @@
               <a:rPr lang="ko-KR" altLang="en-US"/>
               <a:t>마스터 제목 스타일 편집</a:t>
             </a:r>
-          </a:p>
-        </p:txBody>
-      </p:sp>
-      <p:sp>
-        <p:nvSpPr>
-          <p:cNvPr id="3" name="내용 개체 틀 2">
-            <a:extLst>
-              <a:ext uri="{FF2B5EF4-FFF2-40B4-BE49-F238E27FC236}">
-                <a16:creationId xmlns:a16="http://schemas.microsoft.com/office/drawing/2014/main" id="{DF46CB6A-5D3B-4880-AD3F-4E8DBCA0F733}"/>
-              </a:ext>
-            </a:extLst>
-          </p:cNvPr>
+            <a:endParaRPr lang="en-US" dirty="0"/>
+          </a:p>
+        </p:txBody>
+      </p:sp>
+      <p:sp>
+        <p:nvSpPr>
+          <p:cNvPr id="3" name="Content Placeholder 2"/>
           <p:cNvSpPr>
             <a:spLocks noGrp="1"/>
           </p:cNvSpPr>
@@ -845,18 +763,13 @@
               <a:rPr lang="ko-KR" altLang="en-US"/>
               <a:t>다섯 번째 수준</a:t>
             </a:r>
-          </a:p>
-        </p:txBody>
-      </p:sp>
-      <p:sp>
-        <p:nvSpPr>
-          <p:cNvPr id="4" name="날짜 개체 틀 3">
-            <a:extLst>
-              <a:ext uri="{FF2B5EF4-FFF2-40B4-BE49-F238E27FC236}">
-                <a16:creationId xmlns:a16="http://schemas.microsoft.com/office/drawing/2014/main" id="{F7A3C4A0-2070-43DC-B0B3-1354AF2A6ADF}"/>
-              </a:ext>
-            </a:extLst>
-          </p:cNvPr>
+            <a:endParaRPr lang="en-US" dirty="0"/>
+          </a:p>
+        </p:txBody>
+      </p:sp>
+      <p:sp>
+        <p:nvSpPr>
+          <p:cNvPr id="4" name="Date Placeholder 3"/>
           <p:cNvSpPr>
             <a:spLocks noGrp="1"/>
           </p:cNvSpPr>
@@ -871,7 +784,7 @@
           <a:p>
             <a:fld id="{19C79B61-690A-4CCE-AEC1-B32C751A2850}" type="datetimeFigureOut">
               <a:rPr lang="ko-KR" altLang="en-US" smtClean="0"/>
-              <a:t>2020-10-31</a:t>
+              <a:t>2020-11-02</a:t>
             </a:fld>
             <a:endParaRPr lang="ko-KR" altLang="en-US"/>
           </a:p>
@@ -879,13 +792,7 @@
       </p:sp>
       <p:sp>
         <p:nvSpPr>
-          <p:cNvPr id="5" name="바닥글 개체 틀 4">
-            <a:extLst>
-              <a:ext uri="{FF2B5EF4-FFF2-40B4-BE49-F238E27FC236}">
-                <a16:creationId xmlns:a16="http://schemas.microsoft.com/office/drawing/2014/main" id="{680D016A-7752-45B6-80EA-D5E290A49E9D}"/>
-              </a:ext>
-            </a:extLst>
-          </p:cNvPr>
+          <p:cNvPr id="5" name="Footer Placeholder 4"/>
           <p:cNvSpPr>
             <a:spLocks noGrp="1"/>
           </p:cNvSpPr>
@@ -904,13 +811,7 @@
       </p:sp>
       <p:sp>
         <p:nvSpPr>
-          <p:cNvPr id="6" name="슬라이드 번호 개체 틀 5">
-            <a:extLst>
-              <a:ext uri="{FF2B5EF4-FFF2-40B4-BE49-F238E27FC236}">
-                <a16:creationId xmlns:a16="http://schemas.microsoft.com/office/drawing/2014/main" id="{F5E03026-29C7-4727-B4B0-169EA905AD13}"/>
-              </a:ext>
-            </a:extLst>
-          </p:cNvPr>
+          <p:cNvPr id="6" name="Slide Number Placeholder 5"/>
           <p:cNvSpPr>
             <a:spLocks noGrp="1"/>
           </p:cNvSpPr>
@@ -934,7 +835,7 @@
     </p:spTree>
     <p:extLst>
       <p:ext uri="{BB962C8B-B14F-4D97-AF65-F5344CB8AC3E}">
-        <p14:creationId xmlns:p14="http://schemas.microsoft.com/office/powerpoint/2010/main" val="1871154063"/>
+        <p14:creationId xmlns:p14="http://schemas.microsoft.com/office/powerpoint/2010/main" val="1443973542"/>
       </p:ext>
     </p:extLst>
   </p:cSld>
@@ -963,13 +864,7 @@
       </p:grpSpPr>
       <p:sp>
         <p:nvSpPr>
-          <p:cNvPr id="2" name="제목 1">
-            <a:extLst>
-              <a:ext uri="{FF2B5EF4-FFF2-40B4-BE49-F238E27FC236}">
-                <a16:creationId xmlns:a16="http://schemas.microsoft.com/office/drawing/2014/main" id="{D3A3C685-7792-4BBB-9666-DD7529D2B670}"/>
-              </a:ext>
-            </a:extLst>
-          </p:cNvPr>
+          <p:cNvPr id="2" name="Title 1"/>
           <p:cNvSpPr>
             <a:spLocks noGrp="1"/>
           </p:cNvSpPr>
@@ -995,18 +890,13 @@
               <a:rPr lang="ko-KR" altLang="en-US"/>
               <a:t>마스터 제목 스타일 편집</a:t>
             </a:r>
-          </a:p>
-        </p:txBody>
-      </p:sp>
-      <p:sp>
-        <p:nvSpPr>
-          <p:cNvPr id="3" name="텍스트 개체 틀 2">
-            <a:extLst>
-              <a:ext uri="{FF2B5EF4-FFF2-40B4-BE49-F238E27FC236}">
-                <a16:creationId xmlns:a16="http://schemas.microsoft.com/office/drawing/2014/main" id="{B77398C4-0091-4F47-87A1-19753226C66E}"/>
-              </a:ext>
-            </a:extLst>
-          </p:cNvPr>
+            <a:endParaRPr lang="en-US" dirty="0"/>
+          </a:p>
+        </p:txBody>
+      </p:sp>
+      <p:sp>
+        <p:nvSpPr>
+          <p:cNvPr id="3" name="Text Placeholder 2"/>
           <p:cNvSpPr>
             <a:spLocks noGrp="1"/>
           </p:cNvSpPr>
@@ -1125,13 +1015,7 @@
       </p:sp>
       <p:sp>
         <p:nvSpPr>
-          <p:cNvPr id="4" name="날짜 개체 틀 3">
-            <a:extLst>
-              <a:ext uri="{FF2B5EF4-FFF2-40B4-BE49-F238E27FC236}">
-                <a16:creationId xmlns:a16="http://schemas.microsoft.com/office/drawing/2014/main" id="{5DEE2866-FBAF-4B90-8C02-C2269BE3C11D}"/>
-              </a:ext>
-            </a:extLst>
-          </p:cNvPr>
+          <p:cNvPr id="4" name="Date Placeholder 3"/>
           <p:cNvSpPr>
             <a:spLocks noGrp="1"/>
           </p:cNvSpPr>
@@ -1146,7 +1030,7 @@
           <a:p>
             <a:fld id="{19C79B61-690A-4CCE-AEC1-B32C751A2850}" type="datetimeFigureOut">
               <a:rPr lang="ko-KR" altLang="en-US" smtClean="0"/>
-              <a:t>2020-10-31</a:t>
+              <a:t>2020-11-02</a:t>
             </a:fld>
             <a:endParaRPr lang="ko-KR" altLang="en-US"/>
           </a:p>
@@ -1154,13 +1038,7 @@
       </p:sp>
       <p:sp>
         <p:nvSpPr>
-          <p:cNvPr id="5" name="바닥글 개체 틀 4">
-            <a:extLst>
-              <a:ext uri="{FF2B5EF4-FFF2-40B4-BE49-F238E27FC236}">
-                <a16:creationId xmlns:a16="http://schemas.microsoft.com/office/drawing/2014/main" id="{3156D604-5FF3-40AC-BC7F-3C3A6BB71816}"/>
-              </a:ext>
-            </a:extLst>
-          </p:cNvPr>
+          <p:cNvPr id="5" name="Footer Placeholder 4"/>
           <p:cNvSpPr>
             <a:spLocks noGrp="1"/>
           </p:cNvSpPr>
@@ -1179,13 +1057,7 @@
       </p:sp>
       <p:sp>
         <p:nvSpPr>
-          <p:cNvPr id="6" name="슬라이드 번호 개체 틀 5">
-            <a:extLst>
-              <a:ext uri="{FF2B5EF4-FFF2-40B4-BE49-F238E27FC236}">
-                <a16:creationId xmlns:a16="http://schemas.microsoft.com/office/drawing/2014/main" id="{1115C16E-5F6A-4399-A130-1D611461EF05}"/>
-              </a:ext>
-            </a:extLst>
-          </p:cNvPr>
+          <p:cNvPr id="6" name="Slide Number Placeholder 5"/>
           <p:cNvSpPr>
             <a:spLocks noGrp="1"/>
           </p:cNvSpPr>
@@ -1209,7 +1081,7 @@
     </p:spTree>
     <p:extLst>
       <p:ext uri="{BB962C8B-B14F-4D97-AF65-F5344CB8AC3E}">
-        <p14:creationId xmlns:p14="http://schemas.microsoft.com/office/powerpoint/2010/main" val="2550471894"/>
+        <p14:creationId xmlns:p14="http://schemas.microsoft.com/office/powerpoint/2010/main" val="3943474914"/>
       </p:ext>
     </p:extLst>
   </p:cSld>
@@ -1238,13 +1110,7 @@
       </p:grpSpPr>
       <p:sp>
         <p:nvSpPr>
-          <p:cNvPr id="2" name="제목 1">
-            <a:extLst>
-              <a:ext uri="{FF2B5EF4-FFF2-40B4-BE49-F238E27FC236}">
-                <a16:creationId xmlns:a16="http://schemas.microsoft.com/office/drawing/2014/main" id="{F6DAE136-3692-4151-B461-3CE127452003}"/>
-              </a:ext>
-            </a:extLst>
-          </p:cNvPr>
+          <p:cNvPr id="2" name="Title 1"/>
           <p:cNvSpPr>
             <a:spLocks noGrp="1"/>
           </p:cNvSpPr>
@@ -1261,18 +1127,13 @@
               <a:rPr lang="ko-KR" altLang="en-US"/>
               <a:t>마스터 제목 스타일 편집</a:t>
             </a:r>
-          </a:p>
-        </p:txBody>
-      </p:sp>
-      <p:sp>
-        <p:nvSpPr>
-          <p:cNvPr id="3" name="내용 개체 틀 2">
-            <a:extLst>
-              <a:ext uri="{FF2B5EF4-FFF2-40B4-BE49-F238E27FC236}">
-                <a16:creationId xmlns:a16="http://schemas.microsoft.com/office/drawing/2014/main" id="{DC9A2F90-DCBD-43B3-8935-078763D2D649}"/>
-              </a:ext>
-            </a:extLst>
-          </p:cNvPr>
+            <a:endParaRPr lang="en-US" dirty="0"/>
+          </a:p>
+        </p:txBody>
+      </p:sp>
+      <p:sp>
+        <p:nvSpPr>
+          <p:cNvPr id="3" name="Content Placeholder 2"/>
           <p:cNvSpPr>
             <a:spLocks noGrp="1"/>
           </p:cNvSpPr>
@@ -1323,18 +1184,13 @@
               <a:rPr lang="ko-KR" altLang="en-US"/>
               <a:t>다섯 번째 수준</a:t>
             </a:r>
-          </a:p>
-        </p:txBody>
-      </p:sp>
-      <p:sp>
-        <p:nvSpPr>
-          <p:cNvPr id="4" name="내용 개체 틀 3">
-            <a:extLst>
-              <a:ext uri="{FF2B5EF4-FFF2-40B4-BE49-F238E27FC236}">
-                <a16:creationId xmlns:a16="http://schemas.microsoft.com/office/drawing/2014/main" id="{E784D6A6-EBBE-44F5-9958-D32719560021}"/>
-              </a:ext>
-            </a:extLst>
-          </p:cNvPr>
+            <a:endParaRPr lang="en-US" dirty="0"/>
+          </a:p>
+        </p:txBody>
+      </p:sp>
+      <p:sp>
+        <p:nvSpPr>
+          <p:cNvPr id="4" name="Content Placeholder 3"/>
           <p:cNvSpPr>
             <a:spLocks noGrp="1"/>
           </p:cNvSpPr>
@@ -1385,18 +1241,13 @@
               <a:rPr lang="ko-KR" altLang="en-US"/>
               <a:t>다섯 번째 수준</a:t>
             </a:r>
-          </a:p>
-        </p:txBody>
-      </p:sp>
-      <p:sp>
-        <p:nvSpPr>
-          <p:cNvPr id="5" name="날짜 개체 틀 4">
-            <a:extLst>
-              <a:ext uri="{FF2B5EF4-FFF2-40B4-BE49-F238E27FC236}">
-                <a16:creationId xmlns:a16="http://schemas.microsoft.com/office/drawing/2014/main" id="{31869DC6-530A-4173-8C9A-285DBA46031C}"/>
-              </a:ext>
-            </a:extLst>
-          </p:cNvPr>
+            <a:endParaRPr lang="en-US" dirty="0"/>
+          </a:p>
+        </p:txBody>
+      </p:sp>
+      <p:sp>
+        <p:nvSpPr>
+          <p:cNvPr id="5" name="Date Placeholder 4"/>
           <p:cNvSpPr>
             <a:spLocks noGrp="1"/>
           </p:cNvSpPr>
@@ -1411,7 +1262,7 @@
           <a:p>
             <a:fld id="{19C79B61-690A-4CCE-AEC1-B32C751A2850}" type="datetimeFigureOut">
               <a:rPr lang="ko-KR" altLang="en-US" smtClean="0"/>
-              <a:t>2020-10-31</a:t>
+              <a:t>2020-11-02</a:t>
             </a:fld>
             <a:endParaRPr lang="ko-KR" altLang="en-US"/>
           </a:p>
@@ -1419,13 +1270,7 @@
       </p:sp>
       <p:sp>
         <p:nvSpPr>
-          <p:cNvPr id="6" name="바닥글 개체 틀 5">
-            <a:extLst>
-              <a:ext uri="{FF2B5EF4-FFF2-40B4-BE49-F238E27FC236}">
-                <a16:creationId xmlns:a16="http://schemas.microsoft.com/office/drawing/2014/main" id="{BED8CDA2-B9A0-4235-8921-763CBE9C0E7A}"/>
-              </a:ext>
-            </a:extLst>
-          </p:cNvPr>
+          <p:cNvPr id="6" name="Footer Placeholder 5"/>
           <p:cNvSpPr>
             <a:spLocks noGrp="1"/>
           </p:cNvSpPr>
@@ -1444,13 +1289,7 @@
       </p:sp>
       <p:sp>
         <p:nvSpPr>
-          <p:cNvPr id="7" name="슬라이드 번호 개체 틀 6">
-            <a:extLst>
-              <a:ext uri="{FF2B5EF4-FFF2-40B4-BE49-F238E27FC236}">
-                <a16:creationId xmlns:a16="http://schemas.microsoft.com/office/drawing/2014/main" id="{F3B4A4D7-ABDF-4BA8-B3A1-B427A846115E}"/>
-              </a:ext>
-            </a:extLst>
-          </p:cNvPr>
+          <p:cNvPr id="7" name="Slide Number Placeholder 6"/>
           <p:cNvSpPr>
             <a:spLocks noGrp="1"/>
           </p:cNvSpPr>
@@ -1474,7 +1313,7 @@
     </p:spTree>
     <p:extLst>
       <p:ext uri="{BB962C8B-B14F-4D97-AF65-F5344CB8AC3E}">
-        <p14:creationId xmlns:p14="http://schemas.microsoft.com/office/powerpoint/2010/main" val="1238825651"/>
+        <p14:creationId xmlns:p14="http://schemas.microsoft.com/office/powerpoint/2010/main" val="4088508385"/>
       </p:ext>
     </p:extLst>
   </p:cSld>
@@ -1503,13 +1342,7 @@
       </p:grpSpPr>
       <p:sp>
         <p:nvSpPr>
-          <p:cNvPr id="2" name="제목 1">
-            <a:extLst>
-              <a:ext uri="{FF2B5EF4-FFF2-40B4-BE49-F238E27FC236}">
-                <a16:creationId xmlns:a16="http://schemas.microsoft.com/office/drawing/2014/main" id="{5CD83DB8-7F26-442D-91D2-1D5F60035801}"/>
-              </a:ext>
-            </a:extLst>
-          </p:cNvPr>
+          <p:cNvPr id="2" name="Title 1"/>
           <p:cNvSpPr>
             <a:spLocks noGrp="1"/>
           </p:cNvSpPr>
@@ -1531,18 +1364,13 @@
               <a:rPr lang="ko-KR" altLang="en-US"/>
               <a:t>마스터 제목 스타일 편집</a:t>
             </a:r>
-          </a:p>
-        </p:txBody>
-      </p:sp>
-      <p:sp>
-        <p:nvSpPr>
-          <p:cNvPr id="3" name="텍스트 개체 틀 2">
-            <a:extLst>
-              <a:ext uri="{FF2B5EF4-FFF2-40B4-BE49-F238E27FC236}">
-                <a16:creationId xmlns:a16="http://schemas.microsoft.com/office/drawing/2014/main" id="{0BA4C372-D5B1-4563-B1D9-004A650D4804}"/>
-              </a:ext>
-            </a:extLst>
-          </p:cNvPr>
+            <a:endParaRPr lang="en-US" dirty="0"/>
+          </a:p>
+        </p:txBody>
+      </p:sp>
+      <p:sp>
+        <p:nvSpPr>
+          <p:cNvPr id="3" name="Text Placeholder 2"/>
           <p:cNvSpPr>
             <a:spLocks noGrp="1"/>
           </p:cNvSpPr>
@@ -1607,13 +1435,7 @@
       </p:sp>
       <p:sp>
         <p:nvSpPr>
-          <p:cNvPr id="4" name="내용 개체 틀 3">
-            <a:extLst>
-              <a:ext uri="{FF2B5EF4-FFF2-40B4-BE49-F238E27FC236}">
-                <a16:creationId xmlns:a16="http://schemas.microsoft.com/office/drawing/2014/main" id="{21EBC9B9-B445-412F-8132-6C75F7300138}"/>
-              </a:ext>
-            </a:extLst>
-          </p:cNvPr>
+          <p:cNvPr id="4" name="Content Placeholder 3"/>
           <p:cNvSpPr>
             <a:spLocks noGrp="1"/>
           </p:cNvSpPr>
@@ -1664,18 +1486,13 @@
               <a:rPr lang="ko-KR" altLang="en-US"/>
               <a:t>다섯 번째 수준</a:t>
             </a:r>
-          </a:p>
-        </p:txBody>
-      </p:sp>
-      <p:sp>
-        <p:nvSpPr>
-          <p:cNvPr id="5" name="텍스트 개체 틀 4">
-            <a:extLst>
-              <a:ext uri="{FF2B5EF4-FFF2-40B4-BE49-F238E27FC236}">
-                <a16:creationId xmlns:a16="http://schemas.microsoft.com/office/drawing/2014/main" id="{44DA8E0A-6071-4E36-AB02-C6315A0584BF}"/>
-              </a:ext>
-            </a:extLst>
-          </p:cNvPr>
+            <a:endParaRPr lang="en-US" dirty="0"/>
+          </a:p>
+        </p:txBody>
+      </p:sp>
+      <p:sp>
+        <p:nvSpPr>
+          <p:cNvPr id="5" name="Text Placeholder 4"/>
           <p:cNvSpPr>
             <a:spLocks noGrp="1"/>
           </p:cNvSpPr>
@@ -1740,13 +1557,7 @@
       </p:sp>
       <p:sp>
         <p:nvSpPr>
-          <p:cNvPr id="6" name="내용 개체 틀 5">
-            <a:extLst>
-              <a:ext uri="{FF2B5EF4-FFF2-40B4-BE49-F238E27FC236}">
-                <a16:creationId xmlns:a16="http://schemas.microsoft.com/office/drawing/2014/main" id="{597C0F9C-070B-477D-8E84-C43AFCB37481}"/>
-              </a:ext>
-            </a:extLst>
-          </p:cNvPr>
+          <p:cNvPr id="6" name="Content Placeholder 5"/>
           <p:cNvSpPr>
             <a:spLocks noGrp="1"/>
           </p:cNvSpPr>
@@ -1797,18 +1608,13 @@
               <a:rPr lang="ko-KR" altLang="en-US"/>
               <a:t>다섯 번째 수준</a:t>
             </a:r>
-          </a:p>
-        </p:txBody>
-      </p:sp>
-      <p:sp>
-        <p:nvSpPr>
-          <p:cNvPr id="7" name="날짜 개체 틀 6">
-            <a:extLst>
-              <a:ext uri="{FF2B5EF4-FFF2-40B4-BE49-F238E27FC236}">
-                <a16:creationId xmlns:a16="http://schemas.microsoft.com/office/drawing/2014/main" id="{51DDB4FF-8B05-4DB7-B16F-36DFE9594855}"/>
-              </a:ext>
-            </a:extLst>
-          </p:cNvPr>
+            <a:endParaRPr lang="en-US" dirty="0"/>
+          </a:p>
+        </p:txBody>
+      </p:sp>
+      <p:sp>
+        <p:nvSpPr>
+          <p:cNvPr id="7" name="Date Placeholder 6"/>
           <p:cNvSpPr>
             <a:spLocks noGrp="1"/>
           </p:cNvSpPr>
@@ -1823,7 +1629,7 @@
           <a:p>
             <a:fld id="{19C79B61-690A-4CCE-AEC1-B32C751A2850}" type="datetimeFigureOut">
               <a:rPr lang="ko-KR" altLang="en-US" smtClean="0"/>
-              <a:t>2020-10-31</a:t>
+              <a:t>2020-11-02</a:t>
             </a:fld>
             <a:endParaRPr lang="ko-KR" altLang="en-US"/>
           </a:p>
@@ -1831,13 +1637,7 @@
       </p:sp>
       <p:sp>
         <p:nvSpPr>
-          <p:cNvPr id="8" name="바닥글 개체 틀 7">
-            <a:extLst>
-              <a:ext uri="{FF2B5EF4-FFF2-40B4-BE49-F238E27FC236}">
-                <a16:creationId xmlns:a16="http://schemas.microsoft.com/office/drawing/2014/main" id="{3487A76F-53F0-47E1-B6BA-F3C3A5DDF58C}"/>
-              </a:ext>
-            </a:extLst>
-          </p:cNvPr>
+          <p:cNvPr id="8" name="Footer Placeholder 7"/>
           <p:cNvSpPr>
             <a:spLocks noGrp="1"/>
           </p:cNvSpPr>
@@ -1856,13 +1656,7 @@
       </p:sp>
       <p:sp>
         <p:nvSpPr>
-          <p:cNvPr id="9" name="슬라이드 번호 개체 틀 8">
-            <a:extLst>
-              <a:ext uri="{FF2B5EF4-FFF2-40B4-BE49-F238E27FC236}">
-                <a16:creationId xmlns:a16="http://schemas.microsoft.com/office/drawing/2014/main" id="{434355EE-1C63-47E7-8373-A2C2F21058B5}"/>
-              </a:ext>
-            </a:extLst>
-          </p:cNvPr>
+          <p:cNvPr id="9" name="Slide Number Placeholder 8"/>
           <p:cNvSpPr>
             <a:spLocks noGrp="1"/>
           </p:cNvSpPr>
@@ -1886,7 +1680,7 @@
     </p:spTree>
     <p:extLst>
       <p:ext uri="{BB962C8B-B14F-4D97-AF65-F5344CB8AC3E}">
-        <p14:creationId xmlns:p14="http://schemas.microsoft.com/office/powerpoint/2010/main" val="577603478"/>
+        <p14:creationId xmlns:p14="http://schemas.microsoft.com/office/powerpoint/2010/main" val="223079952"/>
       </p:ext>
     </p:extLst>
   </p:cSld>
@@ -1915,13 +1709,7 @@
       </p:grpSpPr>
       <p:sp>
         <p:nvSpPr>
-          <p:cNvPr id="2" name="제목 1">
-            <a:extLst>
-              <a:ext uri="{FF2B5EF4-FFF2-40B4-BE49-F238E27FC236}">
-                <a16:creationId xmlns:a16="http://schemas.microsoft.com/office/drawing/2014/main" id="{AEE082A6-FACB-4141-9637-E1AD35D29448}"/>
-              </a:ext>
-            </a:extLst>
-          </p:cNvPr>
+          <p:cNvPr id="2" name="Title 1"/>
           <p:cNvSpPr>
             <a:spLocks noGrp="1"/>
           </p:cNvSpPr>
@@ -1938,18 +1726,13 @@
               <a:rPr lang="ko-KR" altLang="en-US"/>
               <a:t>마스터 제목 스타일 편집</a:t>
             </a:r>
-          </a:p>
-        </p:txBody>
-      </p:sp>
-      <p:sp>
-        <p:nvSpPr>
-          <p:cNvPr id="3" name="날짜 개체 틀 2">
-            <a:extLst>
-              <a:ext uri="{FF2B5EF4-FFF2-40B4-BE49-F238E27FC236}">
-                <a16:creationId xmlns:a16="http://schemas.microsoft.com/office/drawing/2014/main" id="{297C7AF8-D8EA-45D8-8A02-BDC191EE9579}"/>
-              </a:ext>
-            </a:extLst>
-          </p:cNvPr>
+            <a:endParaRPr lang="en-US" dirty="0"/>
+          </a:p>
+        </p:txBody>
+      </p:sp>
+      <p:sp>
+        <p:nvSpPr>
+          <p:cNvPr id="3" name="Date Placeholder 2"/>
           <p:cNvSpPr>
             <a:spLocks noGrp="1"/>
           </p:cNvSpPr>
@@ -1964,7 +1747,7 @@
           <a:p>
             <a:fld id="{19C79B61-690A-4CCE-AEC1-B32C751A2850}" type="datetimeFigureOut">
               <a:rPr lang="ko-KR" altLang="en-US" smtClean="0"/>
-              <a:t>2020-10-31</a:t>
+              <a:t>2020-11-02</a:t>
             </a:fld>
             <a:endParaRPr lang="ko-KR" altLang="en-US"/>
           </a:p>
@@ -1972,13 +1755,7 @@
       </p:sp>
       <p:sp>
         <p:nvSpPr>
-          <p:cNvPr id="4" name="바닥글 개체 틀 3">
-            <a:extLst>
-              <a:ext uri="{FF2B5EF4-FFF2-40B4-BE49-F238E27FC236}">
-                <a16:creationId xmlns:a16="http://schemas.microsoft.com/office/drawing/2014/main" id="{E09F9528-7AB4-4639-BFDE-A4161154A031}"/>
-              </a:ext>
-            </a:extLst>
-          </p:cNvPr>
+          <p:cNvPr id="4" name="Footer Placeholder 3"/>
           <p:cNvSpPr>
             <a:spLocks noGrp="1"/>
           </p:cNvSpPr>
@@ -1997,13 +1774,7 @@
       </p:sp>
       <p:sp>
         <p:nvSpPr>
-          <p:cNvPr id="5" name="슬라이드 번호 개체 틀 4">
-            <a:extLst>
-              <a:ext uri="{FF2B5EF4-FFF2-40B4-BE49-F238E27FC236}">
-                <a16:creationId xmlns:a16="http://schemas.microsoft.com/office/drawing/2014/main" id="{6D27E0F3-F7C2-4C63-9D75-D944454B5F9A}"/>
-              </a:ext>
-            </a:extLst>
-          </p:cNvPr>
+          <p:cNvPr id="5" name="Slide Number Placeholder 4"/>
           <p:cNvSpPr>
             <a:spLocks noGrp="1"/>
           </p:cNvSpPr>
@@ -2027,7 +1798,7 @@
     </p:spTree>
     <p:extLst>
       <p:ext uri="{BB962C8B-B14F-4D97-AF65-F5344CB8AC3E}">
-        <p14:creationId xmlns:p14="http://schemas.microsoft.com/office/powerpoint/2010/main" val="3833719580"/>
+        <p14:creationId xmlns:p14="http://schemas.microsoft.com/office/powerpoint/2010/main" val="724784865"/>
       </p:ext>
     </p:extLst>
   </p:cSld>
@@ -2056,13 +1827,7 @@
       </p:grpSpPr>
       <p:sp>
         <p:nvSpPr>
-          <p:cNvPr id="2" name="날짜 개체 틀 1">
-            <a:extLst>
-              <a:ext uri="{FF2B5EF4-FFF2-40B4-BE49-F238E27FC236}">
-                <a16:creationId xmlns:a16="http://schemas.microsoft.com/office/drawing/2014/main" id="{D39969C9-2CD1-4D73-9740-4C8278C29F20}"/>
-              </a:ext>
-            </a:extLst>
-          </p:cNvPr>
+          <p:cNvPr id="2" name="Date Placeholder 1"/>
           <p:cNvSpPr>
             <a:spLocks noGrp="1"/>
           </p:cNvSpPr>
@@ -2077,7 +1842,7 @@
           <a:p>
             <a:fld id="{19C79B61-690A-4CCE-AEC1-B32C751A2850}" type="datetimeFigureOut">
               <a:rPr lang="ko-KR" altLang="en-US" smtClean="0"/>
-              <a:t>2020-10-31</a:t>
+              <a:t>2020-11-02</a:t>
             </a:fld>
             <a:endParaRPr lang="ko-KR" altLang="en-US"/>
           </a:p>
@@ -2085,13 +1850,7 @@
       </p:sp>
       <p:sp>
         <p:nvSpPr>
-          <p:cNvPr id="3" name="바닥글 개체 틀 2">
-            <a:extLst>
-              <a:ext uri="{FF2B5EF4-FFF2-40B4-BE49-F238E27FC236}">
-                <a16:creationId xmlns:a16="http://schemas.microsoft.com/office/drawing/2014/main" id="{F1993DAC-F1F9-4961-8843-37970E94F9BB}"/>
-              </a:ext>
-            </a:extLst>
-          </p:cNvPr>
+          <p:cNvPr id="3" name="Footer Placeholder 2"/>
           <p:cNvSpPr>
             <a:spLocks noGrp="1"/>
           </p:cNvSpPr>
@@ -2110,13 +1869,7 @@
       </p:sp>
       <p:sp>
         <p:nvSpPr>
-          <p:cNvPr id="4" name="슬라이드 번호 개체 틀 3">
-            <a:extLst>
-              <a:ext uri="{FF2B5EF4-FFF2-40B4-BE49-F238E27FC236}">
-                <a16:creationId xmlns:a16="http://schemas.microsoft.com/office/drawing/2014/main" id="{2EDD7EBA-0A06-42BB-A5BF-BFF5DA1933AB}"/>
-              </a:ext>
-            </a:extLst>
-          </p:cNvPr>
+          <p:cNvPr id="4" name="Slide Number Placeholder 3"/>
           <p:cNvSpPr>
             <a:spLocks noGrp="1"/>
           </p:cNvSpPr>
@@ -2140,7 +1893,7 @@
     </p:spTree>
     <p:extLst>
       <p:ext uri="{BB962C8B-B14F-4D97-AF65-F5344CB8AC3E}">
-        <p14:creationId xmlns:p14="http://schemas.microsoft.com/office/powerpoint/2010/main" val="3177890998"/>
+        <p14:creationId xmlns:p14="http://schemas.microsoft.com/office/powerpoint/2010/main" val="4240801346"/>
       </p:ext>
     </p:extLst>
   </p:cSld>
@@ -2169,13 +1922,7 @@
       </p:grpSpPr>
       <p:sp>
         <p:nvSpPr>
-          <p:cNvPr id="2" name="제목 1">
-            <a:extLst>
-              <a:ext uri="{FF2B5EF4-FFF2-40B4-BE49-F238E27FC236}">
-                <a16:creationId xmlns:a16="http://schemas.microsoft.com/office/drawing/2014/main" id="{DBDD0BAB-4047-4F36-AF47-CF7A31F85D7E}"/>
-              </a:ext>
-            </a:extLst>
-          </p:cNvPr>
+          <p:cNvPr id="2" name="Title 1"/>
           <p:cNvSpPr>
             <a:spLocks noGrp="1"/>
           </p:cNvSpPr>
@@ -2201,18 +1948,13 @@
               <a:rPr lang="ko-KR" altLang="en-US"/>
               <a:t>마스터 제목 스타일 편집</a:t>
             </a:r>
-          </a:p>
-        </p:txBody>
-      </p:sp>
-      <p:sp>
-        <p:nvSpPr>
-          <p:cNvPr id="3" name="내용 개체 틀 2">
-            <a:extLst>
-              <a:ext uri="{FF2B5EF4-FFF2-40B4-BE49-F238E27FC236}">
-                <a16:creationId xmlns:a16="http://schemas.microsoft.com/office/drawing/2014/main" id="{1196C126-E119-437A-A69A-CD6ABDA71C71}"/>
-              </a:ext>
-            </a:extLst>
-          </p:cNvPr>
+            <a:endParaRPr lang="en-US" dirty="0"/>
+          </a:p>
+        </p:txBody>
+      </p:sp>
+      <p:sp>
+        <p:nvSpPr>
+          <p:cNvPr id="3" name="Content Placeholder 2"/>
           <p:cNvSpPr>
             <a:spLocks noGrp="1"/>
           </p:cNvSpPr>
@@ -2291,18 +2033,13 @@
               <a:rPr lang="ko-KR" altLang="en-US"/>
               <a:t>다섯 번째 수준</a:t>
             </a:r>
-          </a:p>
-        </p:txBody>
-      </p:sp>
-      <p:sp>
-        <p:nvSpPr>
-          <p:cNvPr id="4" name="텍스트 개체 틀 3">
-            <a:extLst>
-              <a:ext uri="{FF2B5EF4-FFF2-40B4-BE49-F238E27FC236}">
-                <a16:creationId xmlns:a16="http://schemas.microsoft.com/office/drawing/2014/main" id="{AC05F9BF-5CDB-4C0D-A791-E0C044C73BC9}"/>
-              </a:ext>
-            </a:extLst>
-          </p:cNvPr>
+            <a:endParaRPr lang="en-US" dirty="0"/>
+          </a:p>
+        </p:txBody>
+      </p:sp>
+      <p:sp>
+        <p:nvSpPr>
+          <p:cNvPr id="4" name="Text Placeholder 3"/>
           <p:cNvSpPr>
             <a:spLocks noGrp="1"/>
           </p:cNvSpPr>
@@ -2367,13 +2104,7 @@
       </p:sp>
       <p:sp>
         <p:nvSpPr>
-          <p:cNvPr id="5" name="날짜 개체 틀 4">
-            <a:extLst>
-              <a:ext uri="{FF2B5EF4-FFF2-40B4-BE49-F238E27FC236}">
-                <a16:creationId xmlns:a16="http://schemas.microsoft.com/office/drawing/2014/main" id="{2806A561-25F2-48D9-9CC3-AC1E2FF0E716}"/>
-              </a:ext>
-            </a:extLst>
-          </p:cNvPr>
+          <p:cNvPr id="5" name="Date Placeholder 4"/>
           <p:cNvSpPr>
             <a:spLocks noGrp="1"/>
           </p:cNvSpPr>
@@ -2388,7 +2119,7 @@
           <a:p>
             <a:fld id="{19C79B61-690A-4CCE-AEC1-B32C751A2850}" type="datetimeFigureOut">
               <a:rPr lang="ko-KR" altLang="en-US" smtClean="0"/>
-              <a:t>2020-10-31</a:t>
+              <a:t>2020-11-02</a:t>
             </a:fld>
             <a:endParaRPr lang="ko-KR" altLang="en-US"/>
           </a:p>
@@ -2396,13 +2127,7 @@
       </p:sp>
       <p:sp>
         <p:nvSpPr>
-          <p:cNvPr id="6" name="바닥글 개체 틀 5">
-            <a:extLst>
-              <a:ext uri="{FF2B5EF4-FFF2-40B4-BE49-F238E27FC236}">
-                <a16:creationId xmlns:a16="http://schemas.microsoft.com/office/drawing/2014/main" id="{C32E73BC-25AD-4648-A948-9F5139ED5B31}"/>
-              </a:ext>
-            </a:extLst>
-          </p:cNvPr>
+          <p:cNvPr id="6" name="Footer Placeholder 5"/>
           <p:cNvSpPr>
             <a:spLocks noGrp="1"/>
           </p:cNvSpPr>
@@ -2421,13 +2146,7 @@
       </p:sp>
       <p:sp>
         <p:nvSpPr>
-          <p:cNvPr id="7" name="슬라이드 번호 개체 틀 6">
-            <a:extLst>
-              <a:ext uri="{FF2B5EF4-FFF2-40B4-BE49-F238E27FC236}">
-                <a16:creationId xmlns:a16="http://schemas.microsoft.com/office/drawing/2014/main" id="{F112A8C9-C766-4778-81CD-588295014EED}"/>
-              </a:ext>
-            </a:extLst>
-          </p:cNvPr>
+          <p:cNvPr id="7" name="Slide Number Placeholder 6"/>
           <p:cNvSpPr>
             <a:spLocks noGrp="1"/>
           </p:cNvSpPr>
@@ -2451,7 +2170,7 @@
     </p:spTree>
     <p:extLst>
       <p:ext uri="{BB962C8B-B14F-4D97-AF65-F5344CB8AC3E}">
-        <p14:creationId xmlns:p14="http://schemas.microsoft.com/office/powerpoint/2010/main" val="2151286090"/>
+        <p14:creationId xmlns:p14="http://schemas.microsoft.com/office/powerpoint/2010/main" val="3128812314"/>
       </p:ext>
     </p:extLst>
   </p:cSld>
@@ -2480,13 +2199,7 @@
       </p:grpSpPr>
       <p:sp>
         <p:nvSpPr>
-          <p:cNvPr id="2" name="제목 1">
-            <a:extLst>
-              <a:ext uri="{FF2B5EF4-FFF2-40B4-BE49-F238E27FC236}">
-                <a16:creationId xmlns:a16="http://schemas.microsoft.com/office/drawing/2014/main" id="{01AEB2EE-FD91-499D-A6D7-176A9DE3F5D8}"/>
-              </a:ext>
-            </a:extLst>
-          </p:cNvPr>
+          <p:cNvPr id="2" name="Title 1"/>
           <p:cNvSpPr>
             <a:spLocks noGrp="1"/>
           </p:cNvSpPr>
@@ -2512,20 +2225,15 @@
               <a:rPr lang="ko-KR" altLang="en-US"/>
               <a:t>마스터 제목 스타일 편집</a:t>
             </a:r>
-          </a:p>
-        </p:txBody>
-      </p:sp>
-      <p:sp>
-        <p:nvSpPr>
-          <p:cNvPr id="3" name="그림 개체 틀 2">
-            <a:extLst>
-              <a:ext uri="{FF2B5EF4-FFF2-40B4-BE49-F238E27FC236}">
-                <a16:creationId xmlns:a16="http://schemas.microsoft.com/office/drawing/2014/main" id="{71D3AD2E-2731-4DEE-B1E6-36E4F99AF2A2}"/>
-              </a:ext>
-            </a:extLst>
-          </p:cNvPr>
-          <p:cNvSpPr>
-            <a:spLocks noGrp="1"/>
+            <a:endParaRPr lang="en-US" dirty="0"/>
+          </a:p>
+        </p:txBody>
+      </p:sp>
+      <p:sp>
+        <p:nvSpPr>
+          <p:cNvPr id="3" name="Picture Placeholder 2"/>
+          <p:cNvSpPr>
+            <a:spLocks noGrp="1" noChangeAspect="1"/>
           </p:cNvSpPr>
           <p:nvPr>
             <p:ph type="pic" idx="1"/>
@@ -2538,7 +2246,7 @@
           </a:xfrm>
         </p:spPr>
         <p:txBody>
-          <a:bodyPr/>
+          <a:bodyPr anchor="t"/>
           <a:lstStyle>
             <a:lvl1pPr marL="0" indent="0">
               <a:buNone/>
@@ -2578,19 +2286,17 @@
             </a:lvl9pPr>
           </a:lstStyle>
           <a:p>
-            <a:endParaRPr lang="ko-KR" altLang="en-US"/>
-          </a:p>
-        </p:txBody>
-      </p:sp>
-      <p:sp>
-        <p:nvSpPr>
-          <p:cNvPr id="4" name="텍스트 개체 틀 3">
-            <a:extLst>
-              <a:ext uri="{FF2B5EF4-FFF2-40B4-BE49-F238E27FC236}">
-                <a16:creationId xmlns:a16="http://schemas.microsoft.com/office/drawing/2014/main" id="{F1C812CB-20F9-4D0C-B441-3655380C060A}"/>
-              </a:ext>
-            </a:extLst>
-          </p:cNvPr>
+            <a:r>
+              <a:rPr lang="ko-KR" altLang="en-US"/>
+              <a:t>그림을 추가하려면 아이콘을 클릭하십시오</a:t>
+            </a:r>
+            <a:endParaRPr lang="en-US" dirty="0"/>
+          </a:p>
+        </p:txBody>
+      </p:sp>
+      <p:sp>
+        <p:nvSpPr>
+          <p:cNvPr id="4" name="Text Placeholder 3"/>
           <p:cNvSpPr>
             <a:spLocks noGrp="1"/>
           </p:cNvSpPr>
@@ -2655,13 +2361,7 @@
       </p:sp>
       <p:sp>
         <p:nvSpPr>
-          <p:cNvPr id="5" name="날짜 개체 틀 4">
-            <a:extLst>
-              <a:ext uri="{FF2B5EF4-FFF2-40B4-BE49-F238E27FC236}">
-                <a16:creationId xmlns:a16="http://schemas.microsoft.com/office/drawing/2014/main" id="{CFC211DE-B5D5-49C8-9F1E-E23F8E2265A3}"/>
-              </a:ext>
-            </a:extLst>
-          </p:cNvPr>
+          <p:cNvPr id="5" name="Date Placeholder 4"/>
           <p:cNvSpPr>
             <a:spLocks noGrp="1"/>
           </p:cNvSpPr>
@@ -2676,7 +2376,7 @@
           <a:p>
             <a:fld id="{19C79B61-690A-4CCE-AEC1-B32C751A2850}" type="datetimeFigureOut">
               <a:rPr lang="ko-KR" altLang="en-US" smtClean="0"/>
-              <a:t>2020-10-31</a:t>
+              <a:t>2020-11-02</a:t>
             </a:fld>
             <a:endParaRPr lang="ko-KR" altLang="en-US"/>
           </a:p>
@@ -2684,13 +2384,7 @@
       </p:sp>
       <p:sp>
         <p:nvSpPr>
-          <p:cNvPr id="6" name="바닥글 개체 틀 5">
-            <a:extLst>
-              <a:ext uri="{FF2B5EF4-FFF2-40B4-BE49-F238E27FC236}">
-                <a16:creationId xmlns:a16="http://schemas.microsoft.com/office/drawing/2014/main" id="{F214D754-4FBA-4517-99AF-4680B1362B98}"/>
-              </a:ext>
-            </a:extLst>
-          </p:cNvPr>
+          <p:cNvPr id="6" name="Footer Placeholder 5"/>
           <p:cNvSpPr>
             <a:spLocks noGrp="1"/>
           </p:cNvSpPr>
@@ -2709,13 +2403,7 @@
       </p:sp>
       <p:sp>
         <p:nvSpPr>
-          <p:cNvPr id="7" name="슬라이드 번호 개체 틀 6">
-            <a:extLst>
-              <a:ext uri="{FF2B5EF4-FFF2-40B4-BE49-F238E27FC236}">
-                <a16:creationId xmlns:a16="http://schemas.microsoft.com/office/drawing/2014/main" id="{9ADC844C-B110-4C10-894A-9F6C269B1820}"/>
-              </a:ext>
-            </a:extLst>
-          </p:cNvPr>
+          <p:cNvPr id="7" name="Slide Number Placeholder 6"/>
           <p:cNvSpPr>
             <a:spLocks noGrp="1"/>
           </p:cNvSpPr>
@@ -2739,7 +2427,7 @@
     </p:spTree>
     <p:extLst>
       <p:ext uri="{BB962C8B-B14F-4D97-AF65-F5344CB8AC3E}">
-        <p14:creationId xmlns:p14="http://schemas.microsoft.com/office/powerpoint/2010/main" val="3057481687"/>
+        <p14:creationId xmlns:p14="http://schemas.microsoft.com/office/powerpoint/2010/main" val="2331813083"/>
       </p:ext>
     </p:extLst>
   </p:cSld>
@@ -2773,13 +2461,7 @@
       </p:grpSpPr>
       <p:sp>
         <p:nvSpPr>
-          <p:cNvPr id="2" name="제목 개체 틀 1">
-            <a:extLst>
-              <a:ext uri="{FF2B5EF4-FFF2-40B4-BE49-F238E27FC236}">
-                <a16:creationId xmlns:a16="http://schemas.microsoft.com/office/drawing/2014/main" id="{6285638A-B9A7-4DE2-9E1B-3BEC97CBE885}"/>
-              </a:ext>
-            </a:extLst>
-          </p:cNvPr>
+          <p:cNvPr id="2" name="Title Placeholder 1"/>
           <p:cNvSpPr>
             <a:spLocks noGrp="1"/>
           </p:cNvSpPr>
@@ -2806,18 +2488,13 @@
               <a:rPr lang="ko-KR" altLang="en-US"/>
               <a:t>마스터 제목 스타일 편집</a:t>
             </a:r>
-          </a:p>
-        </p:txBody>
-      </p:sp>
-      <p:sp>
-        <p:nvSpPr>
-          <p:cNvPr id="3" name="텍스트 개체 틀 2">
-            <a:extLst>
-              <a:ext uri="{FF2B5EF4-FFF2-40B4-BE49-F238E27FC236}">
-                <a16:creationId xmlns:a16="http://schemas.microsoft.com/office/drawing/2014/main" id="{C71B21EF-3934-4E86-9120-7F92E1737717}"/>
-              </a:ext>
-            </a:extLst>
-          </p:cNvPr>
+            <a:endParaRPr lang="en-US" dirty="0"/>
+          </a:p>
+        </p:txBody>
+      </p:sp>
+      <p:sp>
+        <p:nvSpPr>
+          <p:cNvPr id="3" name="Text Placeholder 2"/>
           <p:cNvSpPr>
             <a:spLocks noGrp="1"/>
           </p:cNvSpPr>
@@ -2873,18 +2550,13 @@
               <a:rPr lang="ko-KR" altLang="en-US"/>
               <a:t>다섯 번째 수준</a:t>
             </a:r>
-          </a:p>
-        </p:txBody>
-      </p:sp>
-      <p:sp>
-        <p:nvSpPr>
-          <p:cNvPr id="4" name="날짜 개체 틀 3">
-            <a:extLst>
-              <a:ext uri="{FF2B5EF4-FFF2-40B4-BE49-F238E27FC236}">
-                <a16:creationId xmlns:a16="http://schemas.microsoft.com/office/drawing/2014/main" id="{4F5D3B1B-995B-44B9-BC2D-2656CED57AF6}"/>
-              </a:ext>
-            </a:extLst>
-          </p:cNvPr>
+            <a:endParaRPr lang="en-US" dirty="0"/>
+          </a:p>
+        </p:txBody>
+      </p:sp>
+      <p:sp>
+        <p:nvSpPr>
+          <p:cNvPr id="4" name="Date Placeholder 3"/>
           <p:cNvSpPr>
             <a:spLocks noGrp="1"/>
           </p:cNvSpPr>
@@ -2917,7 +2589,7 @@
           <a:p>
             <a:fld id="{19C79B61-690A-4CCE-AEC1-B32C751A2850}" type="datetimeFigureOut">
               <a:rPr lang="ko-KR" altLang="en-US" smtClean="0"/>
-              <a:t>2020-10-31</a:t>
+              <a:t>2020-11-02</a:t>
             </a:fld>
             <a:endParaRPr lang="ko-KR" altLang="en-US"/>
           </a:p>
@@ -2925,13 +2597,7 @@
       </p:sp>
       <p:sp>
         <p:nvSpPr>
-          <p:cNvPr id="5" name="바닥글 개체 틀 4">
-            <a:extLst>
-              <a:ext uri="{FF2B5EF4-FFF2-40B4-BE49-F238E27FC236}">
-                <a16:creationId xmlns:a16="http://schemas.microsoft.com/office/drawing/2014/main" id="{D4429CAA-6007-480F-936B-EF4FF52521D4}"/>
-              </a:ext>
-            </a:extLst>
-          </p:cNvPr>
+          <p:cNvPr id="5" name="Footer Placeholder 4"/>
           <p:cNvSpPr>
             <a:spLocks noGrp="1"/>
           </p:cNvSpPr>
@@ -2968,13 +2634,7 @@
       </p:sp>
       <p:sp>
         <p:nvSpPr>
-          <p:cNvPr id="6" name="슬라이드 번호 개체 틀 5">
-            <a:extLst>
-              <a:ext uri="{FF2B5EF4-FFF2-40B4-BE49-F238E27FC236}">
-                <a16:creationId xmlns:a16="http://schemas.microsoft.com/office/drawing/2014/main" id="{AD2F39E4-A1F1-4665-B34E-AC5D9C4AB826}"/>
-              </a:ext>
-            </a:extLst>
-          </p:cNvPr>
+          <p:cNvPr id="6" name="Slide Number Placeholder 5"/>
           <p:cNvSpPr>
             <a:spLocks noGrp="1"/>
           </p:cNvSpPr>
@@ -3016,23 +2676,23 @@
     </p:spTree>
     <p:extLst>
       <p:ext uri="{BB962C8B-B14F-4D97-AF65-F5344CB8AC3E}">
-        <p14:creationId xmlns:p14="http://schemas.microsoft.com/office/powerpoint/2010/main" val="1743316393"/>
+        <p14:creationId xmlns:p14="http://schemas.microsoft.com/office/powerpoint/2010/main" val="1978432063"/>
       </p:ext>
     </p:extLst>
   </p:cSld>
   <p:clrMap bg1="lt1" tx1="dk1" bg2="lt2" tx2="dk2" accent1="accent1" accent2="accent2" accent3="accent3" accent4="accent4" accent5="accent5" accent6="accent6" hlink="hlink" folHlink="folHlink"/>
   <p:sldLayoutIdLst>
-    <p:sldLayoutId id="2147483649" r:id="rId1"/>
-    <p:sldLayoutId id="2147483650" r:id="rId2"/>
-    <p:sldLayoutId id="2147483651" r:id="rId3"/>
-    <p:sldLayoutId id="2147483652" r:id="rId4"/>
-    <p:sldLayoutId id="2147483653" r:id="rId5"/>
-    <p:sldLayoutId id="2147483654" r:id="rId6"/>
-    <p:sldLayoutId id="2147483655" r:id="rId7"/>
-    <p:sldLayoutId id="2147483656" r:id="rId8"/>
-    <p:sldLayoutId id="2147483657" r:id="rId9"/>
-    <p:sldLayoutId id="2147483658" r:id="rId10"/>
-    <p:sldLayoutId id="2147483659" r:id="rId11"/>
+    <p:sldLayoutId id="2147483685" r:id="rId1"/>
+    <p:sldLayoutId id="2147483686" r:id="rId2"/>
+    <p:sldLayoutId id="2147483687" r:id="rId3"/>
+    <p:sldLayoutId id="2147483688" r:id="rId4"/>
+    <p:sldLayoutId id="2147483689" r:id="rId5"/>
+    <p:sldLayoutId id="2147483690" r:id="rId6"/>
+    <p:sldLayoutId id="2147483691" r:id="rId7"/>
+    <p:sldLayoutId id="2147483692" r:id="rId8"/>
+    <p:sldLayoutId id="2147483693" r:id="rId9"/>
+    <p:sldLayoutId id="2147483694" r:id="rId10"/>
+    <p:sldLayoutId id="2147483695" r:id="rId11"/>
   </p:sldLayoutIdLst>
   <p:txStyles>
     <p:titleStyle>
@@ -3220,7 +2880,7 @@
     </p:bodyStyle>
     <p:otherStyle>
       <a:defPPr>
-        <a:defRPr lang="ko-KR"/>
+        <a:defRPr lang="en-US"/>
       </a:defPPr>
       <a:lvl1pPr marL="0" algn="l" defTabSz="914400" rtl="0" eaLnBrk="1" latinLnBrk="1" hangingPunct="1">
         <a:defRPr sz="1800" kern="1200">
@@ -3320,14 +2980,6 @@
 <file path=ppt/slides/slide1.xml><?xml version="1.0" encoding="utf-8"?>
 <p:sld xmlns:a="http://schemas.openxmlformats.org/drawingml/2006/main" xmlns:r="http://schemas.openxmlformats.org/officeDocument/2006/relationships" xmlns:p="http://schemas.openxmlformats.org/presentationml/2006/main">
   <p:cSld>
-    <p:bg>
-      <p:bgPr>
-        <a:solidFill>
-          <a:schemeClr val="bg1"/>
-        </a:solidFill>
-        <a:effectLst/>
-      </p:bgPr>
-    </p:bg>
     <p:spTree>
       <p:nvGrpSpPr>
         <p:cNvPr id="1" name=""/>
@@ -3342,176 +2994,6 @@
           <a:chExt cx="0" cy="0"/>
         </a:xfrm>
       </p:grpSpPr>
-      <p:sp useBgFill="1">
-        <p:nvSpPr>
-          <p:cNvPr id="9" name="Rectangle 8">
-            <a:extLst>
-              <a:ext uri="{FF2B5EF4-FFF2-40B4-BE49-F238E27FC236}">
-                <a16:creationId xmlns:a16="http://schemas.microsoft.com/office/drawing/2014/main" id="{0671A8AE-40A1-4631-A6B8-581AFF065482}"/>
-              </a:ext>
-              <a:ext uri="{C183D7F6-B498-43B3-948B-1728B52AA6E4}">
-                <adec:decorative xmlns:adec="http://schemas.microsoft.com/office/drawing/2017/decorative" val="1"/>
-              </a:ext>
-            </a:extLst>
-          </p:cNvPr>
-          <p:cNvSpPr>
-            <a:spLocks noGrp="1" noRot="1" noChangeAspect="1" noMove="1" noResize="1" noEditPoints="1" noAdjustHandles="1" noChangeArrowheads="1" noChangeShapeType="1" noTextEdit="1"/>
-          </p:cNvSpPr>
-          <p:nvPr>
-            <p:extLst>
-              <p:ext uri="{386F3935-93C4-4BCD-93E2-E3B085C9AB24}">
-                <p16:designElem xmlns:p16="http://schemas.microsoft.com/office/powerpoint/2015/main" val="1"/>
-              </p:ext>
-            </p:extLst>
-          </p:nvPr>
-        </p:nvSpPr>
-        <p:spPr>
-          <a:xfrm>
-            <a:off x="0" y="0"/>
-            <a:ext cx="12192000" cy="6858000"/>
-          </a:xfrm>
-          <a:prstGeom prst="rect">
-            <a:avLst/>
-          </a:prstGeom>
-          <a:ln>
-            <a:noFill/>
-          </a:ln>
-        </p:spPr>
-        <p:style>
-          <a:lnRef idx="2">
-            <a:schemeClr val="accent1">
-              <a:shade val="50000"/>
-            </a:schemeClr>
-          </a:lnRef>
-          <a:fillRef idx="1">
-            <a:schemeClr val="accent1"/>
-          </a:fillRef>
-          <a:effectRef idx="0">
-            <a:schemeClr val="accent1"/>
-          </a:effectRef>
-          <a:fontRef idx="minor">
-            <a:schemeClr val="lt1"/>
-          </a:fontRef>
-        </p:style>
-        <p:txBody>
-          <a:bodyPr rtlCol="0" anchor="ctr"/>
-          <a:lstStyle/>
-          <a:p>
-            <a:pPr algn="ctr"/>
-            <a:endParaRPr lang="en-US"/>
-          </a:p>
-        </p:txBody>
-      </p:sp>
-      <p:pic>
-        <p:nvPicPr>
-          <p:cNvPr id="5" name="Picture 4">
-            <a:extLst>
-              <a:ext uri="{FF2B5EF4-FFF2-40B4-BE49-F238E27FC236}">
-                <a16:creationId xmlns:a16="http://schemas.microsoft.com/office/drawing/2014/main" id="{B8BACBD1-6CB4-4A29-8F56-A305CA9474E9}"/>
-              </a:ext>
-            </a:extLst>
-          </p:cNvPr>
-          <p:cNvPicPr>
-            <a:picLocks noChangeAspect="1"/>
-          </p:cNvPicPr>
-          <p:nvPr/>
-        </p:nvPicPr>
-        <p:blipFill rotWithShape="1">
-          <a:blip r:embed="rId2"/>
-          <a:srcRect r="15627" b="-1"/>
-          <a:stretch/>
-        </p:blipFill>
-        <p:spPr>
-          <a:xfrm>
-            <a:off x="3523488" y="10"/>
-            <a:ext cx="8668512" cy="6857990"/>
-          </a:xfrm>
-          <a:prstGeom prst="rect">
-            <a:avLst/>
-          </a:prstGeom>
-        </p:spPr>
-      </p:pic>
-      <p:sp>
-        <p:nvSpPr>
-          <p:cNvPr id="11" name="Rectangle 10">
-            <a:extLst>
-              <a:ext uri="{FF2B5EF4-FFF2-40B4-BE49-F238E27FC236}">
-                <a16:creationId xmlns:a16="http://schemas.microsoft.com/office/drawing/2014/main" id="{AB58EF07-17C2-48CF-ABB0-EEF1F17CB8F0}"/>
-              </a:ext>
-              <a:ext uri="{C183D7F6-B498-43B3-948B-1728B52AA6E4}">
-                <adec:decorative xmlns:adec="http://schemas.microsoft.com/office/drawing/2017/decorative" val="1"/>
-              </a:ext>
-            </a:extLst>
-          </p:cNvPr>
-          <p:cNvSpPr>
-            <a:spLocks noGrp="1" noRot="1" noChangeAspect="1" noMove="1" noResize="1" noEditPoints="1" noAdjustHandles="1" noChangeArrowheads="1" noChangeShapeType="1" noTextEdit="1"/>
-          </p:cNvSpPr>
-          <p:nvPr>
-            <p:extLst>
-              <p:ext uri="{386F3935-93C4-4BCD-93E2-E3B085C9AB24}">
-                <p16:designElem xmlns:p16="http://schemas.microsoft.com/office/powerpoint/2015/main" val="1"/>
-              </p:ext>
-            </p:extLst>
-          </p:nvPr>
-        </p:nvSpPr>
-        <p:spPr>
-          <a:xfrm>
-            <a:off x="3" y="0"/>
-            <a:ext cx="9339206" cy="6858000"/>
-          </a:xfrm>
-          <a:prstGeom prst="rect">
-            <a:avLst/>
-          </a:prstGeom>
-          <a:gradFill>
-            <a:gsLst>
-              <a:gs pos="58000">
-                <a:schemeClr val="bg1"/>
-              </a:gs>
-              <a:gs pos="33000">
-                <a:schemeClr val="bg1">
-                  <a:alpha val="64000"/>
-                </a:schemeClr>
-              </a:gs>
-              <a:gs pos="0">
-                <a:schemeClr val="bg1">
-                  <a:alpha val="0"/>
-                </a:schemeClr>
-              </a:gs>
-              <a:gs pos="100000">
-                <a:schemeClr val="bg1"/>
-              </a:gs>
-            </a:gsLst>
-            <a:lin ang="10800000" scaled="0"/>
-          </a:gradFill>
-          <a:ln>
-            <a:noFill/>
-          </a:ln>
-        </p:spPr>
-        <p:style>
-          <a:lnRef idx="2">
-            <a:schemeClr val="accent1">
-              <a:shade val="50000"/>
-            </a:schemeClr>
-          </a:lnRef>
-          <a:fillRef idx="1">
-            <a:schemeClr val="accent1"/>
-          </a:fillRef>
-          <a:effectRef idx="0">
-            <a:schemeClr val="accent1"/>
-          </a:effectRef>
-          <a:fontRef idx="minor">
-            <a:schemeClr val="lt1"/>
-          </a:fontRef>
-        </p:style>
-        <p:txBody>
-          <a:bodyPr rtlCol="0" anchor="ctr"/>
-          <a:lstStyle/>
-          <a:p>
-            <a:pPr algn="ctr"/>
-            <a:endParaRPr lang="en-US" dirty="0"/>
-          </a:p>
-        </p:txBody>
-      </p:sp>
       <p:sp>
         <p:nvSpPr>
           <p:cNvPr id="2" name="제목 1">
@@ -3528,40 +3010,32 @@
             <p:ph type="ctrTitle"/>
           </p:nvPr>
         </p:nvSpPr>
-        <p:spPr>
-          <a:xfrm>
-            <a:off x="477980" y="1122363"/>
-            <a:ext cx="8290099" cy="3204134"/>
-          </a:xfrm>
-        </p:spPr>
-        <p:txBody>
-          <a:bodyPr anchor="b">
-            <a:normAutofit/>
-          </a:bodyPr>
-          <a:lstStyle/>
-          <a:p>
-            <a:pPr algn="l"/>
-            <a:r>
-              <a:rPr lang="en-US" altLang="ko-KR" sz="4800" dirty="0"/>
+        <p:spPr/>
+        <p:txBody>
+          <a:bodyPr/>
+          <a:lstStyle/>
+          <a:p>
+            <a:r>
+              <a:rPr lang="en-US" altLang="ko-KR" dirty="0"/>
               <a:t>Server</a:t>
             </a:r>
             <a:r>
-              <a:rPr lang="ko-KR" altLang="en-US" sz="4800" dirty="0"/>
+              <a:rPr lang="ko-KR" altLang="en-US" dirty="0"/>
               <a:t> </a:t>
             </a:r>
             <a:r>
-              <a:rPr lang="en-US" altLang="ko-KR" sz="4800" dirty="0"/>
+              <a:rPr lang="en-US" altLang="ko-KR" dirty="0"/>
               <a:t>and</a:t>
             </a:r>
             <a:r>
-              <a:rPr lang="ko-KR" altLang="en-US" sz="4800" dirty="0"/>
+              <a:rPr lang="ko-KR" altLang="en-US" dirty="0"/>
               <a:t> </a:t>
             </a:r>
             <a:r>
-              <a:rPr lang="en-US" altLang="ko-KR" sz="4800" dirty="0"/>
+              <a:rPr lang="en-US" altLang="ko-KR" dirty="0"/>
               <a:t>Server Language</a:t>
             </a:r>
-            <a:endParaRPr lang="ko-KR" altLang="en-US" sz="4800" dirty="0"/>
+            <a:endParaRPr lang="ko-KR" altLang="en-US" dirty="0"/>
           </a:p>
         </p:txBody>
       </p:sp>
@@ -3581,196 +3055,26 @@
             <p:ph type="subTitle" idx="1"/>
           </p:nvPr>
         </p:nvSpPr>
-        <p:spPr>
-          <a:xfrm>
-            <a:off x="477980" y="4872922"/>
-            <a:ext cx="4023359" cy="1208141"/>
-          </a:xfrm>
-        </p:spPr>
-        <p:txBody>
-          <a:bodyPr>
-            <a:normAutofit/>
-          </a:bodyPr>
-          <a:lstStyle/>
-          <a:p>
-            <a:pPr algn="l"/>
-            <a:r>
-              <a:rPr lang="en-US" altLang="ko-KR" sz="2000" dirty="0"/>
+        <p:spPr/>
+        <p:txBody>
+          <a:bodyPr/>
+          <a:lstStyle/>
+          <a:p>
+            <a:r>
+              <a:rPr lang="en-US" altLang="ko-KR" dirty="0"/>
               <a:t>SNU Linguistics &amp; CSE </a:t>
             </a:r>
           </a:p>
           <a:p>
-            <a:pPr algn="l"/>
-            <a:r>
-              <a:rPr lang="en-US" altLang="ko-KR" sz="2000" dirty="0" err="1"/>
+            <a:r>
+              <a:rPr lang="en-US" altLang="ko-KR" dirty="0" err="1"/>
               <a:t>Jeong</a:t>
             </a:r>
             <a:r>
-              <a:rPr lang="en-US" altLang="ko-KR" sz="2000" dirty="0"/>
+              <a:rPr lang="en-US" altLang="ko-KR" dirty="0"/>
               <a:t> Daeyong</a:t>
             </a:r>
-            <a:endParaRPr lang="ko-KR" altLang="en-US" sz="2000" dirty="0"/>
-          </a:p>
-        </p:txBody>
-      </p:sp>
-      <p:sp>
-        <p:nvSpPr>
-          <p:cNvPr id="13" name="Rectangle 12">
-            <a:extLst>
-              <a:ext uri="{FF2B5EF4-FFF2-40B4-BE49-F238E27FC236}">
-                <a16:creationId xmlns:a16="http://schemas.microsoft.com/office/drawing/2014/main" id="{AF2F604E-43BE-4DC3-B983-E071523364F8}"/>
-              </a:ext>
-              <a:ext uri="{C183D7F6-B498-43B3-948B-1728B52AA6E4}">
-                <adec:decorative xmlns:adec="http://schemas.microsoft.com/office/drawing/2017/decorative" val="1"/>
-              </a:ext>
-            </a:extLst>
-          </p:cNvPr>
-          <p:cNvSpPr>
-            <a:spLocks noGrp="1" noRot="1" noChangeAspect="1" noMove="1" noResize="1" noEditPoints="1" noAdjustHandles="1" noChangeArrowheads="1" noChangeShapeType="1" noTextEdit="1"/>
-          </p:cNvSpPr>
-          <p:nvPr>
-            <p:extLst>
-              <p:ext uri="{386F3935-93C4-4BCD-93E2-E3B085C9AB24}">
-                <p16:designElem xmlns:p16="http://schemas.microsoft.com/office/powerpoint/2015/main" val="1"/>
-              </p:ext>
-            </p:extLst>
-          </p:nvPr>
-        </p:nvSpPr>
-        <p:spPr>
-          <a:xfrm rot="5400000">
-            <a:off x="759921" y="346791"/>
-            <a:ext cx="146304" cy="704088"/>
-          </a:xfrm>
-          <a:prstGeom prst="rect">
-            <a:avLst/>
-          </a:prstGeom>
-          <a:solidFill>
-            <a:schemeClr val="accent2"/>
-          </a:solidFill>
-          <a:ln>
-            <a:noFill/>
-          </a:ln>
-        </p:spPr>
-        <p:style>
-          <a:lnRef idx="2">
-            <a:schemeClr val="accent1">
-              <a:shade val="50000"/>
-            </a:schemeClr>
-          </a:lnRef>
-          <a:fillRef idx="1">
-            <a:schemeClr val="accent1"/>
-          </a:fillRef>
-          <a:effectRef idx="0">
-            <a:schemeClr val="accent1"/>
-          </a:effectRef>
-          <a:fontRef idx="minor">
-            <a:schemeClr val="lt1"/>
-          </a:fontRef>
-        </p:style>
-        <p:txBody>
-          <a:bodyPr rtlCol="0" anchor="ctr"/>
-          <a:lstStyle/>
-          <a:p>
-            <a:pPr algn="ctr"/>
-            <a:endParaRPr lang="en-US">
-              <a:solidFill>
-                <a:prstClr val="white"/>
-              </a:solidFill>
-              <a:latin typeface="Calibri" panose="020F0502020204030204"/>
-            </a:endParaRPr>
-          </a:p>
-        </p:txBody>
-      </p:sp>
-      <p:sp>
-        <p:nvSpPr>
-          <p:cNvPr id="15" name="Rectangle 14">
-            <a:extLst>
-              <a:ext uri="{FF2B5EF4-FFF2-40B4-BE49-F238E27FC236}">
-                <a16:creationId xmlns:a16="http://schemas.microsoft.com/office/drawing/2014/main" id="{08C9B587-E65E-4B52-B37C-ABEBB6E87928}"/>
-              </a:ext>
-              <a:ext uri="{C183D7F6-B498-43B3-948B-1728B52AA6E4}">
-                <adec:decorative xmlns:adec="http://schemas.microsoft.com/office/drawing/2017/decorative" val="1"/>
-              </a:ext>
-            </a:extLst>
-          </p:cNvPr>
-          <p:cNvSpPr>
-            <a:spLocks noGrp="1" noRot="1" noChangeAspect="1" noMove="1" noResize="1" noEditPoints="1" noAdjustHandles="1" noChangeArrowheads="1" noChangeShapeType="1" noTextEdit="1"/>
-          </p:cNvSpPr>
-          <p:nvPr>
-            <p:extLst>
-              <p:ext uri="{386F3935-93C4-4BCD-93E2-E3B085C9AB24}">
-                <p16:designElem xmlns:p16="http://schemas.microsoft.com/office/powerpoint/2015/main" val="1"/>
-              </p:ext>
-            </p:extLst>
-          </p:nvPr>
-        </p:nvSpPr>
-        <p:spPr>
-          <a:xfrm>
-            <a:off x="481029" y="4546920"/>
-            <a:ext cx="3977640" cy="18288"/>
-          </a:xfrm>
-          <a:prstGeom prst="rect">
-            <a:avLst/>
-          </a:prstGeom>
-          <a:solidFill>
-            <a:schemeClr val="tx1"/>
-          </a:solidFill>
-          <a:ln w="3175">
-            <a:noFill/>
-          </a:ln>
-          <a:effectLst/>
-        </p:spPr>
-        <p:style>
-          <a:lnRef idx="2">
-            <a:schemeClr val="accent1">
-              <a:shade val="50000"/>
-            </a:schemeClr>
-          </a:lnRef>
-          <a:fillRef idx="1">
-            <a:schemeClr val="accent1"/>
-          </a:fillRef>
-          <a:effectRef idx="0">
-            <a:schemeClr val="accent1"/>
-          </a:effectRef>
-          <a:fontRef idx="minor">
-            <a:schemeClr val="lt1"/>
-          </a:fontRef>
-        </p:style>
-        <p:txBody>
-          <a:bodyPr rtlCol="0" anchor="ctr"/>
-          <a:lstStyle/>
-          <a:p>
-            <a:pPr marL="0" marR="0" lvl="0" indent="0" algn="ctr" defTabSz="914400" rtl="0" eaLnBrk="1" fontAlgn="auto" latinLnBrk="0" hangingPunct="1">
-              <a:lnSpc>
-                <a:spcPct val="100000"/>
-              </a:lnSpc>
-              <a:spcBef>
-                <a:spcPts val="0"/>
-              </a:spcBef>
-              <a:spcAft>
-                <a:spcPts val="0"/>
-              </a:spcAft>
-              <a:buClrTx/>
-              <a:buSzTx/>
-              <a:buFontTx/>
-              <a:buNone/>
-              <a:tabLst/>
-              <a:defRPr/>
-            </a:pPr>
-            <a:endParaRPr kumimoji="0" lang="en-US" sz="1800" b="0" i="0" u="none" strike="noStrike" kern="1200" cap="none" spc="0" normalizeH="0" baseline="0" noProof="0">
-              <a:ln>
-                <a:noFill/>
-              </a:ln>
-              <a:solidFill>
-                <a:prstClr val="white"/>
-              </a:solidFill>
-              <a:effectLst/>
-              <a:uLnTx/>
-              <a:uFillTx/>
-              <a:latin typeface="Calibri" panose="020F0502020204030204"/>
-              <a:ea typeface="+mn-ea"/>
-              <a:cs typeface="+mn-cs"/>
-            </a:endParaRPr>
+            <a:endParaRPr lang="ko-KR" altLang="en-US" dirty="0"/>
           </a:p>
         </p:txBody>
       </p:sp>
@@ -3782,7 +3086,1644 @@
     </p:extLst>
   </p:cSld>
   <p:clrMapOvr>
-    <a:overrideClrMapping bg1="dk1" tx1="lt1" bg2="dk2" tx2="lt2" accent1="accent1" accent2="accent2" accent3="accent3" accent4="accent4" accent5="accent5" accent6="accent6" hlink="hlink" folHlink="folHlink"/>
+    <a:masterClrMapping/>
+  </p:clrMapOvr>
+</p:sld>
+</file>
+
+<file path=ppt/slides/slide10.xml><?xml version="1.0" encoding="utf-8"?>
+<p:sld xmlns:a="http://schemas.openxmlformats.org/drawingml/2006/main" xmlns:r="http://schemas.openxmlformats.org/officeDocument/2006/relationships" xmlns:p="http://schemas.openxmlformats.org/presentationml/2006/main">
+  <p:cSld>
+    <p:spTree>
+      <p:nvGrpSpPr>
+        <p:cNvPr id="1" name=""/>
+        <p:cNvGrpSpPr/>
+        <p:nvPr/>
+      </p:nvGrpSpPr>
+      <p:grpSpPr>
+        <a:xfrm>
+          <a:off x="0" y="0"/>
+          <a:ext cx="0" cy="0"/>
+          <a:chOff x="0" y="0"/>
+          <a:chExt cx="0" cy="0"/>
+        </a:xfrm>
+      </p:grpSpPr>
+      <p:sp>
+        <p:nvSpPr>
+          <p:cNvPr id="2" name="제목 1">
+            <a:extLst>
+              <a:ext uri="{FF2B5EF4-FFF2-40B4-BE49-F238E27FC236}">
+                <a16:creationId xmlns:a16="http://schemas.microsoft.com/office/drawing/2014/main" id="{7D35364F-56AC-4732-91D7-3C1D7B498FEE}"/>
+              </a:ext>
+            </a:extLst>
+          </p:cNvPr>
+          <p:cNvSpPr>
+            <a:spLocks noGrp="1"/>
+          </p:cNvSpPr>
+          <p:nvPr>
+            <p:ph type="title"/>
+          </p:nvPr>
+        </p:nvSpPr>
+        <p:spPr>
+          <a:xfrm>
+            <a:off x="838200" y="365125"/>
+            <a:ext cx="10515600" cy="1325563"/>
+          </a:xfrm>
+        </p:spPr>
+        <p:txBody>
+          <a:bodyPr>
+            <a:normAutofit/>
+          </a:bodyPr>
+          <a:lstStyle/>
+          <a:p>
+            <a:r>
+              <a:rPr lang="en-US" altLang="ko-KR" sz="3600" dirty="0"/>
+              <a:t>2. Server side script language - JSP </a:t>
+            </a:r>
+            <a:endParaRPr lang="ko-KR" altLang="en-US" sz="3600" dirty="0"/>
+          </a:p>
+        </p:txBody>
+      </p:sp>
+      <p:sp>
+        <p:nvSpPr>
+          <p:cNvPr id="3" name="내용 개체 틀 2">
+            <a:extLst>
+              <a:ext uri="{FF2B5EF4-FFF2-40B4-BE49-F238E27FC236}">
+                <a16:creationId xmlns:a16="http://schemas.microsoft.com/office/drawing/2014/main" id="{5FAF49EA-3E44-4D6E-BC6A-26769265703A}"/>
+              </a:ext>
+            </a:extLst>
+          </p:cNvPr>
+          <p:cNvSpPr>
+            <a:spLocks noGrp="1"/>
+          </p:cNvSpPr>
+          <p:nvPr>
+            <p:ph idx="1"/>
+          </p:nvPr>
+        </p:nvSpPr>
+        <p:spPr/>
+        <p:txBody>
+          <a:bodyPr>
+            <a:normAutofit/>
+          </a:bodyPr>
+          <a:lstStyle/>
+          <a:p>
+            <a:pPr>
+              <a:buFontTx/>
+              <a:buChar char="-"/>
+            </a:pPr>
+            <a:r>
+              <a:rPr lang="en-US" altLang="ko-KR" sz="2400" dirty="0"/>
+              <a:t>Java Server Pages</a:t>
+            </a:r>
+          </a:p>
+          <a:p>
+            <a:pPr>
+              <a:buFontTx/>
+              <a:buChar char="-"/>
+            </a:pPr>
+            <a:r>
+              <a:rPr lang="en-US" altLang="ko-KR" sz="2400" dirty="0"/>
+              <a:t>Based on Java / Servlet</a:t>
+            </a:r>
+          </a:p>
+          <a:p>
+            <a:pPr>
+              <a:buFontTx/>
+              <a:buChar char="-"/>
+            </a:pPr>
+            <a:r>
+              <a:rPr lang="en-US" altLang="ko-KR" sz="2400" dirty="0"/>
+              <a:t>Used for internal system constructions in major companies</a:t>
+            </a:r>
+          </a:p>
+          <a:p>
+            <a:pPr>
+              <a:buFontTx/>
+              <a:buChar char="-"/>
+            </a:pPr>
+            <a:endParaRPr lang="en-US" altLang="ko-KR" sz="2400" dirty="0"/>
+          </a:p>
+          <a:p>
+            <a:pPr>
+              <a:buFontTx/>
+              <a:buChar char="-"/>
+            </a:pPr>
+            <a:r>
+              <a:rPr lang="en-US" altLang="ko-KR" sz="2400" dirty="0"/>
+              <a:t>Unique mechanism : servlet container checks or creates </a:t>
+            </a:r>
+            <a:r>
+              <a:rPr lang="en-US" altLang="ko-KR" sz="2400" dirty="0" err="1"/>
+              <a:t>jsp</a:t>
+            </a:r>
+            <a:r>
+              <a:rPr lang="en-US" altLang="ko-KR" sz="2400" dirty="0"/>
+              <a:t> files</a:t>
+            </a:r>
+          </a:p>
+          <a:p>
+            <a:pPr>
+              <a:buFontTx/>
+              <a:buChar char="-"/>
+            </a:pPr>
+            <a:endParaRPr lang="en-US" altLang="ko-KR" sz="2400" dirty="0"/>
+          </a:p>
+          <a:p>
+            <a:pPr>
+              <a:buFontTx/>
+              <a:buChar char="-"/>
+            </a:pPr>
+            <a:r>
+              <a:rPr lang="en-US" altLang="ko-KR" sz="2400" dirty="0"/>
+              <a:t>Pro) Platform independency / structural, systematic (OOP-</a:t>
+            </a:r>
+            <a:r>
+              <a:rPr lang="en-US" altLang="ko-KR" sz="2400" dirty="0" err="1"/>
+              <a:t>ish</a:t>
+            </a:r>
+            <a:r>
+              <a:rPr lang="en-US" altLang="ko-KR" sz="2400" dirty="0"/>
+              <a:t>) / Java </a:t>
+            </a:r>
+            <a:r>
+              <a:rPr lang="en-US" altLang="ko-KR" sz="2400" dirty="0" err="1"/>
+              <a:t>api</a:t>
+            </a:r>
+            <a:r>
+              <a:rPr lang="en-US" altLang="ko-KR" sz="2400" dirty="0"/>
+              <a:t> available </a:t>
+            </a:r>
+          </a:p>
+          <a:p>
+            <a:pPr>
+              <a:buFontTx/>
+              <a:buChar char="-"/>
+            </a:pPr>
+            <a:r>
+              <a:rPr lang="en-US" altLang="ko-KR" sz="2400" dirty="0"/>
+              <a:t>Con) Compile process takes time</a:t>
+            </a:r>
+          </a:p>
+          <a:p>
+            <a:pPr>
+              <a:buFontTx/>
+              <a:buChar char="-"/>
+            </a:pPr>
+            <a:endParaRPr lang="en-US" altLang="ko-KR" sz="2400" dirty="0"/>
+          </a:p>
+          <a:p>
+            <a:pPr marL="0" indent="0">
+              <a:buNone/>
+            </a:pPr>
+            <a:endParaRPr lang="en-US" altLang="ko-KR" sz="2400" dirty="0"/>
+          </a:p>
+        </p:txBody>
+      </p:sp>
+    </p:spTree>
+    <p:extLst>
+      <p:ext uri="{BB962C8B-B14F-4D97-AF65-F5344CB8AC3E}">
+        <p14:creationId xmlns:p14="http://schemas.microsoft.com/office/powerpoint/2010/main" val="3445998552"/>
+      </p:ext>
+    </p:extLst>
+  </p:cSld>
+  <p:clrMapOvr>
+    <a:masterClrMapping/>
+  </p:clrMapOvr>
+</p:sld>
+</file>
+
+<file path=ppt/slides/slide11.xml><?xml version="1.0" encoding="utf-8"?>
+<p:sld xmlns:a="http://schemas.openxmlformats.org/drawingml/2006/main" xmlns:r="http://schemas.openxmlformats.org/officeDocument/2006/relationships" xmlns:p="http://schemas.openxmlformats.org/presentationml/2006/main">
+  <p:cSld>
+    <p:spTree>
+      <p:nvGrpSpPr>
+        <p:cNvPr id="1" name=""/>
+        <p:cNvGrpSpPr/>
+        <p:nvPr/>
+      </p:nvGrpSpPr>
+      <p:grpSpPr>
+        <a:xfrm>
+          <a:off x="0" y="0"/>
+          <a:ext cx="0" cy="0"/>
+          <a:chOff x="0" y="0"/>
+          <a:chExt cx="0" cy="0"/>
+        </a:xfrm>
+      </p:grpSpPr>
+      <p:sp>
+        <p:nvSpPr>
+          <p:cNvPr id="2" name="제목 1">
+            <a:extLst>
+              <a:ext uri="{FF2B5EF4-FFF2-40B4-BE49-F238E27FC236}">
+                <a16:creationId xmlns:a16="http://schemas.microsoft.com/office/drawing/2014/main" id="{7D35364F-56AC-4732-91D7-3C1D7B498FEE}"/>
+              </a:ext>
+            </a:extLst>
+          </p:cNvPr>
+          <p:cNvSpPr>
+            <a:spLocks noGrp="1"/>
+          </p:cNvSpPr>
+          <p:nvPr>
+            <p:ph type="title"/>
+          </p:nvPr>
+        </p:nvSpPr>
+        <p:spPr>
+          <a:xfrm>
+            <a:off x="838200" y="365125"/>
+            <a:ext cx="10515600" cy="1325563"/>
+          </a:xfrm>
+        </p:spPr>
+        <p:txBody>
+          <a:bodyPr>
+            <a:normAutofit/>
+          </a:bodyPr>
+          <a:lstStyle/>
+          <a:p>
+            <a:r>
+              <a:rPr lang="en-US" altLang="ko-KR" sz="3600" dirty="0"/>
+              <a:t>2. Server side script language - ASP </a:t>
+            </a:r>
+            <a:endParaRPr lang="ko-KR" altLang="en-US" sz="3600" dirty="0"/>
+          </a:p>
+        </p:txBody>
+      </p:sp>
+      <p:sp>
+        <p:nvSpPr>
+          <p:cNvPr id="3" name="내용 개체 틀 2">
+            <a:extLst>
+              <a:ext uri="{FF2B5EF4-FFF2-40B4-BE49-F238E27FC236}">
+                <a16:creationId xmlns:a16="http://schemas.microsoft.com/office/drawing/2014/main" id="{5FAF49EA-3E44-4D6E-BC6A-26769265703A}"/>
+              </a:ext>
+            </a:extLst>
+          </p:cNvPr>
+          <p:cNvSpPr>
+            <a:spLocks noGrp="1"/>
+          </p:cNvSpPr>
+          <p:nvPr>
+            <p:ph idx="1"/>
+          </p:nvPr>
+        </p:nvSpPr>
+        <p:spPr/>
+        <p:txBody>
+          <a:bodyPr>
+            <a:normAutofit lnSpcReduction="10000"/>
+          </a:bodyPr>
+          <a:lstStyle/>
+          <a:p>
+            <a:pPr>
+              <a:buFontTx/>
+              <a:buChar char="-"/>
+            </a:pPr>
+            <a:r>
+              <a:rPr lang="en-US" altLang="ko-KR" sz="2400" dirty="0"/>
+              <a:t>Active Server Pages</a:t>
+            </a:r>
+          </a:p>
+          <a:p>
+            <a:pPr>
+              <a:buFontTx/>
+              <a:buChar char="-"/>
+            </a:pPr>
+            <a:r>
+              <a:rPr lang="en-US" altLang="ko-KR" sz="2400" dirty="0"/>
+              <a:t>Based on Window OS</a:t>
+            </a:r>
+          </a:p>
+          <a:p>
+            <a:pPr>
+              <a:buFontTx/>
+              <a:buChar char="-"/>
+            </a:pPr>
+            <a:r>
+              <a:rPr lang="en-US" altLang="ko-KR" sz="2400" dirty="0"/>
+              <a:t>Used for private / small-sized company server, but on downtrend</a:t>
+            </a:r>
+          </a:p>
+          <a:p>
+            <a:pPr>
+              <a:buFontTx/>
+              <a:buChar char="-"/>
+            </a:pPr>
+            <a:endParaRPr lang="en-US" altLang="ko-KR" sz="2400" dirty="0"/>
+          </a:p>
+          <a:p>
+            <a:pPr>
+              <a:buFontTx/>
+              <a:buChar char="-"/>
+            </a:pPr>
+            <a:r>
+              <a:rPr lang="en-US" altLang="ko-KR" sz="2400" dirty="0"/>
+              <a:t>Unique mechanism : asp.dll executes asp source</a:t>
+            </a:r>
+          </a:p>
+          <a:p>
+            <a:pPr>
+              <a:buFontTx/>
+              <a:buChar char="-"/>
+            </a:pPr>
+            <a:endParaRPr lang="en-US" altLang="ko-KR" sz="2400" dirty="0"/>
+          </a:p>
+          <a:p>
+            <a:pPr>
+              <a:buFontTx/>
+              <a:buChar char="-"/>
+            </a:pPr>
+            <a:r>
+              <a:rPr lang="en-US" altLang="ko-KR" sz="2400" dirty="0"/>
+              <a:t>Pro) Support from MS / supports multiple languages</a:t>
+            </a:r>
+          </a:p>
+          <a:p>
+            <a:pPr>
+              <a:buFontTx/>
+              <a:buChar char="-"/>
+            </a:pPr>
+            <a:r>
+              <a:rPr lang="en-US" altLang="ko-KR" sz="2400" dirty="0"/>
+              <a:t>Con) High license cost / platform dependency </a:t>
+            </a:r>
+          </a:p>
+          <a:p>
+            <a:pPr>
+              <a:buFontTx/>
+              <a:buChar char="-"/>
+            </a:pPr>
+            <a:endParaRPr lang="en-US" altLang="ko-KR" sz="2400" dirty="0"/>
+          </a:p>
+          <a:p>
+            <a:pPr marL="0" indent="0">
+              <a:buNone/>
+            </a:pPr>
+            <a:r>
+              <a:rPr lang="en-US" altLang="ko-KR" sz="2400" dirty="0"/>
+              <a:t>Q) What is DLL?</a:t>
+            </a:r>
+          </a:p>
+        </p:txBody>
+      </p:sp>
+    </p:spTree>
+    <p:extLst>
+      <p:ext uri="{BB962C8B-B14F-4D97-AF65-F5344CB8AC3E}">
+        <p14:creationId xmlns:p14="http://schemas.microsoft.com/office/powerpoint/2010/main" val="1948362145"/>
+      </p:ext>
+    </p:extLst>
+  </p:cSld>
+  <p:clrMapOvr>
+    <a:masterClrMapping/>
+  </p:clrMapOvr>
+</p:sld>
+</file>
+
+<file path=ppt/slides/slide12.xml><?xml version="1.0" encoding="utf-8"?>
+<p:sld xmlns:a="http://schemas.openxmlformats.org/drawingml/2006/main" xmlns:r="http://schemas.openxmlformats.org/officeDocument/2006/relationships" xmlns:p="http://schemas.openxmlformats.org/presentationml/2006/main">
+  <p:cSld>
+    <p:spTree>
+      <p:nvGrpSpPr>
+        <p:cNvPr id="1" name=""/>
+        <p:cNvGrpSpPr/>
+        <p:nvPr/>
+      </p:nvGrpSpPr>
+      <p:grpSpPr>
+        <a:xfrm>
+          <a:off x="0" y="0"/>
+          <a:ext cx="0" cy="0"/>
+          <a:chOff x="0" y="0"/>
+          <a:chExt cx="0" cy="0"/>
+        </a:xfrm>
+      </p:grpSpPr>
+      <p:sp>
+        <p:nvSpPr>
+          <p:cNvPr id="2" name="제목 1">
+            <a:extLst>
+              <a:ext uri="{FF2B5EF4-FFF2-40B4-BE49-F238E27FC236}">
+                <a16:creationId xmlns:a16="http://schemas.microsoft.com/office/drawing/2014/main" id="{7D35364F-56AC-4732-91D7-3C1D7B498FEE}"/>
+              </a:ext>
+            </a:extLst>
+          </p:cNvPr>
+          <p:cNvSpPr>
+            <a:spLocks noGrp="1"/>
+          </p:cNvSpPr>
+          <p:nvPr>
+            <p:ph type="title"/>
+          </p:nvPr>
+        </p:nvSpPr>
+        <p:spPr>
+          <a:xfrm>
+            <a:off x="838200" y="365125"/>
+            <a:ext cx="10515600" cy="1325563"/>
+          </a:xfrm>
+        </p:spPr>
+        <p:txBody>
+          <a:bodyPr>
+            <a:normAutofit/>
+          </a:bodyPr>
+          <a:lstStyle/>
+          <a:p>
+            <a:r>
+              <a:rPr lang="en-US" altLang="ko-KR" sz="3600" dirty="0"/>
+              <a:t>2. Server side script language - PHP </a:t>
+            </a:r>
+            <a:endParaRPr lang="ko-KR" altLang="en-US" sz="3600" dirty="0"/>
+          </a:p>
+        </p:txBody>
+      </p:sp>
+      <p:sp>
+        <p:nvSpPr>
+          <p:cNvPr id="3" name="내용 개체 틀 2">
+            <a:extLst>
+              <a:ext uri="{FF2B5EF4-FFF2-40B4-BE49-F238E27FC236}">
+                <a16:creationId xmlns:a16="http://schemas.microsoft.com/office/drawing/2014/main" id="{5FAF49EA-3E44-4D6E-BC6A-26769265703A}"/>
+              </a:ext>
+            </a:extLst>
+          </p:cNvPr>
+          <p:cNvSpPr>
+            <a:spLocks noGrp="1"/>
+          </p:cNvSpPr>
+          <p:nvPr>
+            <p:ph idx="1"/>
+          </p:nvPr>
+        </p:nvSpPr>
+        <p:spPr/>
+        <p:txBody>
+          <a:bodyPr>
+            <a:normAutofit/>
+          </a:bodyPr>
+          <a:lstStyle/>
+          <a:p>
+            <a:pPr>
+              <a:buFontTx/>
+              <a:buChar char="-"/>
+            </a:pPr>
+            <a:r>
+              <a:rPr lang="en-US" altLang="ko-KR" sz="2400" dirty="0"/>
+              <a:t>Hypertext </a:t>
+            </a:r>
+            <a:r>
+              <a:rPr lang="en-US" altLang="ko-KR" sz="2400" dirty="0" err="1"/>
+              <a:t>PreProcessor</a:t>
+            </a:r>
+            <a:endParaRPr lang="en-US" altLang="ko-KR" sz="2400" dirty="0"/>
+          </a:p>
+          <a:p>
+            <a:pPr>
+              <a:buFontTx/>
+              <a:buChar char="-"/>
+            </a:pPr>
+            <a:r>
+              <a:rPr lang="en-US" altLang="ko-KR" sz="2400" dirty="0"/>
+              <a:t>Based on C</a:t>
+            </a:r>
+          </a:p>
+          <a:p>
+            <a:pPr>
+              <a:buFontTx/>
+              <a:buChar char="-"/>
+            </a:pPr>
+            <a:r>
+              <a:rPr lang="en-US" altLang="ko-KR" sz="2400" dirty="0"/>
+              <a:t>Most of web servers are developed with PHP</a:t>
+            </a:r>
+          </a:p>
+          <a:p>
+            <a:pPr>
+              <a:buFontTx/>
+              <a:buChar char="-"/>
+            </a:pPr>
+            <a:endParaRPr lang="en-US" altLang="ko-KR" sz="2400" dirty="0"/>
+          </a:p>
+          <a:p>
+            <a:pPr>
+              <a:buFontTx/>
+              <a:buChar char="-"/>
+            </a:pPr>
+            <a:r>
+              <a:rPr lang="en-US" altLang="ko-KR" sz="2400" dirty="0"/>
+              <a:t>Unique mechanism : PHP parser executes the request</a:t>
+            </a:r>
+          </a:p>
+          <a:p>
+            <a:pPr>
+              <a:buFontTx/>
+              <a:buChar char="-"/>
+            </a:pPr>
+            <a:endParaRPr lang="en-US" altLang="ko-KR" sz="2400" dirty="0"/>
+          </a:p>
+          <a:p>
+            <a:pPr>
+              <a:buFontTx/>
+              <a:buChar char="-"/>
+            </a:pPr>
+            <a:r>
+              <a:rPr lang="en-US" altLang="ko-KR" sz="2400" dirty="0"/>
+              <a:t>Pro) easy grammar / open source / SQL friendly</a:t>
+            </a:r>
+          </a:p>
+          <a:p>
+            <a:pPr>
+              <a:buFontTx/>
+              <a:buChar char="-"/>
+            </a:pPr>
+            <a:r>
+              <a:rPr lang="en-US" altLang="ko-KR" sz="2400" dirty="0"/>
+              <a:t>Con) old-fashioned / hard to design complex classes (not OOP-</a:t>
+            </a:r>
+            <a:r>
+              <a:rPr lang="en-US" altLang="ko-KR" sz="2400" dirty="0" err="1"/>
+              <a:t>ish</a:t>
+            </a:r>
+            <a:r>
+              <a:rPr lang="en-US" altLang="ko-KR" sz="2400" dirty="0"/>
+              <a:t>) / low security</a:t>
+            </a:r>
+          </a:p>
+          <a:p>
+            <a:pPr>
+              <a:buFontTx/>
+              <a:buChar char="-"/>
+            </a:pPr>
+            <a:r>
+              <a:rPr lang="en-US" altLang="ko-KR" sz="2400" dirty="0"/>
+              <a:t>From PHP5, OOP-</a:t>
+            </a:r>
+            <a:r>
+              <a:rPr lang="en-US" altLang="ko-KR" sz="2400" dirty="0" err="1"/>
+              <a:t>ish</a:t>
+            </a:r>
+            <a:r>
+              <a:rPr lang="en-US" altLang="ko-KR" sz="2400" dirty="0"/>
+              <a:t> properties are added constantly</a:t>
+            </a:r>
+          </a:p>
+        </p:txBody>
+      </p:sp>
+    </p:spTree>
+    <p:extLst>
+      <p:ext uri="{BB962C8B-B14F-4D97-AF65-F5344CB8AC3E}">
+        <p14:creationId xmlns:p14="http://schemas.microsoft.com/office/powerpoint/2010/main" val="311502678"/>
+      </p:ext>
+    </p:extLst>
+  </p:cSld>
+  <p:clrMapOvr>
+    <a:masterClrMapping/>
+  </p:clrMapOvr>
+</p:sld>
+</file>
+
+<file path=ppt/slides/slide13.xml><?xml version="1.0" encoding="utf-8"?>
+<p:sld xmlns:a="http://schemas.openxmlformats.org/drawingml/2006/main" xmlns:r="http://schemas.openxmlformats.org/officeDocument/2006/relationships" xmlns:p="http://schemas.openxmlformats.org/presentationml/2006/main">
+  <p:cSld>
+    <p:spTree>
+      <p:nvGrpSpPr>
+        <p:cNvPr id="1" name=""/>
+        <p:cNvGrpSpPr/>
+        <p:nvPr/>
+      </p:nvGrpSpPr>
+      <p:grpSpPr>
+        <a:xfrm>
+          <a:off x="0" y="0"/>
+          <a:ext cx="0" cy="0"/>
+          <a:chOff x="0" y="0"/>
+          <a:chExt cx="0" cy="0"/>
+        </a:xfrm>
+      </p:grpSpPr>
+      <p:sp>
+        <p:nvSpPr>
+          <p:cNvPr id="2" name="제목 1">
+            <a:extLst>
+              <a:ext uri="{FF2B5EF4-FFF2-40B4-BE49-F238E27FC236}">
+                <a16:creationId xmlns:a16="http://schemas.microsoft.com/office/drawing/2014/main" id="{7D35364F-56AC-4732-91D7-3C1D7B498FEE}"/>
+              </a:ext>
+            </a:extLst>
+          </p:cNvPr>
+          <p:cNvSpPr>
+            <a:spLocks noGrp="1"/>
+          </p:cNvSpPr>
+          <p:nvPr>
+            <p:ph type="title"/>
+          </p:nvPr>
+        </p:nvSpPr>
+        <p:spPr>
+          <a:xfrm>
+            <a:off x="838200" y="365125"/>
+            <a:ext cx="10515600" cy="1325563"/>
+          </a:xfrm>
+        </p:spPr>
+        <p:txBody>
+          <a:bodyPr>
+            <a:normAutofit/>
+          </a:bodyPr>
+          <a:lstStyle/>
+          <a:p>
+            <a:r>
+              <a:rPr lang="en-US" altLang="ko-KR" sz="3600" dirty="0"/>
+              <a:t>2. Server side script language - Node.js </a:t>
+            </a:r>
+            <a:endParaRPr lang="ko-KR" altLang="en-US" sz="3600" dirty="0"/>
+          </a:p>
+        </p:txBody>
+      </p:sp>
+      <p:sp>
+        <p:nvSpPr>
+          <p:cNvPr id="3" name="내용 개체 틀 2">
+            <a:extLst>
+              <a:ext uri="{FF2B5EF4-FFF2-40B4-BE49-F238E27FC236}">
+                <a16:creationId xmlns:a16="http://schemas.microsoft.com/office/drawing/2014/main" id="{5FAF49EA-3E44-4D6E-BC6A-26769265703A}"/>
+              </a:ext>
+            </a:extLst>
+          </p:cNvPr>
+          <p:cNvSpPr>
+            <a:spLocks noGrp="1"/>
+          </p:cNvSpPr>
+          <p:nvPr>
+            <p:ph idx="1"/>
+          </p:nvPr>
+        </p:nvSpPr>
+        <p:spPr/>
+        <p:txBody>
+          <a:bodyPr>
+            <a:normAutofit/>
+          </a:bodyPr>
+          <a:lstStyle/>
+          <a:p>
+            <a:pPr>
+              <a:buFontTx/>
+              <a:buChar char="-"/>
+            </a:pPr>
+            <a:r>
+              <a:rPr lang="en-US" altLang="ko-KR" sz="2400" dirty="0"/>
+              <a:t>Based on JavaScript</a:t>
+            </a:r>
+          </a:p>
+          <a:p>
+            <a:pPr>
+              <a:buFontTx/>
+              <a:buChar char="-"/>
+            </a:pPr>
+            <a:r>
+              <a:rPr lang="en-US" altLang="ko-KR" sz="2400" dirty="0"/>
+              <a:t>No WAS needed</a:t>
+            </a:r>
+          </a:p>
+          <a:p>
+            <a:pPr>
+              <a:buFontTx/>
+              <a:buChar char="-"/>
+            </a:pPr>
+            <a:r>
+              <a:rPr lang="en-US" altLang="ko-KR" sz="2400" dirty="0"/>
+              <a:t>Asynchronous I/O , Single thread event loop</a:t>
+            </a:r>
+          </a:p>
+          <a:p>
+            <a:pPr>
+              <a:buFontTx/>
+              <a:buChar char="-"/>
+            </a:pPr>
+            <a:endParaRPr lang="en-US" altLang="ko-KR" sz="2400" dirty="0"/>
+          </a:p>
+          <a:p>
+            <a:pPr>
+              <a:buFontTx/>
+              <a:buChar char="-"/>
+            </a:pPr>
+            <a:r>
+              <a:rPr lang="en-US" altLang="ko-KR" sz="2400" dirty="0"/>
+              <a:t>Unique mechanism : event loop interacts with thread pool</a:t>
+            </a:r>
+          </a:p>
+          <a:p>
+            <a:pPr>
+              <a:buFontTx/>
+              <a:buChar char="-"/>
+            </a:pPr>
+            <a:endParaRPr lang="en-US" altLang="ko-KR" sz="2400" dirty="0"/>
+          </a:p>
+          <a:p>
+            <a:pPr>
+              <a:buFontTx/>
+              <a:buChar char="-"/>
+            </a:pPr>
+            <a:r>
+              <a:rPr lang="en-US" altLang="ko-KR" sz="2400" dirty="0"/>
+              <a:t>Pro) highly expandable / full-stack development / Json-friendly / potential growth (Chrome V8)</a:t>
+            </a:r>
+          </a:p>
+          <a:p>
+            <a:pPr>
+              <a:buFontTx/>
+              <a:buChar char="-"/>
+            </a:pPr>
+            <a:r>
+              <a:rPr lang="en-US" altLang="ko-KR" sz="2400" dirty="0"/>
+              <a:t>Con) memory inefficiency </a:t>
+            </a:r>
+          </a:p>
+        </p:txBody>
+      </p:sp>
+    </p:spTree>
+    <p:extLst>
+      <p:ext uri="{BB962C8B-B14F-4D97-AF65-F5344CB8AC3E}">
+        <p14:creationId xmlns:p14="http://schemas.microsoft.com/office/powerpoint/2010/main" val="3419291768"/>
+      </p:ext>
+    </p:extLst>
+  </p:cSld>
+  <p:clrMapOvr>
+    <a:masterClrMapping/>
+  </p:clrMapOvr>
+</p:sld>
+</file>
+
+<file path=ppt/slides/slide14.xml><?xml version="1.0" encoding="utf-8"?>
+<p:sld xmlns:a="http://schemas.openxmlformats.org/drawingml/2006/main" xmlns:r="http://schemas.openxmlformats.org/officeDocument/2006/relationships" xmlns:p="http://schemas.openxmlformats.org/presentationml/2006/main">
+  <p:cSld>
+    <p:spTree>
+      <p:nvGrpSpPr>
+        <p:cNvPr id="1" name=""/>
+        <p:cNvGrpSpPr/>
+        <p:nvPr/>
+      </p:nvGrpSpPr>
+      <p:grpSpPr>
+        <a:xfrm>
+          <a:off x="0" y="0"/>
+          <a:ext cx="0" cy="0"/>
+          <a:chOff x="0" y="0"/>
+          <a:chExt cx="0" cy="0"/>
+        </a:xfrm>
+      </p:grpSpPr>
+      <p:sp>
+        <p:nvSpPr>
+          <p:cNvPr id="2" name="제목 1">
+            <a:extLst>
+              <a:ext uri="{FF2B5EF4-FFF2-40B4-BE49-F238E27FC236}">
+                <a16:creationId xmlns:a16="http://schemas.microsoft.com/office/drawing/2014/main" id="{7D35364F-56AC-4732-91D7-3C1D7B498FEE}"/>
+              </a:ext>
+            </a:extLst>
+          </p:cNvPr>
+          <p:cNvSpPr>
+            <a:spLocks noGrp="1"/>
+          </p:cNvSpPr>
+          <p:nvPr>
+            <p:ph type="title"/>
+          </p:nvPr>
+        </p:nvSpPr>
+        <p:spPr>
+          <a:xfrm>
+            <a:off x="838200" y="365125"/>
+            <a:ext cx="10515600" cy="1325563"/>
+          </a:xfrm>
+        </p:spPr>
+        <p:txBody>
+          <a:bodyPr>
+            <a:normAutofit/>
+          </a:bodyPr>
+          <a:lstStyle/>
+          <a:p>
+            <a:r>
+              <a:rPr lang="en-US" altLang="ko-KR" sz="3600" dirty="0"/>
+              <a:t>2. Server side script language - Python </a:t>
+            </a:r>
+            <a:endParaRPr lang="ko-KR" altLang="en-US" sz="3600" dirty="0"/>
+          </a:p>
+        </p:txBody>
+      </p:sp>
+      <p:sp>
+        <p:nvSpPr>
+          <p:cNvPr id="3" name="내용 개체 틀 2">
+            <a:extLst>
+              <a:ext uri="{FF2B5EF4-FFF2-40B4-BE49-F238E27FC236}">
+                <a16:creationId xmlns:a16="http://schemas.microsoft.com/office/drawing/2014/main" id="{5FAF49EA-3E44-4D6E-BC6A-26769265703A}"/>
+              </a:ext>
+            </a:extLst>
+          </p:cNvPr>
+          <p:cNvSpPr>
+            <a:spLocks noGrp="1"/>
+          </p:cNvSpPr>
+          <p:nvPr>
+            <p:ph idx="1"/>
+          </p:nvPr>
+        </p:nvSpPr>
+        <p:spPr/>
+        <p:txBody>
+          <a:bodyPr>
+            <a:normAutofit/>
+          </a:bodyPr>
+          <a:lstStyle/>
+          <a:p>
+            <a:pPr>
+              <a:buFontTx/>
+              <a:buChar char="-"/>
+            </a:pPr>
+            <a:r>
+              <a:rPr lang="en-US" altLang="ko-KR" sz="2400" dirty="0"/>
+              <a:t>Multi-purpose language</a:t>
+            </a:r>
+          </a:p>
+          <a:p>
+            <a:pPr>
+              <a:buFontTx/>
+              <a:buChar char="-"/>
+            </a:pPr>
+            <a:r>
+              <a:rPr lang="en-US" altLang="ko-KR" sz="2400" dirty="0"/>
+              <a:t>Not famous in Korea yet</a:t>
+            </a:r>
+          </a:p>
+          <a:p>
+            <a:pPr>
+              <a:buFontTx/>
+              <a:buChar char="-"/>
+            </a:pPr>
+            <a:endParaRPr lang="en-US" altLang="ko-KR" sz="2400" dirty="0"/>
+          </a:p>
+          <a:p>
+            <a:pPr>
+              <a:buFontTx/>
+              <a:buChar char="-"/>
+            </a:pPr>
+            <a:r>
+              <a:rPr lang="en-US" altLang="ko-KR" sz="2400" dirty="0"/>
+              <a:t>Unique mechanism : Nginx for static page, WSGI for dynamic page</a:t>
+            </a:r>
+          </a:p>
+          <a:p>
+            <a:pPr>
+              <a:buFontTx/>
+              <a:buChar char="-"/>
+            </a:pPr>
+            <a:endParaRPr lang="en-US" altLang="ko-KR" sz="2400" dirty="0"/>
+          </a:p>
+          <a:p>
+            <a:pPr>
+              <a:buFontTx/>
+              <a:buChar char="-"/>
+            </a:pPr>
+            <a:r>
+              <a:rPr lang="en-US" altLang="ko-KR" sz="2400" dirty="0"/>
+              <a:t>Pro) very easy language / many libraries (productivity up)</a:t>
+            </a:r>
+          </a:p>
+          <a:p>
+            <a:pPr>
+              <a:buFontTx/>
+              <a:buChar char="-"/>
+            </a:pPr>
+            <a:r>
+              <a:rPr lang="en-US" altLang="ko-KR" sz="2400" dirty="0"/>
+              <a:t>Con) slow (property of Python)</a:t>
+            </a:r>
+          </a:p>
+        </p:txBody>
+      </p:sp>
+    </p:spTree>
+    <p:extLst>
+      <p:ext uri="{BB962C8B-B14F-4D97-AF65-F5344CB8AC3E}">
+        <p14:creationId xmlns:p14="http://schemas.microsoft.com/office/powerpoint/2010/main" val="3107981036"/>
+      </p:ext>
+    </p:extLst>
+  </p:cSld>
+  <p:clrMapOvr>
+    <a:masterClrMapping/>
+  </p:clrMapOvr>
+</p:sld>
+</file>
+
+<file path=ppt/slides/slide15.xml><?xml version="1.0" encoding="utf-8"?>
+<p:sld xmlns:a="http://schemas.openxmlformats.org/drawingml/2006/main" xmlns:r="http://schemas.openxmlformats.org/officeDocument/2006/relationships" xmlns:p="http://schemas.openxmlformats.org/presentationml/2006/main">
+  <p:cSld>
+    <p:spTree>
+      <p:nvGrpSpPr>
+        <p:cNvPr id="1" name=""/>
+        <p:cNvGrpSpPr/>
+        <p:nvPr/>
+      </p:nvGrpSpPr>
+      <p:grpSpPr>
+        <a:xfrm>
+          <a:off x="0" y="0"/>
+          <a:ext cx="0" cy="0"/>
+          <a:chOff x="0" y="0"/>
+          <a:chExt cx="0" cy="0"/>
+        </a:xfrm>
+      </p:grpSpPr>
+      <p:sp>
+        <p:nvSpPr>
+          <p:cNvPr id="2" name="제목 1">
+            <a:extLst>
+              <a:ext uri="{FF2B5EF4-FFF2-40B4-BE49-F238E27FC236}">
+                <a16:creationId xmlns:a16="http://schemas.microsoft.com/office/drawing/2014/main" id="{7D35364F-56AC-4732-91D7-3C1D7B498FEE}"/>
+              </a:ext>
+            </a:extLst>
+          </p:cNvPr>
+          <p:cNvSpPr>
+            <a:spLocks noGrp="1"/>
+          </p:cNvSpPr>
+          <p:nvPr>
+            <p:ph type="title"/>
+          </p:nvPr>
+        </p:nvSpPr>
+        <p:spPr>
+          <a:xfrm>
+            <a:off x="838200" y="365125"/>
+            <a:ext cx="10515600" cy="1325563"/>
+          </a:xfrm>
+        </p:spPr>
+        <p:txBody>
+          <a:bodyPr>
+            <a:normAutofit/>
+          </a:bodyPr>
+          <a:lstStyle/>
+          <a:p>
+            <a:r>
+              <a:rPr lang="en-US" altLang="ko-KR" sz="3200" dirty="0"/>
+              <a:t>3. Advanced concepts on server – Servlet and Servlet container </a:t>
+            </a:r>
+            <a:endParaRPr lang="ko-KR" altLang="en-US" sz="3200" dirty="0"/>
+          </a:p>
+        </p:txBody>
+      </p:sp>
+      <p:sp>
+        <p:nvSpPr>
+          <p:cNvPr id="3" name="내용 개체 틀 2">
+            <a:extLst>
+              <a:ext uri="{FF2B5EF4-FFF2-40B4-BE49-F238E27FC236}">
+                <a16:creationId xmlns:a16="http://schemas.microsoft.com/office/drawing/2014/main" id="{5FAF49EA-3E44-4D6E-BC6A-26769265703A}"/>
+              </a:ext>
+            </a:extLst>
+          </p:cNvPr>
+          <p:cNvSpPr>
+            <a:spLocks noGrp="1"/>
+          </p:cNvSpPr>
+          <p:nvPr>
+            <p:ph idx="1"/>
+          </p:nvPr>
+        </p:nvSpPr>
+        <p:spPr/>
+        <p:txBody>
+          <a:bodyPr>
+            <a:normAutofit/>
+          </a:bodyPr>
+          <a:lstStyle/>
+          <a:p>
+            <a:pPr>
+              <a:buFontTx/>
+              <a:buChar char="-"/>
+            </a:pPr>
+            <a:r>
+              <a:rPr lang="en-US" altLang="ko-KR" sz="2600" dirty="0"/>
+              <a:t>Servlet : Java’s Multithread, Improved CGI</a:t>
+            </a:r>
+          </a:p>
+          <a:p>
+            <a:pPr>
+              <a:buFontTx/>
+              <a:buChar char="-"/>
+            </a:pPr>
+            <a:r>
+              <a:rPr lang="en-US" altLang="ko-KR" sz="2600" dirty="0"/>
+              <a:t>Dynamic page : WAS / Static page : Web server</a:t>
+            </a:r>
+          </a:p>
+          <a:p>
+            <a:pPr>
+              <a:buFontTx/>
+              <a:buChar char="-"/>
+            </a:pPr>
+            <a:r>
+              <a:rPr lang="en-US" altLang="ko-KR" sz="2600" dirty="0"/>
+              <a:t>Servlet is located btw them and client, check whether the request is dynamic or static</a:t>
+            </a:r>
+          </a:p>
+          <a:p>
+            <a:pPr>
+              <a:buFontTx/>
+              <a:buChar char="-"/>
+            </a:pPr>
+            <a:endParaRPr lang="en-US" altLang="ko-KR" sz="2600" dirty="0"/>
+          </a:p>
+          <a:p>
+            <a:pPr>
+              <a:buFontTx/>
+              <a:buChar char="-"/>
+            </a:pPr>
+            <a:r>
+              <a:rPr lang="en-US" altLang="ko-KR" sz="2600" dirty="0"/>
+              <a:t>Servlet container : manages Servlets, creates threads for Servlet.</a:t>
+            </a:r>
+          </a:p>
+          <a:p>
+            <a:pPr>
+              <a:buFontTx/>
+              <a:buChar char="-"/>
+            </a:pPr>
+            <a:r>
+              <a:rPr lang="en-US" altLang="ko-KR" sz="2600" dirty="0"/>
+              <a:t>Servlet container Ex) WAS Tomcat, WAS </a:t>
+            </a:r>
+            <a:r>
+              <a:rPr lang="en-US" altLang="ko-KR" sz="2600" dirty="0" err="1"/>
+              <a:t>Apachi</a:t>
+            </a:r>
+            <a:endParaRPr lang="en-US" altLang="ko-KR" sz="2600" dirty="0"/>
+          </a:p>
+        </p:txBody>
+      </p:sp>
+    </p:spTree>
+    <p:extLst>
+      <p:ext uri="{BB962C8B-B14F-4D97-AF65-F5344CB8AC3E}">
+        <p14:creationId xmlns:p14="http://schemas.microsoft.com/office/powerpoint/2010/main" val="156422367"/>
+      </p:ext>
+    </p:extLst>
+  </p:cSld>
+  <p:clrMapOvr>
+    <a:masterClrMapping/>
+  </p:clrMapOvr>
+</p:sld>
+</file>
+
+<file path=ppt/slides/slide16.xml><?xml version="1.0" encoding="utf-8"?>
+<p:sld xmlns:a="http://schemas.openxmlformats.org/drawingml/2006/main" xmlns:r="http://schemas.openxmlformats.org/officeDocument/2006/relationships" xmlns:p="http://schemas.openxmlformats.org/presentationml/2006/main">
+  <p:cSld>
+    <p:spTree>
+      <p:nvGrpSpPr>
+        <p:cNvPr id="1" name=""/>
+        <p:cNvGrpSpPr/>
+        <p:nvPr/>
+      </p:nvGrpSpPr>
+      <p:grpSpPr>
+        <a:xfrm>
+          <a:off x="0" y="0"/>
+          <a:ext cx="0" cy="0"/>
+          <a:chOff x="0" y="0"/>
+          <a:chExt cx="0" cy="0"/>
+        </a:xfrm>
+      </p:grpSpPr>
+      <p:sp>
+        <p:nvSpPr>
+          <p:cNvPr id="2" name="제목 1">
+            <a:extLst>
+              <a:ext uri="{FF2B5EF4-FFF2-40B4-BE49-F238E27FC236}">
+                <a16:creationId xmlns:a16="http://schemas.microsoft.com/office/drawing/2014/main" id="{7D35364F-56AC-4732-91D7-3C1D7B498FEE}"/>
+              </a:ext>
+            </a:extLst>
+          </p:cNvPr>
+          <p:cNvSpPr>
+            <a:spLocks noGrp="1"/>
+          </p:cNvSpPr>
+          <p:nvPr>
+            <p:ph type="title"/>
+          </p:nvPr>
+        </p:nvSpPr>
+        <p:spPr>
+          <a:xfrm>
+            <a:off x="838200" y="365125"/>
+            <a:ext cx="10515600" cy="1325563"/>
+          </a:xfrm>
+        </p:spPr>
+        <p:txBody>
+          <a:bodyPr>
+            <a:normAutofit/>
+          </a:bodyPr>
+          <a:lstStyle/>
+          <a:p>
+            <a:r>
+              <a:rPr lang="en-US" altLang="ko-KR" sz="3200" dirty="0"/>
+              <a:t>3. Advanced concepts on server – Servlet and Servlet container </a:t>
+            </a:r>
+            <a:endParaRPr lang="ko-KR" altLang="en-US" sz="3200" dirty="0"/>
+          </a:p>
+        </p:txBody>
+      </p:sp>
+      <p:pic>
+        <p:nvPicPr>
+          <p:cNvPr id="4" name="내용 개체 틀 3">
+            <a:extLst>
+              <a:ext uri="{FF2B5EF4-FFF2-40B4-BE49-F238E27FC236}">
+                <a16:creationId xmlns:a16="http://schemas.microsoft.com/office/drawing/2014/main" id="{0BB7F64D-C4DB-4754-9E35-F6A5CE0A8E8F}"/>
+              </a:ext>
+            </a:extLst>
+          </p:cNvPr>
+          <p:cNvPicPr>
+            <a:picLocks noGrp="1" noChangeAspect="1"/>
+          </p:cNvPicPr>
+          <p:nvPr>
+            <p:ph idx="1"/>
+          </p:nvPr>
+        </p:nvPicPr>
+        <p:blipFill>
+          <a:blip r:embed="rId2"/>
+          <a:stretch>
+            <a:fillRect/>
+          </a:stretch>
+        </p:blipFill>
+        <p:spPr>
+          <a:xfrm>
+            <a:off x="1696810" y="1825625"/>
+            <a:ext cx="8798379" cy="4351338"/>
+          </a:xfrm>
+          <a:prstGeom prst="rect">
+            <a:avLst/>
+          </a:prstGeom>
+        </p:spPr>
+      </p:pic>
+    </p:spTree>
+    <p:extLst>
+      <p:ext uri="{BB962C8B-B14F-4D97-AF65-F5344CB8AC3E}">
+        <p14:creationId xmlns:p14="http://schemas.microsoft.com/office/powerpoint/2010/main" val="177083560"/>
+      </p:ext>
+    </p:extLst>
+  </p:cSld>
+  <p:clrMapOvr>
+    <a:masterClrMapping/>
+  </p:clrMapOvr>
+</p:sld>
+</file>
+
+<file path=ppt/slides/slide17.xml><?xml version="1.0" encoding="utf-8"?>
+<p:sld xmlns:a="http://schemas.openxmlformats.org/drawingml/2006/main" xmlns:r="http://schemas.openxmlformats.org/officeDocument/2006/relationships" xmlns:p="http://schemas.openxmlformats.org/presentationml/2006/main">
+  <p:cSld>
+    <p:spTree>
+      <p:nvGrpSpPr>
+        <p:cNvPr id="1" name=""/>
+        <p:cNvGrpSpPr/>
+        <p:nvPr/>
+      </p:nvGrpSpPr>
+      <p:grpSpPr>
+        <a:xfrm>
+          <a:off x="0" y="0"/>
+          <a:ext cx="0" cy="0"/>
+          <a:chOff x="0" y="0"/>
+          <a:chExt cx="0" cy="0"/>
+        </a:xfrm>
+      </p:grpSpPr>
+      <p:sp>
+        <p:nvSpPr>
+          <p:cNvPr id="2" name="제목 1">
+            <a:extLst>
+              <a:ext uri="{FF2B5EF4-FFF2-40B4-BE49-F238E27FC236}">
+                <a16:creationId xmlns:a16="http://schemas.microsoft.com/office/drawing/2014/main" id="{7D35364F-56AC-4732-91D7-3C1D7B498FEE}"/>
+              </a:ext>
+            </a:extLst>
+          </p:cNvPr>
+          <p:cNvSpPr>
+            <a:spLocks noGrp="1"/>
+          </p:cNvSpPr>
+          <p:nvPr>
+            <p:ph type="title"/>
+          </p:nvPr>
+        </p:nvSpPr>
+        <p:spPr>
+          <a:xfrm>
+            <a:off x="838200" y="365125"/>
+            <a:ext cx="10515600" cy="1325563"/>
+          </a:xfrm>
+        </p:spPr>
+        <p:txBody>
+          <a:bodyPr>
+            <a:normAutofit/>
+          </a:bodyPr>
+          <a:lstStyle/>
+          <a:p>
+            <a:r>
+              <a:rPr lang="en-US" altLang="ko-KR" sz="3600" dirty="0"/>
+              <a:t>3. Advanced concepts on server - Thread </a:t>
+            </a:r>
+            <a:endParaRPr lang="ko-KR" altLang="en-US" sz="3600" dirty="0"/>
+          </a:p>
+        </p:txBody>
+      </p:sp>
+      <p:sp>
+        <p:nvSpPr>
+          <p:cNvPr id="3" name="내용 개체 틀 2">
+            <a:extLst>
+              <a:ext uri="{FF2B5EF4-FFF2-40B4-BE49-F238E27FC236}">
+                <a16:creationId xmlns:a16="http://schemas.microsoft.com/office/drawing/2014/main" id="{5FAF49EA-3E44-4D6E-BC6A-26769265703A}"/>
+              </a:ext>
+            </a:extLst>
+          </p:cNvPr>
+          <p:cNvSpPr>
+            <a:spLocks noGrp="1"/>
+          </p:cNvSpPr>
+          <p:nvPr>
+            <p:ph idx="1"/>
+          </p:nvPr>
+        </p:nvSpPr>
+        <p:spPr/>
+        <p:txBody>
+          <a:bodyPr>
+            <a:normAutofit/>
+          </a:bodyPr>
+          <a:lstStyle/>
+          <a:p>
+            <a:pPr>
+              <a:buFontTx/>
+              <a:buChar char="-"/>
+            </a:pPr>
+            <a:r>
+              <a:rPr lang="en-US" altLang="ko-KR" sz="2400" dirty="0"/>
+              <a:t>Thread : a unit of work using memory and CPU</a:t>
+            </a:r>
+          </a:p>
+          <a:p>
+            <a:pPr>
+              <a:buFontTx/>
+              <a:buChar char="-"/>
+            </a:pPr>
+            <a:endParaRPr lang="en-US" altLang="ko-KR" sz="2400" dirty="0"/>
+          </a:p>
+          <a:p>
+            <a:pPr>
+              <a:buFontTx/>
+              <a:buChar char="-"/>
+            </a:pPr>
+            <a:r>
+              <a:rPr lang="en-US" altLang="ko-KR" sz="2400" dirty="0"/>
+              <a:t>Node.js uses </a:t>
+            </a:r>
+            <a:r>
+              <a:rPr lang="en-US" altLang="ko-KR" sz="2400" dirty="0" err="1"/>
+              <a:t>Singlethread</a:t>
+            </a:r>
+            <a:r>
+              <a:rPr lang="en-US" altLang="ko-KR" sz="2400" dirty="0"/>
+              <a:t>.</a:t>
+            </a:r>
+          </a:p>
+          <a:p>
+            <a:pPr>
+              <a:buFontTx/>
+              <a:buChar char="-"/>
+            </a:pPr>
+            <a:r>
+              <a:rPr lang="en-US" altLang="ko-KR" sz="2400" dirty="0"/>
+              <a:t>== single call stack: A single thread iterates event loop, executes request itself or calls another thread from </a:t>
+            </a:r>
+            <a:r>
+              <a:rPr lang="en-US" altLang="ko-KR" sz="2400" dirty="0" err="1"/>
+              <a:t>threadpool</a:t>
+            </a:r>
+            <a:r>
+              <a:rPr lang="en-US" altLang="ko-KR" sz="2400" dirty="0"/>
+              <a:t>.</a:t>
+            </a:r>
+          </a:p>
+          <a:p>
+            <a:pPr>
+              <a:buFontTx/>
+              <a:buChar char="-"/>
+            </a:pPr>
+            <a:endParaRPr lang="en-US" altLang="ko-KR" sz="2400" dirty="0"/>
+          </a:p>
+          <a:p>
+            <a:pPr>
+              <a:buFontTx/>
+              <a:buChar char="-"/>
+            </a:pPr>
+            <a:r>
+              <a:rPr lang="en-US" altLang="ko-KR" sz="2400" dirty="0"/>
+              <a:t>Most Web servers including Spring use Multithread (Servlet &amp; Servlet container)</a:t>
+            </a:r>
+          </a:p>
+          <a:p>
+            <a:pPr>
+              <a:buFontTx/>
+              <a:buChar char="-"/>
+            </a:pPr>
+            <a:r>
+              <a:rPr lang="en-US" altLang="ko-KR" sz="2400" dirty="0"/>
+              <a:t>Each of thread execute client’s requests respectively</a:t>
+            </a:r>
+          </a:p>
+          <a:p>
+            <a:pPr>
+              <a:buFontTx/>
+              <a:buChar char="-"/>
+            </a:pPr>
+            <a:r>
+              <a:rPr lang="en-US" altLang="ko-KR" sz="2400" dirty="0"/>
+              <a:t>== multiple call stacks</a:t>
+            </a:r>
+          </a:p>
+          <a:p>
+            <a:pPr>
+              <a:buFontTx/>
+              <a:buChar char="-"/>
+            </a:pPr>
+            <a:endParaRPr lang="en-US" altLang="ko-KR" sz="2400" dirty="0"/>
+          </a:p>
+        </p:txBody>
+      </p:sp>
+    </p:spTree>
+    <p:extLst>
+      <p:ext uri="{BB962C8B-B14F-4D97-AF65-F5344CB8AC3E}">
+        <p14:creationId xmlns:p14="http://schemas.microsoft.com/office/powerpoint/2010/main" val="2459747923"/>
+      </p:ext>
+    </p:extLst>
+  </p:cSld>
+  <p:clrMapOvr>
+    <a:masterClrMapping/>
+  </p:clrMapOvr>
+</p:sld>
+</file>
+
+<file path=ppt/slides/slide18.xml><?xml version="1.0" encoding="utf-8"?>
+<p:sld xmlns:a="http://schemas.openxmlformats.org/drawingml/2006/main" xmlns:r="http://schemas.openxmlformats.org/officeDocument/2006/relationships" xmlns:p="http://schemas.openxmlformats.org/presentationml/2006/main">
+  <p:cSld>
+    <p:spTree>
+      <p:nvGrpSpPr>
+        <p:cNvPr id="1" name=""/>
+        <p:cNvGrpSpPr/>
+        <p:nvPr/>
+      </p:nvGrpSpPr>
+      <p:grpSpPr>
+        <a:xfrm>
+          <a:off x="0" y="0"/>
+          <a:ext cx="0" cy="0"/>
+          <a:chOff x="0" y="0"/>
+          <a:chExt cx="0" cy="0"/>
+        </a:xfrm>
+      </p:grpSpPr>
+      <p:sp>
+        <p:nvSpPr>
+          <p:cNvPr id="2" name="제목 1">
+            <a:extLst>
+              <a:ext uri="{FF2B5EF4-FFF2-40B4-BE49-F238E27FC236}">
+                <a16:creationId xmlns:a16="http://schemas.microsoft.com/office/drawing/2014/main" id="{7D35364F-56AC-4732-91D7-3C1D7B498FEE}"/>
+              </a:ext>
+            </a:extLst>
+          </p:cNvPr>
+          <p:cNvSpPr>
+            <a:spLocks noGrp="1"/>
+          </p:cNvSpPr>
+          <p:nvPr>
+            <p:ph type="title"/>
+          </p:nvPr>
+        </p:nvSpPr>
+        <p:spPr>
+          <a:xfrm>
+            <a:off x="838200" y="365125"/>
+            <a:ext cx="10515600" cy="1325563"/>
+          </a:xfrm>
+        </p:spPr>
+        <p:txBody>
+          <a:bodyPr>
+            <a:normAutofit/>
+          </a:bodyPr>
+          <a:lstStyle/>
+          <a:p>
+            <a:r>
+              <a:rPr lang="en-US" altLang="ko-KR" sz="3600" dirty="0"/>
+              <a:t>3. Advanced concepts on server – Event Loop </a:t>
+            </a:r>
+            <a:endParaRPr lang="ko-KR" altLang="en-US" sz="3600" dirty="0"/>
+          </a:p>
+        </p:txBody>
+      </p:sp>
+      <p:sp>
+        <p:nvSpPr>
+          <p:cNvPr id="3" name="내용 개체 틀 2">
+            <a:extLst>
+              <a:ext uri="{FF2B5EF4-FFF2-40B4-BE49-F238E27FC236}">
+                <a16:creationId xmlns:a16="http://schemas.microsoft.com/office/drawing/2014/main" id="{5FAF49EA-3E44-4D6E-BC6A-26769265703A}"/>
+              </a:ext>
+            </a:extLst>
+          </p:cNvPr>
+          <p:cNvSpPr>
+            <a:spLocks noGrp="1"/>
+          </p:cNvSpPr>
+          <p:nvPr>
+            <p:ph idx="1"/>
+          </p:nvPr>
+        </p:nvSpPr>
+        <p:spPr/>
+        <p:txBody>
+          <a:bodyPr>
+            <a:normAutofit/>
+          </a:bodyPr>
+          <a:lstStyle/>
+          <a:p>
+            <a:pPr>
+              <a:buFontTx/>
+              <a:buChar char="-"/>
+            </a:pPr>
+            <a:r>
+              <a:rPr lang="en-US" altLang="ko-KR" sz="2400" dirty="0"/>
+              <a:t>Node.js</a:t>
+            </a:r>
+          </a:p>
+          <a:p>
+            <a:pPr>
+              <a:buFontTx/>
+              <a:buChar char="-"/>
+            </a:pPr>
+            <a:r>
+              <a:rPr lang="en-US" altLang="ko-KR" sz="2400" dirty="0"/>
+              <a:t>To maximize the efficiency of single thread</a:t>
+            </a:r>
+          </a:p>
+          <a:p>
+            <a:pPr>
+              <a:buFontTx/>
+              <a:buChar char="-"/>
+            </a:pPr>
+            <a:r>
+              <a:rPr lang="en-US" altLang="ko-KR" sz="2400" dirty="0"/>
+              <a:t>Special mechanism of managing Call Stack and Callback Queue.</a:t>
+            </a:r>
+          </a:p>
+          <a:p>
+            <a:pPr>
+              <a:buFontTx/>
+              <a:buChar char="-"/>
+            </a:pPr>
+            <a:endParaRPr lang="en-US" altLang="ko-KR" sz="2400" dirty="0"/>
+          </a:p>
+          <a:p>
+            <a:pPr>
+              <a:buFontTx/>
+              <a:buChar char="-"/>
+            </a:pPr>
+            <a:r>
+              <a:rPr lang="en-US" altLang="ko-KR" sz="2400" dirty="0"/>
+              <a:t>Operation : </a:t>
+            </a:r>
+          </a:p>
+          <a:p>
+            <a:pPr marL="0" indent="0">
+              <a:buNone/>
+            </a:pPr>
+            <a:r>
+              <a:rPr lang="en-US" altLang="ko-KR" sz="2400" dirty="0"/>
+              <a:t>Codes to be executed are stacked in Call Stack. -&gt; </a:t>
+            </a:r>
+          </a:p>
+          <a:p>
+            <a:pPr marL="0" indent="0">
+              <a:buNone/>
+            </a:pPr>
+            <a:r>
+              <a:rPr lang="en-US" altLang="ko-KR" sz="2400" dirty="0"/>
+              <a:t>Asynchronous ones are requested to Web API -&gt; </a:t>
+            </a:r>
+          </a:p>
+          <a:p>
+            <a:pPr marL="0" indent="0">
+              <a:buNone/>
+            </a:pPr>
+            <a:r>
+              <a:rPr lang="en-US" altLang="ko-KR" sz="2400" dirty="0"/>
+              <a:t>Web API enqueue them to Callback Queue -&gt; </a:t>
+            </a:r>
+          </a:p>
+          <a:p>
+            <a:pPr marL="0" indent="0">
+              <a:buNone/>
+            </a:pPr>
+            <a:r>
+              <a:rPr lang="en-US" altLang="ko-KR" sz="2400" dirty="0"/>
+              <a:t>If Call </a:t>
+            </a:r>
+            <a:r>
+              <a:rPr lang="en-US" altLang="ko-KR" sz="2400" dirty="0" err="1"/>
+              <a:t>Satck</a:t>
+            </a:r>
+            <a:r>
+              <a:rPr lang="en-US" altLang="ko-KR" sz="2400" dirty="0"/>
+              <a:t> is empty, Event Loop brings them to Call Stack again.</a:t>
+            </a:r>
+          </a:p>
+        </p:txBody>
+      </p:sp>
+    </p:spTree>
+    <p:extLst>
+      <p:ext uri="{BB962C8B-B14F-4D97-AF65-F5344CB8AC3E}">
+        <p14:creationId xmlns:p14="http://schemas.microsoft.com/office/powerpoint/2010/main" val="2278751369"/>
+      </p:ext>
+    </p:extLst>
+  </p:cSld>
+  <p:clrMapOvr>
+    <a:masterClrMapping/>
+  </p:clrMapOvr>
+</p:sld>
+</file>
+
+<file path=ppt/slides/slide19.xml><?xml version="1.0" encoding="utf-8"?>
+<p:sld xmlns:a="http://schemas.openxmlformats.org/drawingml/2006/main" xmlns:r="http://schemas.openxmlformats.org/officeDocument/2006/relationships" xmlns:p="http://schemas.openxmlformats.org/presentationml/2006/main">
+  <p:cSld>
+    <p:spTree>
+      <p:nvGrpSpPr>
+        <p:cNvPr id="1" name=""/>
+        <p:cNvGrpSpPr/>
+        <p:nvPr/>
+      </p:nvGrpSpPr>
+      <p:grpSpPr>
+        <a:xfrm>
+          <a:off x="0" y="0"/>
+          <a:ext cx="0" cy="0"/>
+          <a:chOff x="0" y="0"/>
+          <a:chExt cx="0" cy="0"/>
+        </a:xfrm>
+      </p:grpSpPr>
+      <p:sp>
+        <p:nvSpPr>
+          <p:cNvPr id="2" name="제목 1">
+            <a:extLst>
+              <a:ext uri="{FF2B5EF4-FFF2-40B4-BE49-F238E27FC236}">
+                <a16:creationId xmlns:a16="http://schemas.microsoft.com/office/drawing/2014/main" id="{7D35364F-56AC-4732-91D7-3C1D7B498FEE}"/>
+              </a:ext>
+            </a:extLst>
+          </p:cNvPr>
+          <p:cNvSpPr>
+            <a:spLocks noGrp="1"/>
+          </p:cNvSpPr>
+          <p:nvPr>
+            <p:ph type="title"/>
+          </p:nvPr>
+        </p:nvSpPr>
+        <p:spPr>
+          <a:xfrm>
+            <a:off x="838200" y="365125"/>
+            <a:ext cx="10515600" cy="1325563"/>
+          </a:xfrm>
+        </p:spPr>
+        <p:txBody>
+          <a:bodyPr>
+            <a:normAutofit/>
+          </a:bodyPr>
+          <a:lstStyle/>
+          <a:p>
+            <a:r>
+              <a:rPr lang="en-US" altLang="ko-KR" sz="3600" dirty="0"/>
+              <a:t>3. Advanced concepts on server – Event Loop</a:t>
+            </a:r>
+            <a:endParaRPr lang="ko-KR" altLang="en-US" sz="3600" dirty="0"/>
+          </a:p>
+        </p:txBody>
+      </p:sp>
+      <p:sp>
+        <p:nvSpPr>
+          <p:cNvPr id="3" name="내용 개체 틀 2">
+            <a:extLst>
+              <a:ext uri="{FF2B5EF4-FFF2-40B4-BE49-F238E27FC236}">
+                <a16:creationId xmlns:a16="http://schemas.microsoft.com/office/drawing/2014/main" id="{5FAF49EA-3E44-4D6E-BC6A-26769265703A}"/>
+              </a:ext>
+            </a:extLst>
+          </p:cNvPr>
+          <p:cNvSpPr>
+            <a:spLocks noGrp="1"/>
+          </p:cNvSpPr>
+          <p:nvPr>
+            <p:ph idx="1"/>
+          </p:nvPr>
+        </p:nvSpPr>
+        <p:spPr/>
+        <p:txBody>
+          <a:bodyPr>
+            <a:normAutofit/>
+          </a:bodyPr>
+          <a:lstStyle/>
+          <a:p>
+            <a:pPr>
+              <a:buFontTx/>
+              <a:buChar char="-"/>
+            </a:pPr>
+            <a:endParaRPr lang="en-US" altLang="ko-KR" sz="2400" dirty="0"/>
+          </a:p>
+        </p:txBody>
+      </p:sp>
+      <p:pic>
+        <p:nvPicPr>
+          <p:cNvPr id="4" name="그림 3">
+            <a:extLst>
+              <a:ext uri="{FF2B5EF4-FFF2-40B4-BE49-F238E27FC236}">
+                <a16:creationId xmlns:a16="http://schemas.microsoft.com/office/drawing/2014/main" id="{B1E88B9B-8864-44DB-B2D3-E1BD124B7B5B}"/>
+              </a:ext>
+            </a:extLst>
+          </p:cNvPr>
+          <p:cNvPicPr/>
+          <p:nvPr/>
+        </p:nvPicPr>
+        <p:blipFill>
+          <a:blip r:embed="rId2"/>
+          <a:stretch>
+            <a:fillRect/>
+          </a:stretch>
+        </p:blipFill>
+        <p:spPr>
+          <a:xfrm>
+            <a:off x="838200" y="1500486"/>
+            <a:ext cx="9884261" cy="4992389"/>
+          </a:xfrm>
+          <a:prstGeom prst="rect">
+            <a:avLst/>
+          </a:prstGeom>
+        </p:spPr>
+      </p:pic>
+    </p:spTree>
+    <p:extLst>
+      <p:ext uri="{BB962C8B-B14F-4D97-AF65-F5344CB8AC3E}">
+        <p14:creationId xmlns:p14="http://schemas.microsoft.com/office/powerpoint/2010/main" val="2200847614"/>
+      </p:ext>
+    </p:extLst>
+  </p:cSld>
+  <p:clrMapOvr>
+    <a:masterClrMapping/>
   </p:clrMapOvr>
 </p:sld>
 </file>
@@ -3990,7 +4931,7 @@
             </a:pPr>
             <a:r>
               <a:rPr lang="en-US" altLang="ko-KR" sz="1800" dirty="0"/>
-              <a:t>3.1. Thread</a:t>
+              <a:t>3.1. Servlet and Servlet container</a:t>
             </a:r>
           </a:p>
           <a:p>
@@ -3999,7 +4940,7 @@
             </a:pPr>
             <a:r>
               <a:rPr lang="en-US" altLang="ko-KR" sz="1800" dirty="0"/>
-              <a:t>3.2. Event loop</a:t>
+              <a:t>3.2. Thread</a:t>
             </a:r>
           </a:p>
           <a:p>
@@ -4008,7 +4949,7 @@
             </a:pPr>
             <a:r>
               <a:rPr lang="en-US" altLang="ko-KR" sz="1800" dirty="0"/>
-              <a:t>3.3. Callback method</a:t>
+              <a:t>3.3. Event loop</a:t>
             </a:r>
           </a:p>
           <a:p>
@@ -4017,7 +4958,16 @@
             </a:pPr>
             <a:r>
               <a:rPr lang="en-US" altLang="ko-KR" sz="1800" dirty="0"/>
-              <a:t>3.4. Synchronous, Asynchronous</a:t>
+              <a:t>3.4. Callback method</a:t>
+            </a:r>
+          </a:p>
+          <a:p>
+            <a:pPr marL="0" indent="0">
+              <a:buNone/>
+            </a:pPr>
+            <a:r>
+              <a:rPr lang="en-US" altLang="ko-KR" sz="1800" dirty="0"/>
+              <a:t>3.5. Synchronous, Asynchronous</a:t>
             </a:r>
             <a:endParaRPr lang="ko-KR" altLang="en-US" sz="1800" dirty="0"/>
           </a:p>
@@ -4027,6 +4977,730 @@
     <p:extLst>
       <p:ext uri="{BB962C8B-B14F-4D97-AF65-F5344CB8AC3E}">
         <p14:creationId xmlns:p14="http://schemas.microsoft.com/office/powerpoint/2010/main" val="369562741"/>
+      </p:ext>
+    </p:extLst>
+  </p:cSld>
+  <p:clrMapOvr>
+    <a:masterClrMapping/>
+  </p:clrMapOvr>
+</p:sld>
+</file>
+
+<file path=ppt/slides/slide20.xml><?xml version="1.0" encoding="utf-8"?>
+<p:sld xmlns:a="http://schemas.openxmlformats.org/drawingml/2006/main" xmlns:r="http://schemas.openxmlformats.org/officeDocument/2006/relationships" xmlns:p="http://schemas.openxmlformats.org/presentationml/2006/main">
+  <p:cSld>
+    <p:spTree>
+      <p:nvGrpSpPr>
+        <p:cNvPr id="1" name=""/>
+        <p:cNvGrpSpPr/>
+        <p:nvPr/>
+      </p:nvGrpSpPr>
+      <p:grpSpPr>
+        <a:xfrm>
+          <a:off x="0" y="0"/>
+          <a:ext cx="0" cy="0"/>
+          <a:chOff x="0" y="0"/>
+          <a:chExt cx="0" cy="0"/>
+        </a:xfrm>
+      </p:grpSpPr>
+      <p:sp>
+        <p:nvSpPr>
+          <p:cNvPr id="2" name="제목 1">
+            <a:extLst>
+              <a:ext uri="{FF2B5EF4-FFF2-40B4-BE49-F238E27FC236}">
+                <a16:creationId xmlns:a16="http://schemas.microsoft.com/office/drawing/2014/main" id="{7D35364F-56AC-4732-91D7-3C1D7B498FEE}"/>
+              </a:ext>
+            </a:extLst>
+          </p:cNvPr>
+          <p:cNvSpPr>
+            <a:spLocks noGrp="1"/>
+          </p:cNvSpPr>
+          <p:nvPr>
+            <p:ph type="title"/>
+          </p:nvPr>
+        </p:nvSpPr>
+        <p:spPr>
+          <a:xfrm>
+            <a:off x="838200" y="365125"/>
+            <a:ext cx="10515600" cy="1325563"/>
+          </a:xfrm>
+        </p:spPr>
+        <p:txBody>
+          <a:bodyPr>
+            <a:normAutofit/>
+          </a:bodyPr>
+          <a:lstStyle/>
+          <a:p>
+            <a:r>
+              <a:rPr lang="en-US" altLang="ko-KR" sz="3600" dirty="0"/>
+              <a:t>3. Advanced concepts on server – Callback Method </a:t>
+            </a:r>
+            <a:endParaRPr lang="ko-KR" altLang="en-US" sz="3600" dirty="0"/>
+          </a:p>
+        </p:txBody>
+      </p:sp>
+      <p:sp>
+        <p:nvSpPr>
+          <p:cNvPr id="3" name="내용 개체 틀 2">
+            <a:extLst>
+              <a:ext uri="{FF2B5EF4-FFF2-40B4-BE49-F238E27FC236}">
+                <a16:creationId xmlns:a16="http://schemas.microsoft.com/office/drawing/2014/main" id="{5FAF49EA-3E44-4D6E-BC6A-26769265703A}"/>
+              </a:ext>
+            </a:extLst>
+          </p:cNvPr>
+          <p:cNvSpPr>
+            <a:spLocks noGrp="1"/>
+          </p:cNvSpPr>
+          <p:nvPr>
+            <p:ph idx="1"/>
+          </p:nvPr>
+        </p:nvSpPr>
+        <p:spPr/>
+        <p:txBody>
+          <a:bodyPr>
+            <a:normAutofit/>
+          </a:bodyPr>
+          <a:lstStyle/>
+          <a:p>
+            <a:pPr>
+              <a:buFontTx/>
+              <a:buChar char="-"/>
+            </a:pPr>
+            <a:r>
+              <a:rPr lang="en-US" altLang="ko-KR" sz="2400" dirty="0"/>
+              <a:t>A method that comes in argument position.</a:t>
+            </a:r>
+          </a:p>
+          <a:p>
+            <a:pPr>
+              <a:buFontTx/>
+              <a:buChar char="-"/>
+            </a:pPr>
+            <a:r>
+              <a:rPr lang="en-US" altLang="ko-KR" sz="2400" dirty="0"/>
+              <a:t>Called and executed inside the method(function).</a:t>
+            </a:r>
+          </a:p>
+          <a:p>
+            <a:pPr>
+              <a:buFontTx/>
+              <a:buChar char="-"/>
+            </a:pPr>
+            <a:r>
+              <a:rPr lang="en-US" altLang="ko-KR" sz="2400" dirty="0"/>
+              <a:t>Ex) </a:t>
+            </a:r>
+            <a:r>
+              <a:rPr lang="en-US" altLang="ko-KR" sz="2400" dirty="0" err="1"/>
+              <a:t>Collections.sort</a:t>
+            </a:r>
+            <a:r>
+              <a:rPr lang="en-US" altLang="ko-KR" sz="2400" dirty="0"/>
+              <a:t>(~, </a:t>
+            </a:r>
+            <a:r>
+              <a:rPr lang="en-US" altLang="ko-KR" sz="2400" dirty="0" err="1"/>
+              <a:t>func</a:t>
+            </a:r>
+            <a:r>
+              <a:rPr lang="en-US" altLang="ko-KR" sz="2400" dirty="0"/>
+              <a:t>)</a:t>
+            </a:r>
+          </a:p>
+          <a:p>
+            <a:pPr>
+              <a:buFontTx/>
+              <a:buChar char="-"/>
+            </a:pPr>
+            <a:endParaRPr lang="en-US" altLang="ko-KR" sz="2400" dirty="0"/>
+          </a:p>
+          <a:p>
+            <a:pPr>
+              <a:buFontTx/>
+              <a:buChar char="-"/>
+            </a:pPr>
+            <a:r>
+              <a:rPr lang="en-US" altLang="ko-KR" sz="2400" dirty="0"/>
+              <a:t>Asynchronous method’s return values are often omitted b/c asynchronous methods are returned last.</a:t>
+            </a:r>
+          </a:p>
+          <a:p>
+            <a:pPr>
+              <a:buFontTx/>
+              <a:buChar char="-"/>
+            </a:pPr>
+            <a:endParaRPr lang="en-US" altLang="ko-KR" sz="2400" dirty="0"/>
+          </a:p>
+          <a:p>
+            <a:pPr>
+              <a:buFontTx/>
+              <a:buChar char="-"/>
+            </a:pPr>
+            <a:endParaRPr lang="en-US" altLang="ko-KR" sz="2400" dirty="0"/>
+          </a:p>
+        </p:txBody>
+      </p:sp>
+      <p:pic>
+        <p:nvPicPr>
+          <p:cNvPr id="5" name="그림 4">
+            <a:extLst>
+              <a:ext uri="{FF2B5EF4-FFF2-40B4-BE49-F238E27FC236}">
+                <a16:creationId xmlns:a16="http://schemas.microsoft.com/office/drawing/2014/main" id="{49869D22-4833-4D19-89BA-AEA2434A9089}"/>
+              </a:ext>
+            </a:extLst>
+          </p:cNvPr>
+          <p:cNvPicPr>
+            <a:picLocks noChangeAspect="1"/>
+          </p:cNvPicPr>
+          <p:nvPr/>
+        </p:nvPicPr>
+        <p:blipFill>
+          <a:blip r:embed="rId2"/>
+          <a:stretch>
+            <a:fillRect/>
+          </a:stretch>
+        </p:blipFill>
+        <p:spPr>
+          <a:xfrm>
+            <a:off x="5702217" y="4238702"/>
+            <a:ext cx="5944352" cy="2619298"/>
+          </a:xfrm>
+          <a:prstGeom prst="rect">
+            <a:avLst/>
+          </a:prstGeom>
+        </p:spPr>
+      </p:pic>
+    </p:spTree>
+    <p:extLst>
+      <p:ext uri="{BB962C8B-B14F-4D97-AF65-F5344CB8AC3E}">
+        <p14:creationId xmlns:p14="http://schemas.microsoft.com/office/powerpoint/2010/main" val="2668008810"/>
+      </p:ext>
+    </p:extLst>
+  </p:cSld>
+  <p:clrMapOvr>
+    <a:masterClrMapping/>
+  </p:clrMapOvr>
+</p:sld>
+</file>
+
+<file path=ppt/slides/slide21.xml><?xml version="1.0" encoding="utf-8"?>
+<p:sld xmlns:a="http://schemas.openxmlformats.org/drawingml/2006/main" xmlns:r="http://schemas.openxmlformats.org/officeDocument/2006/relationships" xmlns:p="http://schemas.openxmlformats.org/presentationml/2006/main">
+  <p:cSld>
+    <p:spTree>
+      <p:nvGrpSpPr>
+        <p:cNvPr id="1" name=""/>
+        <p:cNvGrpSpPr/>
+        <p:nvPr/>
+      </p:nvGrpSpPr>
+      <p:grpSpPr>
+        <a:xfrm>
+          <a:off x="0" y="0"/>
+          <a:ext cx="0" cy="0"/>
+          <a:chOff x="0" y="0"/>
+          <a:chExt cx="0" cy="0"/>
+        </a:xfrm>
+      </p:grpSpPr>
+      <p:sp>
+        <p:nvSpPr>
+          <p:cNvPr id="2" name="제목 1">
+            <a:extLst>
+              <a:ext uri="{FF2B5EF4-FFF2-40B4-BE49-F238E27FC236}">
+                <a16:creationId xmlns:a16="http://schemas.microsoft.com/office/drawing/2014/main" id="{7D35364F-56AC-4732-91D7-3C1D7B498FEE}"/>
+              </a:ext>
+            </a:extLst>
+          </p:cNvPr>
+          <p:cNvSpPr>
+            <a:spLocks noGrp="1"/>
+          </p:cNvSpPr>
+          <p:nvPr>
+            <p:ph type="title"/>
+          </p:nvPr>
+        </p:nvSpPr>
+        <p:spPr>
+          <a:xfrm>
+            <a:off x="838200" y="365125"/>
+            <a:ext cx="10515600" cy="1325563"/>
+          </a:xfrm>
+        </p:spPr>
+        <p:txBody>
+          <a:bodyPr>
+            <a:normAutofit/>
+          </a:bodyPr>
+          <a:lstStyle/>
+          <a:p>
+            <a:r>
+              <a:rPr lang="en-US" altLang="ko-KR" sz="3200" dirty="0"/>
+              <a:t>3. Advanced concepts on server – Synchronous / Asynchronous </a:t>
+            </a:r>
+            <a:endParaRPr lang="ko-KR" altLang="en-US" sz="3200" dirty="0"/>
+          </a:p>
+        </p:txBody>
+      </p:sp>
+      <p:sp>
+        <p:nvSpPr>
+          <p:cNvPr id="3" name="내용 개체 틀 2">
+            <a:extLst>
+              <a:ext uri="{FF2B5EF4-FFF2-40B4-BE49-F238E27FC236}">
+                <a16:creationId xmlns:a16="http://schemas.microsoft.com/office/drawing/2014/main" id="{5FAF49EA-3E44-4D6E-BC6A-26769265703A}"/>
+              </a:ext>
+            </a:extLst>
+          </p:cNvPr>
+          <p:cNvSpPr>
+            <a:spLocks noGrp="1"/>
+          </p:cNvSpPr>
+          <p:nvPr>
+            <p:ph idx="1"/>
+          </p:nvPr>
+        </p:nvSpPr>
+        <p:spPr/>
+        <p:txBody>
+          <a:bodyPr>
+            <a:normAutofit/>
+          </a:bodyPr>
+          <a:lstStyle/>
+          <a:p>
+            <a:pPr>
+              <a:buFontTx/>
+              <a:buChar char="-"/>
+            </a:pPr>
+            <a:r>
+              <a:rPr lang="en-US" altLang="ko-KR" sz="2400" dirty="0"/>
+              <a:t>Synchronous : Executes requests in a linear, serial order.</a:t>
+            </a:r>
+          </a:p>
+          <a:p>
+            <a:pPr>
+              <a:buFontTx/>
+              <a:buChar char="-"/>
+            </a:pPr>
+            <a:r>
+              <a:rPr lang="en-US" altLang="ko-KR" sz="2400" dirty="0"/>
+              <a:t>While a task is being executed, others stay “Blocking”</a:t>
+            </a:r>
+          </a:p>
+          <a:p>
+            <a:pPr>
+              <a:buFontTx/>
+              <a:buChar char="-"/>
+            </a:pPr>
+            <a:r>
+              <a:rPr lang="en-US" altLang="ko-KR" sz="2400" dirty="0"/>
+              <a:t>Ex) Convenient Store</a:t>
+            </a:r>
+          </a:p>
+          <a:p>
+            <a:pPr>
+              <a:buFontTx/>
+              <a:buChar char="-"/>
+            </a:pPr>
+            <a:endParaRPr lang="en-US" altLang="ko-KR" sz="2400" dirty="0"/>
+          </a:p>
+          <a:p>
+            <a:pPr>
+              <a:buFontTx/>
+              <a:buChar char="-"/>
+            </a:pPr>
+            <a:r>
+              <a:rPr lang="en-US" altLang="ko-KR" sz="2400" dirty="0"/>
+              <a:t>Asynchronous : Executes requests in parallel way.</a:t>
+            </a:r>
+          </a:p>
+          <a:p>
+            <a:pPr>
+              <a:buFontTx/>
+              <a:buChar char="-"/>
+            </a:pPr>
+            <a:r>
+              <a:rPr lang="en-US" altLang="ko-KR" sz="2400" dirty="0"/>
+              <a:t>Each of tasks are under “Non-blocking” condition.</a:t>
+            </a:r>
+          </a:p>
+          <a:p>
+            <a:pPr>
+              <a:buFontTx/>
+              <a:buChar char="-"/>
+            </a:pPr>
+            <a:r>
+              <a:rPr lang="en-US" altLang="ko-KR" sz="2400" dirty="0"/>
+              <a:t>Ex) Subway</a:t>
+            </a:r>
+          </a:p>
+          <a:p>
+            <a:pPr>
+              <a:buFontTx/>
+              <a:buChar char="-"/>
+            </a:pPr>
+            <a:endParaRPr lang="en-US" altLang="ko-KR" sz="2400" dirty="0"/>
+          </a:p>
+          <a:p>
+            <a:pPr>
+              <a:buFontTx/>
+              <a:buChar char="-"/>
+            </a:pPr>
+            <a:r>
+              <a:rPr lang="en-US" altLang="ko-KR" sz="2400" dirty="0"/>
+              <a:t>Q) Isn’t Asynchronous always better? </a:t>
+            </a:r>
+          </a:p>
+        </p:txBody>
+      </p:sp>
+    </p:spTree>
+    <p:extLst>
+      <p:ext uri="{BB962C8B-B14F-4D97-AF65-F5344CB8AC3E}">
+        <p14:creationId xmlns:p14="http://schemas.microsoft.com/office/powerpoint/2010/main" val="952332375"/>
+      </p:ext>
+    </p:extLst>
+  </p:cSld>
+  <p:clrMapOvr>
+    <a:masterClrMapping/>
+  </p:clrMapOvr>
+</p:sld>
+</file>
+
+<file path=ppt/slides/slide22.xml><?xml version="1.0" encoding="utf-8"?>
+<p:sld xmlns:a="http://schemas.openxmlformats.org/drawingml/2006/main" xmlns:r="http://schemas.openxmlformats.org/officeDocument/2006/relationships" xmlns:p="http://schemas.openxmlformats.org/presentationml/2006/main">
+  <p:cSld>
+    <p:spTree>
+      <p:nvGrpSpPr>
+        <p:cNvPr id="1" name=""/>
+        <p:cNvGrpSpPr/>
+        <p:nvPr/>
+      </p:nvGrpSpPr>
+      <p:grpSpPr>
+        <a:xfrm>
+          <a:off x="0" y="0"/>
+          <a:ext cx="0" cy="0"/>
+          <a:chOff x="0" y="0"/>
+          <a:chExt cx="0" cy="0"/>
+        </a:xfrm>
+      </p:grpSpPr>
+      <p:sp>
+        <p:nvSpPr>
+          <p:cNvPr id="2" name="제목 1">
+            <a:extLst>
+              <a:ext uri="{FF2B5EF4-FFF2-40B4-BE49-F238E27FC236}">
+                <a16:creationId xmlns:a16="http://schemas.microsoft.com/office/drawing/2014/main" id="{CEC62424-8D00-4F5B-9E35-B0D7E747C7F4}"/>
+              </a:ext>
+            </a:extLst>
+          </p:cNvPr>
+          <p:cNvSpPr>
+            <a:spLocks noGrp="1"/>
+          </p:cNvSpPr>
+          <p:nvPr>
+            <p:ph type="title"/>
+          </p:nvPr>
+        </p:nvSpPr>
+        <p:spPr>
+          <a:xfrm>
+            <a:off x="0" y="0"/>
+            <a:ext cx="10515600" cy="1325563"/>
+          </a:xfrm>
+        </p:spPr>
+        <p:txBody>
+          <a:bodyPr>
+            <a:normAutofit/>
+          </a:bodyPr>
+          <a:lstStyle/>
+          <a:p>
+            <a:r>
+              <a:rPr lang="en-US" altLang="ko-KR" sz="2800" dirty="0"/>
+              <a:t>References</a:t>
+            </a:r>
+            <a:endParaRPr lang="ko-KR" altLang="en-US" sz="2800" dirty="0"/>
+          </a:p>
+        </p:txBody>
+      </p:sp>
+      <p:sp>
+        <p:nvSpPr>
+          <p:cNvPr id="3" name="내용 개체 틀 2">
+            <a:extLst>
+              <a:ext uri="{FF2B5EF4-FFF2-40B4-BE49-F238E27FC236}">
+                <a16:creationId xmlns:a16="http://schemas.microsoft.com/office/drawing/2014/main" id="{B48D3F9E-A19D-4282-AF4F-38046E90EAC4}"/>
+              </a:ext>
+            </a:extLst>
+          </p:cNvPr>
+          <p:cNvSpPr>
+            <a:spLocks noGrp="1"/>
+          </p:cNvSpPr>
+          <p:nvPr>
+            <p:ph idx="1"/>
+          </p:nvPr>
+        </p:nvSpPr>
+        <p:spPr>
+          <a:xfrm>
+            <a:off x="0" y="952901"/>
+            <a:ext cx="12192000" cy="6049477"/>
+          </a:xfrm>
+        </p:spPr>
+        <p:txBody>
+          <a:bodyPr>
+            <a:normAutofit fontScale="40000" lnSpcReduction="20000"/>
+          </a:bodyPr>
+          <a:lstStyle/>
+          <a:p>
+            <a:pPr>
+              <a:lnSpc>
+                <a:spcPct val="120000"/>
+              </a:lnSpc>
+            </a:pPr>
+            <a:r>
+              <a:rPr lang="en-US" altLang="ko-KR" u="sng" dirty="0">
+                <a:hlinkClick r:id="rId2"/>
+              </a:rPr>
+              <a:t>https://hpitos.tistory.com/7</a:t>
+            </a:r>
+            <a:endParaRPr lang="ko-KR" altLang="ko-KR" dirty="0"/>
+          </a:p>
+          <a:p>
+            <a:pPr>
+              <a:lnSpc>
+                <a:spcPct val="120000"/>
+              </a:lnSpc>
+            </a:pPr>
+            <a:r>
+              <a:rPr lang="en-US" altLang="ko-KR" u="sng" dirty="0">
+                <a:hlinkClick r:id="rId3"/>
+              </a:rPr>
+              <a:t>https://www.fasthosts.co.uk/blog/client-side-vs-server-side-scripting/#:~:text=The%20most%20popular%20server%2Dside,customised%20content%20to%20the%20user</a:t>
+            </a:r>
+            <a:r>
+              <a:rPr lang="en-US" altLang="ko-KR" dirty="0"/>
+              <a:t>.</a:t>
+            </a:r>
+            <a:endParaRPr lang="ko-KR" altLang="ko-KR" dirty="0"/>
+          </a:p>
+          <a:p>
+            <a:pPr>
+              <a:lnSpc>
+                <a:spcPct val="120000"/>
+              </a:lnSpc>
+            </a:pPr>
+            <a:r>
+              <a:rPr lang="en-US" altLang="ko-KR" u="sng" dirty="0">
+                <a:hlinkClick r:id="rId4"/>
+              </a:rPr>
+              <a:t>https://conol.tistory.com/9</a:t>
+            </a:r>
+            <a:endParaRPr lang="ko-KR" altLang="ko-KR" dirty="0"/>
+          </a:p>
+          <a:p>
+            <a:pPr>
+              <a:lnSpc>
+                <a:spcPct val="120000"/>
+              </a:lnSpc>
+            </a:pPr>
+            <a:r>
+              <a:rPr lang="en-US" altLang="ko-KR" u="sng" dirty="0">
+                <a:hlinkClick r:id="rId5"/>
+              </a:rPr>
+              <a:t>https://wikidocs.net/22322#:~:text=%EC%84%9C%EB%B2%84%20%EC%82%AC%EC%9D%B4%EB%93%9C%20%EC%8A%A4%ED%81%AC%EB%A6%BD%ED%8A%B8%EB%8A%94%20%ED%94%84%EB%A1%9C%EA%B7%B8%EB%9E%A8,%EC%9D%B4%EA%B3%A0%2C%20%EC%8B%A4%EC%8B%9C%EA%B0%84%EC%9D%98%20%EC%9D%98%EB%AF%B8%EC%9D%B4%EB%8B%A4</a:t>
+            </a:r>
+            <a:r>
+              <a:rPr lang="en-US" altLang="ko-KR" dirty="0"/>
+              <a:t>.</a:t>
+            </a:r>
+            <a:endParaRPr lang="ko-KR" altLang="ko-KR" dirty="0"/>
+          </a:p>
+          <a:p>
+            <a:pPr>
+              <a:lnSpc>
+                <a:spcPct val="120000"/>
+              </a:lnSpc>
+            </a:pPr>
+            <a:r>
+              <a:rPr lang="en-US" altLang="ko-KR" u="sng" dirty="0">
+                <a:hlinkClick r:id="rId6"/>
+              </a:rPr>
+              <a:t>https://imraccoon-developer.tistory.com/12</a:t>
+            </a:r>
+            <a:endParaRPr lang="ko-KR" altLang="ko-KR" dirty="0"/>
+          </a:p>
+          <a:p>
+            <a:pPr>
+              <a:lnSpc>
+                <a:spcPct val="120000"/>
+              </a:lnSpc>
+            </a:pPr>
+            <a:r>
+              <a:rPr lang="en-US" altLang="ko-KR" u="sng" dirty="0">
+                <a:hlinkClick r:id="rId7"/>
+              </a:rPr>
+              <a:t>https://pathas.tistory.com/176</a:t>
+            </a:r>
+            <a:endParaRPr lang="ko-KR" altLang="ko-KR" dirty="0"/>
+          </a:p>
+          <a:p>
+            <a:pPr>
+              <a:lnSpc>
+                <a:spcPct val="120000"/>
+              </a:lnSpc>
+            </a:pPr>
+            <a:r>
+              <a:rPr lang="en-US" altLang="ko-KR" u="sng" dirty="0">
+                <a:hlinkClick r:id="rId8"/>
+              </a:rPr>
+              <a:t>https://m.blog.naver.com/PostView.nhn?blogId=blogpyh&amp;logNo=220020363988&amp;proxyReferer=https:%2F%2Fwww.google.com%2F</a:t>
+            </a:r>
+            <a:endParaRPr lang="ko-KR" altLang="ko-KR" dirty="0"/>
+          </a:p>
+          <a:p>
+            <a:pPr>
+              <a:lnSpc>
+                <a:spcPct val="120000"/>
+              </a:lnSpc>
+            </a:pPr>
+            <a:r>
+              <a:rPr lang="en-US" altLang="ko-KR" u="sng" dirty="0">
+                <a:hlinkClick r:id="rId9"/>
+              </a:rPr>
+              <a:t>https://includestdio.tistory.com/25#:~:text=%EC%A3%BC%EB%A1%9C%20%EC%A0%95%EC%A0%81%20%EC%9E%90%EC%9B%90%EC%9D%B8%20HTML,%EC%84%9C%EB%B2%84%EC%97%90%20%EC%9A%94%EC%B2%AD%EC%9D%84%20%EB%84%98%EA%B9%81%EB%8B%88%EB%8B%A4.&amp;text=%EC%9B%B9%20%EC%84%9C%EB%B2%84%EB%A1%9C%EB%B6%80%ED%84%B0%20%EC%9A%94%EC%B2%AD%EC%9D%84,%EC%9B%B9%20%EC%84%9C%EB%B2%84%EB%A1%9C%20%EB%B0%98%ED%99%98%ED%95%A9%EB%8B%88%EB%8B%A4</a:t>
+            </a:r>
+            <a:r>
+              <a:rPr lang="en-US" altLang="ko-KR" dirty="0"/>
+              <a:t>.</a:t>
+            </a:r>
+            <a:endParaRPr lang="ko-KR" altLang="ko-KR" dirty="0"/>
+          </a:p>
+          <a:p>
+            <a:pPr>
+              <a:lnSpc>
+                <a:spcPct val="120000"/>
+              </a:lnSpc>
+            </a:pPr>
+            <a:r>
+              <a:rPr lang="en-US" altLang="ko-KR" u="sng" dirty="0">
+                <a:hlinkClick r:id="rId10"/>
+              </a:rPr>
+              <a:t>https://medium.com/@chrisjune_13837/web-%EC%9B%B9%EC%84%9C%EB%B2%84-%EC%95%B1%EC%84%9C%EB%B2%84-was-app%EC%9D%B4%EB%9E%80-692909a0d363</a:t>
+            </a:r>
+            <a:endParaRPr lang="ko-KR" altLang="ko-KR" dirty="0"/>
+          </a:p>
+          <a:p>
+            <a:pPr>
+              <a:lnSpc>
+                <a:spcPct val="120000"/>
+              </a:lnSpc>
+            </a:pPr>
+            <a:r>
+              <a:rPr lang="en-US" altLang="ko-KR" u="sng" dirty="0">
+                <a:hlinkClick r:id="rId11"/>
+              </a:rPr>
+              <a:t>https://jusungpark.tistory.com/15</a:t>
+            </a:r>
+            <a:endParaRPr lang="ko-KR" altLang="ko-KR" dirty="0"/>
+          </a:p>
+          <a:p>
+            <a:pPr>
+              <a:lnSpc>
+                <a:spcPct val="120000"/>
+              </a:lnSpc>
+            </a:pPr>
+            <a:r>
+              <a:rPr lang="en-US" altLang="ko-KR" u="sng" dirty="0">
+                <a:hlinkClick r:id="rId12"/>
+              </a:rPr>
+              <a:t>https://logical-code.tistory.com/30</a:t>
+            </a:r>
+            <a:endParaRPr lang="ko-KR" altLang="ko-KR" dirty="0"/>
+          </a:p>
+          <a:p>
+            <a:pPr>
+              <a:lnSpc>
+                <a:spcPct val="120000"/>
+              </a:lnSpc>
+            </a:pPr>
+            <a:r>
+              <a:rPr lang="en-US" altLang="ko-KR" u="sng" dirty="0">
+                <a:hlinkClick r:id="rId13"/>
+              </a:rPr>
+              <a:t>https://junshock5.tistory.com/118?category=875035</a:t>
+            </a:r>
+            <a:endParaRPr lang="ko-KR" altLang="ko-KR" dirty="0"/>
+          </a:p>
+          <a:p>
+            <a:pPr>
+              <a:lnSpc>
+                <a:spcPct val="120000"/>
+              </a:lnSpc>
+            </a:pPr>
+            <a:r>
+              <a:rPr lang="en-US" altLang="ko-KR" u="sng" dirty="0">
+                <a:hlinkClick r:id="rId14"/>
+              </a:rPr>
+              <a:t>https://dheldh77.tistory.com/entry/%EB%84%A4%ED%8A%B8%EC%9B%8C%ED%81%AC-%EC%8B%B1%EA%B8%80%EC%8A%A4%EB%A0%88%EB%93%9C-%EC%84%9C%EB%B2%84%EC%99%80-%EB%A9%80%ED%8B%B0%EC%8A%A4%EB%A0%88%EB%93%9C-%EC%84%9C%EB%B2%84</a:t>
+            </a:r>
+            <a:endParaRPr lang="ko-KR" altLang="ko-KR" dirty="0"/>
+          </a:p>
+          <a:p>
+            <a:pPr>
+              <a:lnSpc>
+                <a:spcPct val="120000"/>
+              </a:lnSpc>
+            </a:pPr>
+            <a:r>
+              <a:rPr lang="en-US" altLang="ko-KR" u="sng" dirty="0">
+                <a:hlinkClick r:id="rId15"/>
+              </a:rPr>
+              <a:t>https://pro-self-studier.tistory.com/89</a:t>
+            </a:r>
+            <a:endParaRPr lang="ko-KR" altLang="ko-KR" dirty="0"/>
+          </a:p>
+          <a:p>
+            <a:pPr>
+              <a:lnSpc>
+                <a:spcPct val="120000"/>
+              </a:lnSpc>
+            </a:pPr>
+            <a:r>
+              <a:rPr lang="en-US" altLang="ko-KR" u="sng" dirty="0">
+                <a:hlinkClick r:id="rId16"/>
+              </a:rPr>
+              <a:t>https://velog.io/@thms200/Event-Loop-%EC%9D%B4%EB%B2%A4%ED%8A%B8-%EB%A3%A8%ED%94%84</a:t>
+            </a:r>
+            <a:endParaRPr lang="ko-KR" altLang="ko-KR" dirty="0"/>
+          </a:p>
+          <a:p>
+            <a:pPr>
+              <a:lnSpc>
+                <a:spcPct val="120000"/>
+              </a:lnSpc>
+            </a:pPr>
+            <a:r>
+              <a:rPr lang="en-US" altLang="ko-KR" u="sng" dirty="0">
+                <a:hlinkClick r:id="rId17"/>
+              </a:rPr>
+              <a:t>https://poiemaweb.com/js-async</a:t>
+            </a:r>
+            <a:endParaRPr lang="ko-KR" altLang="ko-KR" dirty="0"/>
+          </a:p>
+          <a:p>
+            <a:pPr>
+              <a:lnSpc>
+                <a:spcPct val="120000"/>
+              </a:lnSpc>
+            </a:pPr>
+            <a:r>
+              <a:rPr lang="en-US" altLang="ko-KR" u="sng" dirty="0">
+                <a:hlinkClick r:id="rId18"/>
+              </a:rPr>
+              <a:t>https://medium.com/@AskSnehasish/what-is-a-callback-function-and-how-to-use-it-93e140119859</a:t>
+            </a:r>
+            <a:endParaRPr lang="ko-KR" altLang="ko-KR" dirty="0"/>
+          </a:p>
+          <a:p>
+            <a:pPr>
+              <a:lnSpc>
+                <a:spcPct val="120000"/>
+              </a:lnSpc>
+            </a:pPr>
+            <a:endParaRPr lang="ko-KR" altLang="en-US" dirty="0"/>
+          </a:p>
+        </p:txBody>
+      </p:sp>
+    </p:spTree>
+    <p:extLst>
+      <p:ext uri="{BB962C8B-B14F-4D97-AF65-F5344CB8AC3E}">
+        <p14:creationId xmlns:p14="http://schemas.microsoft.com/office/powerpoint/2010/main" val="3684036218"/>
       </p:ext>
     </p:extLst>
   </p:cSld>
@@ -4069,12 +5743,7 @@
             <p:ph type="title"/>
           </p:nvPr>
         </p:nvSpPr>
-        <p:spPr>
-          <a:xfrm>
-            <a:off x="838200" y="365125"/>
-            <a:ext cx="10515600" cy="1325563"/>
-          </a:xfrm>
-        </p:spPr>
+        <p:spPr/>
         <p:txBody>
           <a:bodyPr>
             <a:normAutofit/>
@@ -4108,7 +5777,7 @@
         <p:spPr/>
         <p:txBody>
           <a:bodyPr>
-            <a:normAutofit fontScale="92500"/>
+            <a:normAutofit/>
           </a:bodyPr>
           <a:lstStyle/>
           <a:p>
@@ -4117,7 +5786,7 @@
               <a:buChar char="-"/>
             </a:pPr>
             <a:r>
-              <a:rPr lang="en-US" altLang="ko-KR" dirty="0"/>
+              <a:rPr lang="en-US" altLang="ko-KR" sz="2400" dirty="0"/>
               <a:t>Server : computer or device that provides services thru network</a:t>
             </a:r>
           </a:p>
@@ -4127,7 +5796,7 @@
               <a:buChar char="-"/>
             </a:pPr>
             <a:r>
-              <a:rPr lang="en-US" altLang="ko-KR" dirty="0"/>
+              <a:rPr lang="en-US" altLang="ko-KR" sz="2400" dirty="0"/>
               <a:t>Client : be provided with services from server</a:t>
             </a:r>
           </a:p>
@@ -4136,15 +5805,15 @@
               <a:buFontTx/>
               <a:buChar char="-"/>
             </a:pPr>
-            <a:endParaRPr lang="en-US" altLang="ko-KR" dirty="0"/>
-          </a:p>
-          <a:p>
-            <a:pPr>
-              <a:buFontTx/>
-              <a:buChar char="-"/>
-            </a:pPr>
-            <a:r>
-              <a:rPr lang="en-US" altLang="ko-KR" dirty="0"/>
+            <a:endParaRPr lang="en-US" altLang="ko-KR" sz="2400" dirty="0"/>
+          </a:p>
+          <a:p>
+            <a:pPr>
+              <a:buFontTx/>
+              <a:buChar char="-"/>
+            </a:pPr>
+            <a:r>
+              <a:rPr lang="en-US" altLang="ko-KR" sz="2400" dirty="0"/>
               <a:t>Client sends “request” to server, server returns “response” to client.</a:t>
             </a:r>
           </a:p>
@@ -4154,7 +5823,7 @@
               <a:buChar char="-"/>
             </a:pPr>
             <a:r>
-              <a:rPr lang="en-US" altLang="ko-KR" dirty="0"/>
+              <a:rPr lang="en-US" altLang="ko-KR" sz="2400" dirty="0"/>
               <a:t>Server-Client is a relative concept</a:t>
             </a:r>
           </a:p>
@@ -4164,7 +5833,7 @@
               <a:buChar char="-"/>
             </a:pPr>
             <a:r>
-              <a:rPr lang="en-US" altLang="ko-KR" dirty="0"/>
+              <a:rPr lang="en-US" altLang="ko-KR" sz="2400" dirty="0"/>
               <a:t>Ex) www : browser – web server</a:t>
             </a:r>
           </a:p>
@@ -4172,14 +5841,14 @@
             <a:pPr marL="0" indent="0">
               <a:buNone/>
             </a:pPr>
-            <a:endParaRPr lang="en-US" altLang="ko-KR" dirty="0"/>
+            <a:endParaRPr lang="en-US" altLang="ko-KR" sz="2400" dirty="0"/>
           </a:p>
           <a:p>
             <a:pPr marL="0" indent="0">
               <a:buNone/>
             </a:pPr>
             <a:r>
-              <a:rPr lang="en-US" altLang="ko-KR" dirty="0"/>
+              <a:rPr lang="en-US" altLang="ko-KR" sz="2400" dirty="0"/>
               <a:t>Q) Is server just a computer?</a:t>
             </a:r>
           </a:p>
@@ -4231,12 +5900,7 @@
             <p:ph type="title"/>
           </p:nvPr>
         </p:nvSpPr>
-        <p:spPr>
-          <a:xfrm>
-            <a:off x="838200" y="365125"/>
-            <a:ext cx="10515600" cy="1325563"/>
-          </a:xfrm>
-        </p:spPr>
+        <p:spPr/>
         <p:txBody>
           <a:bodyPr>
             <a:normAutofit/>
@@ -4267,10 +5931,15 @@
             <p:ph idx="1"/>
           </p:nvPr>
         </p:nvSpPr>
-        <p:spPr/>
+        <p:spPr>
+          <a:xfrm>
+            <a:off x="838200" y="1825625"/>
+            <a:ext cx="10515600" cy="4667250"/>
+          </a:xfrm>
+        </p:spPr>
         <p:txBody>
           <a:bodyPr>
-            <a:normAutofit/>
+            <a:noAutofit/>
           </a:bodyPr>
           <a:lstStyle/>
           <a:p>
@@ -4279,7 +5948,7 @@
               <a:buChar char="-"/>
             </a:pPr>
             <a:r>
-              <a:rPr lang="en-US" altLang="ko-KR" dirty="0"/>
+              <a:rPr lang="en-US" altLang="ko-KR" sz="2400" dirty="0"/>
               <a:t>Client side script implemented : sends a request to server</a:t>
             </a:r>
           </a:p>
@@ -4289,7 +5958,7 @@
               <a:buChar char="-"/>
             </a:pPr>
             <a:r>
-              <a:rPr lang="en-US" altLang="ko-KR" dirty="0"/>
+              <a:rPr lang="en-US" altLang="ko-KR" sz="2400" dirty="0"/>
               <a:t>Server side script receives and executes it.</a:t>
             </a:r>
           </a:p>
@@ -4299,7 +5968,7 @@
               <a:buChar char="-"/>
             </a:pPr>
             <a:r>
-              <a:rPr lang="en-US" altLang="ko-KR" dirty="0"/>
+              <a:rPr lang="en-US" altLang="ko-KR" sz="2400" dirty="0"/>
               <a:t>Server side script organize the result and sends back to client.</a:t>
             </a:r>
           </a:p>
@@ -4307,14 +5976,14 @@
             <a:pPr marL="0" indent="0">
               <a:buNone/>
             </a:pPr>
-            <a:endParaRPr lang="en-US" altLang="ko-KR" dirty="0"/>
+            <a:endParaRPr lang="en-US" altLang="ko-KR" sz="2400" dirty="0"/>
           </a:p>
           <a:p>
             <a:pPr marL="0" indent="0">
               <a:buNone/>
             </a:pPr>
             <a:r>
-              <a:rPr lang="en-US" altLang="ko-KR" dirty="0"/>
+              <a:rPr lang="en-US" altLang="ko-KR" sz="2400" dirty="0"/>
               <a:t>Ex) mail website</a:t>
             </a:r>
           </a:p>
@@ -4324,26 +5993,44 @@
               <a:buChar char="-"/>
             </a:pPr>
             <a:r>
-              <a:rPr lang="en-US" altLang="ko-KR" dirty="0"/>
-              <a:t>Until push “send” button : Client-side script.</a:t>
-            </a:r>
-          </a:p>
-          <a:p>
-            <a:pPr>
-              <a:buFontTx/>
-              <a:buChar char="-"/>
-            </a:pPr>
-            <a:r>
-              <a:rPr lang="en-US" altLang="ko-KR" dirty="0"/>
-              <a:t> </a:t>
-            </a:r>
-          </a:p>
-          <a:p>
-            <a:pPr>
-              <a:buFontTx/>
-              <a:buChar char="-"/>
-            </a:pPr>
-            <a:endParaRPr lang="en-US" altLang="ko-KR" dirty="0"/>
+              <a:rPr lang="en-US" altLang="ko-KR" sz="2400" dirty="0"/>
+              <a:t>Send button : client side script sends a request to server</a:t>
+            </a:r>
+          </a:p>
+          <a:p>
+            <a:pPr>
+              <a:buFontTx/>
+              <a:buChar char="-"/>
+            </a:pPr>
+            <a:r>
+              <a:rPr lang="en-US" altLang="ko-KR" sz="2400" dirty="0"/>
+              <a:t>Server executes the request with DB or other servers</a:t>
+            </a:r>
+          </a:p>
+          <a:p>
+            <a:pPr>
+              <a:buFontTx/>
+              <a:buChar char="-"/>
+            </a:pPr>
+            <a:r>
+              <a:rPr lang="en-US" altLang="ko-KR" sz="2400" dirty="0"/>
+              <a:t>Server side script codes are hidden</a:t>
+            </a:r>
+          </a:p>
+          <a:p>
+            <a:pPr marL="0" indent="0">
+              <a:buNone/>
+            </a:pPr>
+            <a:endParaRPr lang="en-US" altLang="ko-KR" sz="2400" dirty="0"/>
+          </a:p>
+          <a:p>
+            <a:pPr marL="0" indent="0">
+              <a:buNone/>
+            </a:pPr>
+            <a:r>
+              <a:rPr lang="en-US" altLang="ko-KR" sz="2400" dirty="0"/>
+              <a:t>Q) HTTP source?</a:t>
+            </a:r>
           </a:p>
         </p:txBody>
       </p:sp>
@@ -4393,16 +6080,23 @@
             <p:ph type="title"/>
           </p:nvPr>
         </p:nvSpPr>
-        <p:spPr/>
-        <p:txBody>
-          <a:bodyPr/>
-          <a:lstStyle/>
-          <a:p>
-            <a:r>
-              <a:rPr lang="en-US" altLang="ko-KR" dirty="0"/>
-              <a:t>2. </a:t>
-            </a:r>
-            <a:endParaRPr lang="ko-KR" altLang="en-US" dirty="0"/>
+        <p:spPr>
+          <a:xfrm>
+            <a:off x="838200" y="365125"/>
+            <a:ext cx="10515600" cy="1325563"/>
+          </a:xfrm>
+        </p:spPr>
+        <p:txBody>
+          <a:bodyPr>
+            <a:normAutofit/>
+          </a:bodyPr>
+          <a:lstStyle/>
+          <a:p>
+            <a:r>
+              <a:rPr lang="en-US" altLang="ko-KR" sz="3600" dirty="0"/>
+              <a:t>1. Server and its mechanism - mechanism</a:t>
+            </a:r>
+            <a:endParaRPr lang="ko-KR" altLang="en-US" sz="3600" dirty="0"/>
           </a:p>
         </p:txBody>
       </p:sp>
@@ -4424,17 +6118,65 @@
         </p:nvSpPr>
         <p:spPr/>
         <p:txBody>
-          <a:bodyPr/>
-          <a:lstStyle/>
-          <a:p>
-            <a:endParaRPr lang="ko-KR" altLang="en-US"/>
-          </a:p>
-        </p:txBody>
-      </p:sp>
+          <a:bodyPr>
+            <a:normAutofit/>
+          </a:bodyPr>
+          <a:lstStyle/>
+          <a:p>
+            <a:pPr marL="0" indent="0">
+              <a:buNone/>
+            </a:pPr>
+            <a:r>
+              <a:rPr lang="en-US" altLang="ko-KR" sz="2400" dirty="0"/>
+              <a:t>Q) Frontend? Backend?</a:t>
+            </a:r>
+          </a:p>
+          <a:p>
+            <a:pPr marL="0" indent="0">
+              <a:buNone/>
+            </a:pPr>
+            <a:endParaRPr lang="en-US" altLang="ko-KR" sz="2400" dirty="0"/>
+          </a:p>
+        </p:txBody>
+      </p:sp>
+      <p:pic>
+        <p:nvPicPr>
+          <p:cNvPr id="4" name="그림 3">
+            <a:extLst>
+              <a:ext uri="{FF2B5EF4-FFF2-40B4-BE49-F238E27FC236}">
+                <a16:creationId xmlns:a16="http://schemas.microsoft.com/office/drawing/2014/main" id="{F0084187-C608-40B2-9A51-156555901D44}"/>
+              </a:ext>
+            </a:extLst>
+          </p:cNvPr>
+          <p:cNvPicPr/>
+          <p:nvPr/>
+        </p:nvPicPr>
+        <p:blipFill>
+          <a:blip r:embed="rId2" cstate="print">
+            <a:extLst>
+              <a:ext uri="{28A0092B-C50C-407E-A947-70E740481C1C}">
+                <a14:useLocalDpi xmlns:a14="http://schemas.microsoft.com/office/drawing/2010/main" val="0"/>
+              </a:ext>
+            </a:extLst>
+          </a:blip>
+          <a:stretch>
+            <a:fillRect/>
+          </a:stretch>
+        </p:blipFill>
+        <p:spPr>
+          <a:xfrm>
+            <a:off x="1895420" y="2353259"/>
+            <a:ext cx="9458380" cy="4139616"/>
+          </a:xfrm>
+          <a:prstGeom prst="rect">
+            <a:avLst/>
+          </a:prstGeom>
+        </p:spPr>
+      </p:pic>
     </p:spTree>
     <p:extLst>
       <p:ext uri="{BB962C8B-B14F-4D97-AF65-F5344CB8AC3E}">
-        <p14:creationId xmlns:p14="http://schemas.microsoft.com/office/powerpoint/2010/main" val="2290025262"/>
+        <p14:creationId xmlns:p14="http://schemas.microsoft.com/office/powerpoint/2010/main" val="2381219918"/>
       </p:ext>
     </p:extLst>
   </p:cSld>
@@ -4477,12 +6219,23 @@
             <p:ph type="title"/>
           </p:nvPr>
         </p:nvSpPr>
-        <p:spPr/>
-        <p:txBody>
-          <a:bodyPr/>
-          <a:lstStyle/>
-          <a:p>
-            <a:endParaRPr lang="ko-KR" altLang="en-US"/>
+        <p:spPr>
+          <a:xfrm>
+            <a:off x="838200" y="365125"/>
+            <a:ext cx="10515600" cy="1325563"/>
+          </a:xfrm>
+        </p:spPr>
+        <p:txBody>
+          <a:bodyPr>
+            <a:normAutofit/>
+          </a:bodyPr>
+          <a:lstStyle/>
+          <a:p>
+            <a:r>
+              <a:rPr lang="en-US" altLang="ko-KR" sz="3600" dirty="0"/>
+              <a:t>1. Server and its mechanism – Internet and server</a:t>
+            </a:r>
+            <a:endParaRPr lang="ko-KR" altLang="en-US" sz="3600" dirty="0"/>
           </a:p>
         </p:txBody>
       </p:sp>
@@ -4504,17 +6257,99 @@
         </p:nvSpPr>
         <p:spPr/>
         <p:txBody>
-          <a:bodyPr/>
-          <a:lstStyle/>
-          <a:p>
-            <a:endParaRPr lang="ko-KR" altLang="en-US"/>
+          <a:bodyPr>
+            <a:normAutofit/>
+          </a:bodyPr>
+          <a:lstStyle/>
+          <a:p>
+            <a:pPr marL="0" indent="0">
+              <a:buNone/>
+            </a:pPr>
+            <a:r>
+              <a:rPr lang="en-US" altLang="ko-KR" sz="2400" dirty="0"/>
+              <a:t>- Internet : network system connecting world-wide computers</a:t>
+            </a:r>
+          </a:p>
+          <a:p>
+            <a:pPr>
+              <a:buFontTx/>
+              <a:buChar char="-"/>
+            </a:pPr>
+            <a:r>
+              <a:rPr lang="en-US" altLang="ko-KR" sz="2400" dirty="0"/>
+              <a:t>WWW, Telnet, HTTP, FTP</a:t>
+            </a:r>
+          </a:p>
+          <a:p>
+            <a:pPr>
+              <a:buFontTx/>
+              <a:buChar char="-"/>
+            </a:pPr>
+            <a:endParaRPr lang="en-US" altLang="ko-KR" sz="2400" dirty="0"/>
+          </a:p>
+          <a:p>
+            <a:pPr>
+              <a:buFontTx/>
+              <a:buChar char="-"/>
+            </a:pPr>
+            <a:r>
+              <a:rPr lang="en-US" altLang="ko-KR" sz="2400" dirty="0"/>
+              <a:t>Web is one of a service to achieve Internet’s goal</a:t>
+            </a:r>
+          </a:p>
+          <a:p>
+            <a:pPr>
+              <a:buFontTx/>
+              <a:buChar char="-"/>
+            </a:pPr>
+            <a:r>
+              <a:rPr lang="en-US" altLang="ko-KR" sz="2400" dirty="0"/>
+              <a:t>Web is based on Server-Client system</a:t>
+            </a:r>
+          </a:p>
+          <a:p>
+            <a:pPr>
+              <a:buFontTx/>
+              <a:buChar char="-"/>
+            </a:pPr>
+            <a:endParaRPr lang="en-US" altLang="ko-KR" sz="2400" dirty="0"/>
+          </a:p>
+          <a:p>
+            <a:pPr>
+              <a:buFontTx/>
+              <a:buChar char="-"/>
+            </a:pPr>
+            <a:r>
+              <a:rPr lang="en-US" altLang="ko-KR" sz="2400" dirty="0"/>
+              <a:t>Internet == City</a:t>
+            </a:r>
+          </a:p>
+          <a:p>
+            <a:pPr>
+              <a:buFontTx/>
+              <a:buChar char="-"/>
+            </a:pPr>
+            <a:r>
+              <a:rPr lang="en-US" altLang="ko-KR" sz="2400" dirty="0"/>
+              <a:t>Web == House</a:t>
+            </a:r>
+          </a:p>
+          <a:p>
+            <a:pPr>
+              <a:buFontTx/>
+              <a:buChar char="-"/>
+            </a:pPr>
+            <a:r>
+              <a:rPr lang="en-US" altLang="ko-KR" sz="2400" dirty="0"/>
+              <a:t>Server-Client system == constructional material of the house</a:t>
+            </a:r>
           </a:p>
         </p:txBody>
       </p:sp>
     </p:spTree>
     <p:extLst>
       <p:ext uri="{BB962C8B-B14F-4D97-AF65-F5344CB8AC3E}">
-        <p14:creationId xmlns:p14="http://schemas.microsoft.com/office/powerpoint/2010/main" val="2244785250"/>
+        <p14:creationId xmlns:p14="http://schemas.microsoft.com/office/powerpoint/2010/main" val="258184860"/>
       </p:ext>
     </p:extLst>
   </p:cSld>
@@ -4557,12 +6392,23 @@
             <p:ph type="title"/>
           </p:nvPr>
         </p:nvSpPr>
-        <p:spPr/>
-        <p:txBody>
-          <a:bodyPr/>
-          <a:lstStyle/>
-          <a:p>
-            <a:endParaRPr lang="ko-KR" altLang="en-US"/>
+        <p:spPr>
+          <a:xfrm>
+            <a:off x="838200" y="365125"/>
+            <a:ext cx="10515600" cy="1325563"/>
+          </a:xfrm>
+        </p:spPr>
+        <p:txBody>
+          <a:bodyPr>
+            <a:normAutofit/>
+          </a:bodyPr>
+          <a:lstStyle/>
+          <a:p>
+            <a:r>
+              <a:rPr lang="en-US" altLang="ko-KR" sz="3600" dirty="0"/>
+              <a:t>1. Server and its mechanism - Server OS</a:t>
+            </a:r>
+            <a:endParaRPr lang="ko-KR" altLang="en-US" sz="3600" dirty="0"/>
           </a:p>
         </p:txBody>
       </p:sp>
@@ -4584,17 +6430,97 @@
         </p:nvSpPr>
         <p:spPr/>
         <p:txBody>
-          <a:bodyPr/>
-          <a:lstStyle/>
-          <a:p>
-            <a:endParaRPr lang="ko-KR" altLang="en-US"/>
+          <a:bodyPr>
+            <a:normAutofit/>
+          </a:bodyPr>
+          <a:lstStyle/>
+          <a:p>
+            <a:pPr>
+              <a:buFontTx/>
+              <a:buChar char="-"/>
+            </a:pPr>
+            <a:r>
+              <a:rPr lang="en-US" altLang="ko-KR" sz="2400" dirty="0"/>
+              <a:t>Most of server uses server OS</a:t>
+            </a:r>
+          </a:p>
+          <a:p>
+            <a:pPr>
+              <a:buFontTx/>
+              <a:buChar char="-"/>
+            </a:pPr>
+            <a:r>
+              <a:rPr lang="en-US" altLang="ko-KR" sz="2400" dirty="0"/>
+              <a:t>Ex) Linux, Solaris, Window Server</a:t>
+            </a:r>
+          </a:p>
+          <a:p>
+            <a:pPr>
+              <a:buFontTx/>
+              <a:buChar char="-"/>
+            </a:pPr>
+            <a:endParaRPr lang="en-US" altLang="ko-KR" sz="2400" dirty="0"/>
+          </a:p>
+          <a:p>
+            <a:pPr>
+              <a:buFontTx/>
+              <a:buChar char="-"/>
+            </a:pPr>
+            <a:r>
+              <a:rPr lang="en-US" altLang="ko-KR" sz="2400" dirty="0"/>
+              <a:t>Server OS properties are:</a:t>
+            </a:r>
+          </a:p>
+          <a:p>
+            <a:pPr marL="0" indent="0">
+              <a:buNone/>
+            </a:pPr>
+            <a:r>
+              <a:rPr lang="en-US" altLang="ko-KR" sz="2400" dirty="0"/>
+              <a:t>No or optional GUI</a:t>
+            </a:r>
+          </a:p>
+          <a:p>
+            <a:pPr marL="0" indent="0">
+              <a:buNone/>
+            </a:pPr>
+            <a:r>
+              <a:rPr lang="en-US" altLang="ko-KR" sz="2400" dirty="0"/>
+              <a:t>Advanced backup / networking service</a:t>
+            </a:r>
+          </a:p>
+          <a:p>
+            <a:pPr marL="0" indent="0">
+              <a:buNone/>
+            </a:pPr>
+            <a:r>
+              <a:rPr lang="en-US" altLang="ko-KR" sz="2400" dirty="0"/>
+              <a:t>Clear data transmission btw. </a:t>
+            </a:r>
+            <a:r>
+              <a:rPr lang="en-US" altLang="ko-KR" sz="2400" dirty="0" err="1"/>
+              <a:t>volumn</a:t>
+            </a:r>
+            <a:r>
+              <a:rPr lang="en-US" altLang="ko-KR" sz="2400" dirty="0"/>
+              <a:t>, devices</a:t>
+            </a:r>
+          </a:p>
+          <a:p>
+            <a:pPr marL="0" indent="0">
+              <a:buNone/>
+            </a:pPr>
+            <a:r>
+              <a:rPr lang="en-US" altLang="ko-KR" sz="2400" dirty="0"/>
+              <a:t>Robust security for data, resources</a:t>
+            </a:r>
           </a:p>
         </p:txBody>
       </p:sp>
     </p:spTree>
     <p:extLst>
       <p:ext uri="{BB962C8B-B14F-4D97-AF65-F5344CB8AC3E}">
-        <p14:creationId xmlns:p14="http://schemas.microsoft.com/office/powerpoint/2010/main" val="2225506285"/>
+        <p14:creationId xmlns:p14="http://schemas.microsoft.com/office/powerpoint/2010/main" val="176562103"/>
       </p:ext>
     </p:extLst>
   </p:cSld>
@@ -4637,12 +6563,23 @@
             <p:ph type="title"/>
           </p:nvPr>
         </p:nvSpPr>
-        <p:spPr/>
-        <p:txBody>
-          <a:bodyPr/>
-          <a:lstStyle/>
-          <a:p>
-            <a:endParaRPr lang="ko-KR" altLang="en-US"/>
+        <p:spPr>
+          <a:xfrm>
+            <a:off x="838200" y="365125"/>
+            <a:ext cx="10515600" cy="1325563"/>
+          </a:xfrm>
+        </p:spPr>
+        <p:txBody>
+          <a:bodyPr>
+            <a:normAutofit/>
+          </a:bodyPr>
+          <a:lstStyle/>
+          <a:p>
+            <a:r>
+              <a:rPr lang="en-US" altLang="ko-KR" sz="3600" dirty="0"/>
+              <a:t>1. Server and its mechanism - Web Application Server</a:t>
+            </a:r>
+            <a:endParaRPr lang="ko-KR" altLang="en-US" sz="3600" dirty="0"/>
           </a:p>
         </p:txBody>
       </p:sp>
@@ -4664,17 +6601,123 @@
         </p:nvSpPr>
         <p:spPr/>
         <p:txBody>
-          <a:bodyPr/>
-          <a:lstStyle/>
-          <a:p>
-            <a:endParaRPr lang="ko-KR" altLang="en-US"/>
-          </a:p>
-        </p:txBody>
-      </p:sp>
+          <a:bodyPr>
+            <a:normAutofit/>
+          </a:bodyPr>
+          <a:lstStyle/>
+          <a:p>
+            <a:pPr>
+              <a:buFontTx/>
+              <a:buChar char="-"/>
+            </a:pPr>
+            <a:r>
+              <a:rPr lang="en-US" altLang="ko-KR" sz="2400" dirty="0"/>
+              <a:t>Prob: demand for dynamic web page increased, previous web-container method + CGI burden memory.</a:t>
+            </a:r>
+          </a:p>
+          <a:p>
+            <a:pPr>
+              <a:buFontTx/>
+              <a:buChar char="-"/>
+            </a:pPr>
+            <a:endParaRPr lang="en-US" altLang="ko-KR" sz="2400" dirty="0"/>
+          </a:p>
+          <a:p>
+            <a:pPr>
+              <a:buFontTx/>
+              <a:buChar char="-"/>
+            </a:pPr>
+            <a:r>
+              <a:rPr lang="en-US" altLang="ko-KR" sz="2400" dirty="0"/>
+              <a:t>Web Application Server : web server + web container</a:t>
+            </a:r>
+          </a:p>
+          <a:p>
+            <a:pPr>
+              <a:buFontTx/>
+              <a:buChar char="-"/>
+            </a:pPr>
+            <a:r>
+              <a:rPr lang="en-US" altLang="ko-KR" sz="2400" dirty="0"/>
+              <a:t>Web Server covers static web page request </a:t>
+            </a:r>
+          </a:p>
+          <a:p>
+            <a:pPr>
+              <a:buFontTx/>
+              <a:buChar char="-"/>
+            </a:pPr>
+            <a:r>
+              <a:rPr lang="en-US" altLang="ko-KR" sz="2400" dirty="0"/>
+              <a:t>WAS takes charge of dynamic web page between Web Server and Database</a:t>
+            </a:r>
+          </a:p>
+          <a:p>
+            <a:pPr>
+              <a:buFontTx/>
+              <a:buChar char="-"/>
+            </a:pPr>
+            <a:endParaRPr lang="en-US" altLang="ko-KR" sz="2400" dirty="0"/>
+          </a:p>
+          <a:p>
+            <a:pPr>
+              <a:buFontTx/>
+              <a:buChar char="-"/>
+            </a:pPr>
+            <a:r>
+              <a:rPr lang="en-US" altLang="ko-KR" sz="2400" dirty="0"/>
+              <a:t>Ex) Tomcat, </a:t>
+            </a:r>
+            <a:r>
+              <a:rPr lang="en-US" altLang="ko-KR" sz="2400" dirty="0" err="1"/>
+              <a:t>uWsgi</a:t>
+            </a:r>
+            <a:r>
+              <a:rPr lang="en-US" altLang="ko-KR" sz="2400" dirty="0"/>
+              <a:t>, APACHE</a:t>
+            </a:r>
+          </a:p>
+          <a:p>
+            <a:pPr>
+              <a:buFontTx/>
+              <a:buChar char="-"/>
+            </a:pPr>
+            <a:endParaRPr lang="en-US" altLang="ko-KR" sz="2400" dirty="0"/>
+          </a:p>
+        </p:txBody>
+      </p:sp>
+      <p:pic>
+        <p:nvPicPr>
+          <p:cNvPr id="4" name="그림 3">
+            <a:extLst>
+              <a:ext uri="{FF2B5EF4-FFF2-40B4-BE49-F238E27FC236}">
+                <a16:creationId xmlns:a16="http://schemas.microsoft.com/office/drawing/2014/main" id="{02254DDB-DF03-4F28-909F-0142229913C8}"/>
+              </a:ext>
+            </a:extLst>
+          </p:cNvPr>
+          <p:cNvPicPr/>
+          <p:nvPr/>
+        </p:nvPicPr>
+        <p:blipFill>
+          <a:blip r:embed="rId2"/>
+          <a:stretch>
+            <a:fillRect/>
+          </a:stretch>
+        </p:blipFill>
+        <p:spPr>
+          <a:xfrm>
+            <a:off x="838200" y="5301045"/>
+            <a:ext cx="10515600" cy="1191830"/>
+          </a:xfrm>
+          <a:prstGeom prst="rect">
+            <a:avLst/>
+          </a:prstGeom>
+        </p:spPr>
+      </p:pic>
     </p:spTree>
     <p:extLst>
       <p:ext uri="{BB962C8B-B14F-4D97-AF65-F5344CB8AC3E}">
-        <p14:creationId xmlns:p14="http://schemas.microsoft.com/office/powerpoint/2010/main" val="115012176"/>
+        <p14:creationId xmlns:p14="http://schemas.microsoft.com/office/powerpoint/2010/main" val="2190313097"/>
       </p:ext>
     </p:extLst>
   </p:cSld>
@@ -4706,7 +6749,7 @@
           <p:cNvPr id="2" name="제목 1">
             <a:extLst>
               <a:ext uri="{FF2B5EF4-FFF2-40B4-BE49-F238E27FC236}">
-                <a16:creationId xmlns:a16="http://schemas.microsoft.com/office/drawing/2014/main" id="{7AFD83B5-821C-419A-9712-77FA7C083FB8}"/>
+                <a16:creationId xmlns:a16="http://schemas.microsoft.com/office/drawing/2014/main" id="{7D35364F-56AC-4732-91D7-3C1D7B498FEE}"/>
               </a:ext>
             </a:extLst>
           </p:cNvPr>
@@ -4717,63 +6760,131 @@
             <p:ph type="title"/>
           </p:nvPr>
         </p:nvSpPr>
-        <p:spPr/>
-        <p:txBody>
-          <a:bodyPr/>
-          <a:lstStyle/>
-          <a:p>
-            <a:r>
-              <a:rPr lang="en-US" altLang="ko-KR" dirty="0" err="1"/>
-              <a:t>Jsp</a:t>
-            </a:r>
-            <a:r>
-              <a:rPr lang="ko-KR" altLang="en-US" dirty="0"/>
-              <a:t> </a:t>
-            </a:r>
-            <a:r>
-              <a:rPr lang="en-US" altLang="ko-KR" dirty="0"/>
-              <a:t>servlet &amp; WAS</a:t>
-            </a:r>
-            <a:endParaRPr lang="ko-KR" altLang="en-US" dirty="0"/>
-          </a:p>
-        </p:txBody>
-      </p:sp>
-      <p:pic>
-        <p:nvPicPr>
-          <p:cNvPr id="4" name="내용 개체 틀 3">
+        <p:spPr>
+          <a:xfrm>
+            <a:off x="838200" y="365125"/>
+            <a:ext cx="10515600" cy="1325563"/>
+          </a:xfrm>
+        </p:spPr>
+        <p:txBody>
+          <a:bodyPr>
+            <a:normAutofit/>
+          </a:bodyPr>
+          <a:lstStyle/>
+          <a:p>
+            <a:r>
+              <a:rPr lang="en-US" altLang="ko-KR" sz="3600" dirty="0"/>
+              <a:t>2. Server side script language </a:t>
+            </a:r>
+            <a:endParaRPr lang="ko-KR" altLang="en-US" sz="3600" dirty="0"/>
+          </a:p>
+        </p:txBody>
+      </p:sp>
+      <p:sp>
+        <p:nvSpPr>
+          <p:cNvPr id="3" name="내용 개체 틀 2">
             <a:extLst>
               <a:ext uri="{FF2B5EF4-FFF2-40B4-BE49-F238E27FC236}">
-                <a16:creationId xmlns:a16="http://schemas.microsoft.com/office/drawing/2014/main" id="{BD2563AA-CEC0-4B86-B9F6-1F5D8D1F67F7}"/>
+                <a16:creationId xmlns:a16="http://schemas.microsoft.com/office/drawing/2014/main" id="{5FAF49EA-3E44-4D6E-BC6A-26769265703A}"/>
               </a:ext>
             </a:extLst>
           </p:cNvPr>
-          <p:cNvPicPr>
-            <a:picLocks noGrp="1" noChangeAspect="1"/>
-          </p:cNvPicPr>
+          <p:cNvSpPr>
+            <a:spLocks noGrp="1"/>
+          </p:cNvSpPr>
           <p:nvPr>
             <p:ph idx="1"/>
           </p:nvPr>
-        </p:nvPicPr>
-        <p:blipFill>
-          <a:blip r:embed="rId2"/>
-          <a:stretch>
-            <a:fillRect/>
-          </a:stretch>
-        </p:blipFill>
-        <p:spPr>
-          <a:xfrm>
-            <a:off x="1696810" y="1825625"/>
-            <a:ext cx="8798379" cy="4351338"/>
-          </a:xfrm>
-          <a:prstGeom prst="rect">
-            <a:avLst/>
-          </a:prstGeom>
-        </p:spPr>
-      </p:pic>
+        </p:nvSpPr>
+        <p:spPr/>
+        <p:txBody>
+          <a:bodyPr>
+            <a:normAutofit/>
+          </a:bodyPr>
+          <a:lstStyle/>
+          <a:p>
+            <a:pPr>
+              <a:buFontTx/>
+              <a:buChar char="-"/>
+            </a:pPr>
+            <a:r>
+              <a:rPr lang="en-US" altLang="ko-KR" sz="2400" dirty="0"/>
+              <a:t>Server-Client system uses script language. </a:t>
+            </a:r>
+          </a:p>
+          <a:p>
+            <a:pPr>
+              <a:buFontTx/>
+              <a:buChar char="-"/>
+            </a:pPr>
+            <a:endParaRPr lang="en-US" altLang="ko-KR" sz="2400" dirty="0"/>
+          </a:p>
+          <a:p>
+            <a:pPr>
+              <a:buFontTx/>
+              <a:buChar char="-"/>
+            </a:pPr>
+            <a:r>
+              <a:rPr lang="en-US" altLang="ko-KR" sz="2400" dirty="0"/>
+              <a:t>Compile language : Fast, easy debugging, platform dependent</a:t>
+            </a:r>
+          </a:p>
+          <a:p>
+            <a:pPr>
+              <a:buFontTx/>
+              <a:buChar char="-"/>
+            </a:pPr>
+            <a:r>
+              <a:rPr lang="en-US" altLang="ko-KR" sz="2400" dirty="0"/>
+              <a:t>Script language : Platform independent, easy, slow</a:t>
+            </a:r>
+          </a:p>
+          <a:p>
+            <a:pPr>
+              <a:buFontTx/>
+              <a:buChar char="-"/>
+            </a:pPr>
+            <a:endParaRPr lang="en-US" altLang="ko-KR" sz="2400" dirty="0"/>
+          </a:p>
+          <a:p>
+            <a:pPr>
+              <a:buFontTx/>
+              <a:buChar char="-"/>
+            </a:pPr>
+            <a:r>
+              <a:rPr lang="en-US" altLang="ko-KR" sz="2400" dirty="0"/>
+              <a:t>Server developer’s ease &amp; cost &gt; efficiency of compile language</a:t>
+            </a:r>
+          </a:p>
+          <a:p>
+            <a:pPr>
+              <a:buFontTx/>
+              <a:buChar char="-"/>
+            </a:pPr>
+            <a:endParaRPr lang="en-US" altLang="ko-KR" sz="2400" dirty="0"/>
+          </a:p>
+          <a:p>
+            <a:pPr marL="0" indent="0">
+              <a:buNone/>
+            </a:pPr>
+            <a:r>
+              <a:rPr lang="en-US" altLang="ko-KR" sz="2400" dirty="0"/>
+              <a:t>Q) Why is Java used as Server Language?</a:t>
+            </a:r>
+          </a:p>
+          <a:p>
+            <a:pPr>
+              <a:buFontTx/>
+              <a:buChar char="-"/>
+            </a:pPr>
+            <a:endParaRPr lang="en-US" altLang="ko-KR" sz="2400" dirty="0"/>
+          </a:p>
+        </p:txBody>
+      </p:sp>
     </p:spTree>
     <p:extLst>
       <p:ext uri="{BB962C8B-B14F-4D97-AF65-F5344CB8AC3E}">
-        <p14:creationId xmlns:p14="http://schemas.microsoft.com/office/powerpoint/2010/main" val="222606196"/>
+        <p14:creationId xmlns:p14="http://schemas.microsoft.com/office/powerpoint/2010/main" val="1932519655"/>
       </p:ext>
     </p:extLst>
   </p:cSld>
@@ -4784,9 +6895,9 @@
 </file>
 
 <file path=ppt/theme/theme1.xml><?xml version="1.0" encoding="utf-8"?>
-<a:theme xmlns:a="http://schemas.openxmlformats.org/drawingml/2006/main" name="Office 테마">
+<a:theme xmlns:a="http://schemas.openxmlformats.org/drawingml/2006/main" name="Office Theme">
   <a:themeElements>
-    <a:clrScheme name="Office">
+    <a:clrScheme name="Office 테마">
       <a:dk1>
         <a:sysClr val="windowText" lastClr="000000"/>
       </a:dk1>
@@ -4824,9 +6935,9 @@
         <a:srgbClr val="954F72"/>
       </a:folHlink>
     </a:clrScheme>
-    <a:fontScheme name="Office">
+    <a:fontScheme name="Office 테마">
       <a:majorFont>
-        <a:latin typeface="맑은 고딕" panose="020F0302020204030204"/>
+        <a:latin typeface="Calibri Light" panose="020F0302020204030204"/>
         <a:ea typeface=""/>
         <a:cs typeface=""/>
         <a:font script="Jpan" typeface="游ゴシック Light"/>
@@ -4859,26 +6970,9 @@
         <a:font script="Viet" typeface="Times New Roman"/>
         <a:font script="Uigh" typeface="Microsoft Uighur"/>
         <a:font script="Geor" typeface="Sylfaen"/>
-        <a:font script="Armn" typeface="Arial"/>
-        <a:font script="Bugi" typeface="Leelawadee UI"/>
-        <a:font script="Bopo" typeface="Microsoft JhengHei"/>
-        <a:font script="Java" typeface="Javanese Text"/>
-        <a:font script="Lisu" typeface="Segoe UI"/>
-        <a:font script="Mymr" typeface="Myanmar Text"/>
-        <a:font script="Nkoo" typeface="Ebrima"/>
-        <a:font script="Olck" typeface="Nirmala UI"/>
-        <a:font script="Osma" typeface="Ebrima"/>
-        <a:font script="Phag" typeface="Phagspa"/>
-        <a:font script="Syrn" typeface="Estrangelo Edessa"/>
-        <a:font script="Syrj" typeface="Estrangelo Edessa"/>
-        <a:font script="Syre" typeface="Estrangelo Edessa"/>
-        <a:font script="Sora" typeface="Nirmala UI"/>
-        <a:font script="Tale" typeface="Microsoft Tai Le"/>
-        <a:font script="Talu" typeface="Microsoft New Tai Lue"/>
-        <a:font script="Tfng" typeface="Ebrima"/>
       </a:majorFont>
       <a:minorFont>
-        <a:latin typeface="맑은 고딕" panose="020F0502020204030204"/>
+        <a:latin typeface="Calibri" panose="020F0502020204030204"/>
         <a:ea typeface=""/>
         <a:cs typeface=""/>
         <a:font script="Jpan" typeface="游ゴシック"/>
@@ -4911,26 +7005,9 @@
         <a:font script="Viet" typeface="Arial"/>
         <a:font script="Uigh" typeface="Microsoft Uighur"/>
         <a:font script="Geor" typeface="Sylfaen"/>
-        <a:font script="Armn" typeface="Arial"/>
-        <a:font script="Bugi" typeface="Leelawadee UI"/>
-        <a:font script="Bopo" typeface="Microsoft JhengHei"/>
-        <a:font script="Java" typeface="Javanese Text"/>
-        <a:font script="Lisu" typeface="Segoe UI"/>
-        <a:font script="Mymr" typeface="Myanmar Text"/>
-        <a:font script="Nkoo" typeface="Ebrima"/>
-        <a:font script="Olck" typeface="Nirmala UI"/>
-        <a:font script="Osma" typeface="Ebrima"/>
-        <a:font script="Phag" typeface="Phagspa"/>
-        <a:font script="Syrn" typeface="Estrangelo Edessa"/>
-        <a:font script="Syrj" typeface="Estrangelo Edessa"/>
-        <a:font script="Syre" typeface="Estrangelo Edessa"/>
-        <a:font script="Sora" typeface="Nirmala UI"/>
-        <a:font script="Tale" typeface="Microsoft Tai Le"/>
-        <a:font script="Talu" typeface="Microsoft New Tai Lue"/>
-        <a:font script="Tfng" typeface="Ebrima"/>
       </a:minorFont>
     </a:fontScheme>
-    <a:fmtScheme name="Office">
+    <a:fmtScheme name="Office 테마">
       <a:fillStyleLst>
         <a:solidFill>
           <a:schemeClr val="phClr"/>
